--- a/Guardians of the GUI MD System Presentation.pptx
+++ b/Guardians of the GUI MD System Presentation.pptx
@@ -4,15 +4,40 @@
   <p:sldMasterIdLst>
     <p:sldMasterId id="2147483781" r:id="rId1"/>
   </p:sldMasterIdLst>
+  <p:notesMasterIdLst>
+    <p:notesMasterId r:id="rId29"/>
+  </p:notesMasterIdLst>
+  <p:handoutMasterIdLst>
+    <p:handoutMasterId r:id="rId30"/>
+  </p:handoutMasterIdLst>
   <p:sldIdLst>
     <p:sldId id="256" r:id="rId2"/>
-    <p:sldId id="257" r:id="rId3"/>
-    <p:sldId id="258" r:id="rId4"/>
-    <p:sldId id="259" r:id="rId5"/>
-    <p:sldId id="260" r:id="rId6"/>
-    <p:sldId id="261" r:id="rId7"/>
-    <p:sldId id="262" r:id="rId8"/>
-    <p:sldId id="263" r:id="rId9"/>
+    <p:sldId id="272" r:id="rId3"/>
+    <p:sldId id="271" r:id="rId4"/>
+    <p:sldId id="280" r:id="rId5"/>
+    <p:sldId id="273" r:id="rId6"/>
+    <p:sldId id="275" r:id="rId7"/>
+    <p:sldId id="276" r:id="rId8"/>
+    <p:sldId id="277" r:id="rId9"/>
+    <p:sldId id="278" r:id="rId10"/>
+    <p:sldId id="279" r:id="rId11"/>
+    <p:sldId id="288" r:id="rId12"/>
+    <p:sldId id="282" r:id="rId13"/>
+    <p:sldId id="283" r:id="rId14"/>
+    <p:sldId id="284" r:id="rId15"/>
+    <p:sldId id="281" r:id="rId16"/>
+    <p:sldId id="290" r:id="rId17"/>
+    <p:sldId id="286" r:id="rId18"/>
+    <p:sldId id="287" r:id="rId19"/>
+    <p:sldId id="285" r:id="rId20"/>
+    <p:sldId id="257" r:id="rId21"/>
+    <p:sldId id="258" r:id="rId22"/>
+    <p:sldId id="259" r:id="rId23"/>
+    <p:sldId id="260" r:id="rId24"/>
+    <p:sldId id="261" r:id="rId25"/>
+    <p:sldId id="262" r:id="rId26"/>
+    <p:sldId id="263" r:id="rId27"/>
+    <p:sldId id="289" r:id="rId28"/>
   </p:sldIdLst>
   <p:sldSz cx="9144000" cy="6858000" type="screen4x3"/>
   <p:notesSz cx="6858000" cy="9144000"/>
@@ -111,7 +136,577 @@
       </a:defRPr>
     </a:lvl9pPr>
   </p:defaultTextStyle>
+  <p:extLst>
+    <p:ext uri="{521415D9-36F7-43E2-AB2F-B90AF26B5E84}">
+      <p14:sectionLst xmlns:p14="http://schemas.microsoft.com/office/powerpoint/2010/main">
+        <p14:section name="Default Section" id="{723E0FA1-794C-2E43-8266-385E73186606}">
+          <p14:sldIdLst>
+            <p14:sldId id="256"/>
+            <p14:sldId id="272"/>
+            <p14:sldId id="271"/>
+          </p14:sldIdLst>
+        </p14:section>
+        <p14:section name="Panels" id="{50A39B02-1F66-C948-90EC-BFC8848C3915}">
+          <p14:sldIdLst>
+            <p14:sldId id="280"/>
+            <p14:sldId id="273"/>
+            <p14:sldId id="275"/>
+            <p14:sldId id="276"/>
+            <p14:sldId id="277"/>
+            <p14:sldId id="278"/>
+            <p14:sldId id="279"/>
+          </p14:sldIdLst>
+        </p14:section>
+        <p14:section name="Behind the Scenes" id="{85A4D3C0-140F-D544-A0F0-97AE0983AEC8}">
+          <p14:sldIdLst>
+            <p14:sldId id="288"/>
+            <p14:sldId id="282"/>
+            <p14:sldId id="283"/>
+            <p14:sldId id="284"/>
+          </p14:sldIdLst>
+        </p14:section>
+        <p14:section name="Conclusion" id="{6DF1E186-76C2-5A49-81DC-5FCE951683A8}">
+          <p14:sldIdLst>
+            <p14:sldId id="281"/>
+            <p14:sldId id="290"/>
+            <p14:sldId id="286"/>
+            <p14:sldId id="287"/>
+          </p14:sldIdLst>
+        </p14:section>
+        <p14:section name="Appendices" id="{D799B057-290F-6844-9D50-D188BAC15D27}">
+          <p14:sldIdLst>
+            <p14:sldId id="285"/>
+            <p14:sldId id="257"/>
+            <p14:sldId id="258"/>
+            <p14:sldId id="259"/>
+            <p14:sldId id="260"/>
+            <p14:sldId id="261"/>
+            <p14:sldId id="262"/>
+            <p14:sldId id="263"/>
+            <p14:sldId id="289"/>
+          </p14:sldIdLst>
+        </p14:section>
+      </p14:sectionLst>
+    </p:ext>
+  </p:extLst>
 </p:presentation>
+</file>
+
+<file path=ppt/handoutMasters/handoutMaster1.xml><?xml version="1.0" encoding="utf-8"?>
+<p:handoutMaster xmlns:a="http://schemas.openxmlformats.org/drawingml/2006/main" xmlns:r="http://schemas.openxmlformats.org/officeDocument/2006/relationships" xmlns:p="http://schemas.openxmlformats.org/presentationml/2006/main">
+  <p:cSld>
+    <p:bg>
+      <p:bgRef idx="1001">
+        <a:schemeClr val="bg1"/>
+      </p:bgRef>
+    </p:bg>
+    <p:spTree>
+      <p:nvGrpSpPr>
+        <p:cNvPr id="1" name=""/>
+        <p:cNvGrpSpPr/>
+        <p:nvPr/>
+      </p:nvGrpSpPr>
+      <p:grpSpPr>
+        <a:xfrm>
+          <a:off x="0" y="0"/>
+          <a:ext cx="0" cy="0"/>
+          <a:chOff x="0" y="0"/>
+          <a:chExt cx="0" cy="0"/>
+        </a:xfrm>
+      </p:grpSpPr>
+      <p:sp>
+        <p:nvSpPr>
+          <p:cNvPr id="2" name="Header Placeholder 1"/>
+          <p:cNvSpPr>
+            <a:spLocks noGrp="1"/>
+          </p:cNvSpPr>
+          <p:nvPr>
+            <p:ph type="hdr" sz="quarter"/>
+          </p:nvPr>
+        </p:nvSpPr>
+        <p:spPr>
+          <a:xfrm>
+            <a:off x="0" y="0"/>
+            <a:ext cx="2971800" cy="457200"/>
+          </a:xfrm>
+          <a:prstGeom prst="rect">
+            <a:avLst/>
+          </a:prstGeom>
+        </p:spPr>
+        <p:txBody>
+          <a:bodyPr vert="horz" lIns="91440" tIns="45720" rIns="91440" bIns="45720" rtlCol="0"/>
+          <a:lstStyle>
+            <a:lvl1pPr algn="l">
+              <a:defRPr sz="1200"/>
+            </a:lvl1pPr>
+          </a:lstStyle>
+          <a:p>
+            <a:endParaRPr lang="en-US"/>
+          </a:p>
+        </p:txBody>
+      </p:sp>
+      <p:sp>
+        <p:nvSpPr>
+          <p:cNvPr id="3" name="Date Placeholder 2"/>
+          <p:cNvSpPr>
+            <a:spLocks noGrp="1"/>
+          </p:cNvSpPr>
+          <p:nvPr>
+            <p:ph type="dt" sz="quarter" idx="1"/>
+          </p:nvPr>
+        </p:nvSpPr>
+        <p:spPr>
+          <a:xfrm>
+            <a:off x="3884613" y="0"/>
+            <a:ext cx="2971800" cy="457200"/>
+          </a:xfrm>
+          <a:prstGeom prst="rect">
+            <a:avLst/>
+          </a:prstGeom>
+        </p:spPr>
+        <p:txBody>
+          <a:bodyPr vert="horz" lIns="91440" tIns="45720" rIns="91440" bIns="45720" rtlCol="0"/>
+          <a:lstStyle>
+            <a:lvl1pPr algn="r">
+              <a:defRPr sz="1200"/>
+            </a:lvl1pPr>
+          </a:lstStyle>
+          <a:p>
+            <a:fld id="{A9555041-B11D-7B4D-AB6E-30575CFB536F}" type="datetimeFigureOut">
+              <a:rPr lang="en-US" smtClean="0"/>
+              <a:t>4/30/15</a:t>
+            </a:fld>
+            <a:endParaRPr lang="en-US"/>
+          </a:p>
+        </p:txBody>
+      </p:sp>
+      <p:sp>
+        <p:nvSpPr>
+          <p:cNvPr id="4" name="Footer Placeholder 3"/>
+          <p:cNvSpPr>
+            <a:spLocks noGrp="1"/>
+          </p:cNvSpPr>
+          <p:nvPr>
+            <p:ph type="ftr" sz="quarter" idx="2"/>
+          </p:nvPr>
+        </p:nvSpPr>
+        <p:spPr>
+          <a:xfrm>
+            <a:off x="0" y="8685213"/>
+            <a:ext cx="2971800" cy="457200"/>
+          </a:xfrm>
+          <a:prstGeom prst="rect">
+            <a:avLst/>
+          </a:prstGeom>
+        </p:spPr>
+        <p:txBody>
+          <a:bodyPr vert="horz" lIns="91440" tIns="45720" rIns="91440" bIns="45720" rtlCol="0" anchor="b"/>
+          <a:lstStyle>
+            <a:lvl1pPr algn="l">
+              <a:defRPr sz="1200"/>
+            </a:lvl1pPr>
+          </a:lstStyle>
+          <a:p>
+            <a:endParaRPr lang="en-US"/>
+          </a:p>
+        </p:txBody>
+      </p:sp>
+      <p:sp>
+        <p:nvSpPr>
+          <p:cNvPr id="5" name="Slide Number Placeholder 4"/>
+          <p:cNvSpPr>
+            <a:spLocks noGrp="1"/>
+          </p:cNvSpPr>
+          <p:nvPr>
+            <p:ph type="sldNum" sz="quarter" idx="3"/>
+          </p:nvPr>
+        </p:nvSpPr>
+        <p:spPr>
+          <a:xfrm>
+            <a:off x="3884613" y="8685213"/>
+            <a:ext cx="2971800" cy="457200"/>
+          </a:xfrm>
+          <a:prstGeom prst="rect">
+            <a:avLst/>
+          </a:prstGeom>
+        </p:spPr>
+        <p:txBody>
+          <a:bodyPr vert="horz" lIns="91440" tIns="45720" rIns="91440" bIns="45720" rtlCol="0" anchor="b"/>
+          <a:lstStyle>
+            <a:lvl1pPr algn="r">
+              <a:defRPr sz="1200"/>
+            </a:lvl1pPr>
+          </a:lstStyle>
+          <a:p>
+            <a:fld id="{F6D46DB2-5AB6-D64F-9A01-35865FBFD049}" type="slidenum">
+              <a:rPr lang="en-US" smtClean="0"/>
+              <a:t>‹#›</a:t>
+            </a:fld>
+            <a:endParaRPr lang="en-US"/>
+          </a:p>
+        </p:txBody>
+      </p:sp>
+    </p:spTree>
+    <p:extLst>
+      <p:ext uri="{BB962C8B-B14F-4D97-AF65-F5344CB8AC3E}">
+        <p14:creationId xmlns:p14="http://schemas.microsoft.com/office/powerpoint/2010/main" val="2156210469"/>
+      </p:ext>
+    </p:extLst>
+  </p:cSld>
+  <p:clrMap bg1="lt1" tx1="dk1" bg2="lt2" tx2="dk2" accent1="accent1" accent2="accent2" accent3="accent3" accent4="accent4" accent5="accent5" accent6="accent6" hlink="hlink" folHlink="folHlink"/>
+  <p:hf hdr="0" ftr="0" dt="0"/>
+</p:handoutMaster>
+</file>
+
+<file path=ppt/notesMasters/notesMaster1.xml><?xml version="1.0" encoding="utf-8"?>
+<p:notesMaster xmlns:a="http://schemas.openxmlformats.org/drawingml/2006/main" xmlns:r="http://schemas.openxmlformats.org/officeDocument/2006/relationships" xmlns:p="http://schemas.openxmlformats.org/presentationml/2006/main">
+  <p:cSld>
+    <p:bg>
+      <p:bgRef idx="1001">
+        <a:schemeClr val="bg1"/>
+      </p:bgRef>
+    </p:bg>
+    <p:spTree>
+      <p:nvGrpSpPr>
+        <p:cNvPr id="1" name=""/>
+        <p:cNvGrpSpPr/>
+        <p:nvPr/>
+      </p:nvGrpSpPr>
+      <p:grpSpPr>
+        <a:xfrm>
+          <a:off x="0" y="0"/>
+          <a:ext cx="0" cy="0"/>
+          <a:chOff x="0" y="0"/>
+          <a:chExt cx="0" cy="0"/>
+        </a:xfrm>
+      </p:grpSpPr>
+      <p:sp>
+        <p:nvSpPr>
+          <p:cNvPr id="2" name="Header Placeholder 1"/>
+          <p:cNvSpPr>
+            <a:spLocks noGrp="1"/>
+          </p:cNvSpPr>
+          <p:nvPr>
+            <p:ph type="hdr" sz="quarter"/>
+          </p:nvPr>
+        </p:nvSpPr>
+        <p:spPr>
+          <a:xfrm>
+            <a:off x="0" y="0"/>
+            <a:ext cx="2971800" cy="457200"/>
+          </a:xfrm>
+          <a:prstGeom prst="rect">
+            <a:avLst/>
+          </a:prstGeom>
+        </p:spPr>
+        <p:txBody>
+          <a:bodyPr vert="horz" lIns="91440" tIns="45720" rIns="91440" bIns="45720" rtlCol="0"/>
+          <a:lstStyle>
+            <a:lvl1pPr algn="l">
+              <a:defRPr sz="1200"/>
+            </a:lvl1pPr>
+          </a:lstStyle>
+          <a:p>
+            <a:endParaRPr lang="en-US"/>
+          </a:p>
+        </p:txBody>
+      </p:sp>
+      <p:sp>
+        <p:nvSpPr>
+          <p:cNvPr id="3" name="Date Placeholder 2"/>
+          <p:cNvSpPr>
+            <a:spLocks noGrp="1"/>
+          </p:cNvSpPr>
+          <p:nvPr>
+            <p:ph type="dt" idx="1"/>
+          </p:nvPr>
+        </p:nvSpPr>
+        <p:spPr>
+          <a:xfrm>
+            <a:off x="3884613" y="0"/>
+            <a:ext cx="2971800" cy="457200"/>
+          </a:xfrm>
+          <a:prstGeom prst="rect">
+            <a:avLst/>
+          </a:prstGeom>
+        </p:spPr>
+        <p:txBody>
+          <a:bodyPr vert="horz" lIns="91440" tIns="45720" rIns="91440" bIns="45720" rtlCol="0"/>
+          <a:lstStyle>
+            <a:lvl1pPr algn="r">
+              <a:defRPr sz="1200"/>
+            </a:lvl1pPr>
+          </a:lstStyle>
+          <a:p>
+            <a:fld id="{38E74555-B2F1-454E-90D8-4EA9A3626D5B}" type="datetimeFigureOut">
+              <a:rPr lang="en-US" smtClean="0"/>
+              <a:t>4/30/15</a:t>
+            </a:fld>
+            <a:endParaRPr lang="en-US"/>
+          </a:p>
+        </p:txBody>
+      </p:sp>
+      <p:sp>
+        <p:nvSpPr>
+          <p:cNvPr id="4" name="Slide Image Placeholder 3"/>
+          <p:cNvSpPr>
+            <a:spLocks noGrp="1" noRot="1" noChangeAspect="1"/>
+          </p:cNvSpPr>
+          <p:nvPr>
+            <p:ph type="sldImg" idx="2"/>
+          </p:nvPr>
+        </p:nvSpPr>
+        <p:spPr>
+          <a:xfrm>
+            <a:off x="1143000" y="685800"/>
+            <a:ext cx="4572000" cy="3429000"/>
+          </a:xfrm>
+          <a:prstGeom prst="rect">
+            <a:avLst/>
+          </a:prstGeom>
+          <a:noFill/>
+          <a:ln w="12700">
+            <a:solidFill>
+              <a:prstClr val="black"/>
+            </a:solidFill>
+          </a:ln>
+        </p:spPr>
+        <p:txBody>
+          <a:bodyPr vert="horz" lIns="91440" tIns="45720" rIns="91440" bIns="45720" rtlCol="0" anchor="ctr"/>
+          <a:lstStyle/>
+          <a:p>
+            <a:endParaRPr lang="en-US"/>
+          </a:p>
+        </p:txBody>
+      </p:sp>
+      <p:sp>
+        <p:nvSpPr>
+          <p:cNvPr id="5" name="Notes Placeholder 4"/>
+          <p:cNvSpPr>
+            <a:spLocks noGrp="1"/>
+          </p:cNvSpPr>
+          <p:nvPr>
+            <p:ph type="body" sz="quarter" idx="3"/>
+          </p:nvPr>
+        </p:nvSpPr>
+        <p:spPr>
+          <a:xfrm>
+            <a:off x="685800" y="4343400"/>
+            <a:ext cx="5486400" cy="4114800"/>
+          </a:xfrm>
+          <a:prstGeom prst="rect">
+            <a:avLst/>
+          </a:prstGeom>
+        </p:spPr>
+        <p:txBody>
+          <a:bodyPr vert="horz" lIns="91440" tIns="45720" rIns="91440" bIns="45720" rtlCol="0"/>
+          <a:lstStyle/>
+          <a:p>
+            <a:pPr lvl="0"/>
+            <a:r>
+              <a:rPr lang="en-US" smtClean="0"/>
+              <a:t>Click to edit Master text styles</a:t>
+            </a:r>
+          </a:p>
+          <a:p>
+            <a:pPr lvl="1"/>
+            <a:r>
+              <a:rPr lang="en-US" smtClean="0"/>
+              <a:t>Second level</a:t>
+            </a:r>
+          </a:p>
+          <a:p>
+            <a:pPr lvl="2"/>
+            <a:r>
+              <a:rPr lang="en-US" smtClean="0"/>
+              <a:t>Third level</a:t>
+            </a:r>
+          </a:p>
+          <a:p>
+            <a:pPr lvl="3"/>
+            <a:r>
+              <a:rPr lang="en-US" smtClean="0"/>
+              <a:t>Fourth level</a:t>
+            </a:r>
+          </a:p>
+          <a:p>
+            <a:pPr lvl="4"/>
+            <a:r>
+              <a:rPr lang="en-US" smtClean="0"/>
+              <a:t>Fifth level</a:t>
+            </a:r>
+            <a:endParaRPr lang="en-US"/>
+          </a:p>
+        </p:txBody>
+      </p:sp>
+      <p:sp>
+        <p:nvSpPr>
+          <p:cNvPr id="6" name="Footer Placeholder 5"/>
+          <p:cNvSpPr>
+            <a:spLocks noGrp="1"/>
+          </p:cNvSpPr>
+          <p:nvPr>
+            <p:ph type="ftr" sz="quarter" idx="4"/>
+          </p:nvPr>
+        </p:nvSpPr>
+        <p:spPr>
+          <a:xfrm>
+            <a:off x="0" y="8685213"/>
+            <a:ext cx="2971800" cy="457200"/>
+          </a:xfrm>
+          <a:prstGeom prst="rect">
+            <a:avLst/>
+          </a:prstGeom>
+        </p:spPr>
+        <p:txBody>
+          <a:bodyPr vert="horz" lIns="91440" tIns="45720" rIns="91440" bIns="45720" rtlCol="0" anchor="b"/>
+          <a:lstStyle>
+            <a:lvl1pPr algn="l">
+              <a:defRPr sz="1200"/>
+            </a:lvl1pPr>
+          </a:lstStyle>
+          <a:p>
+            <a:endParaRPr lang="en-US"/>
+          </a:p>
+        </p:txBody>
+      </p:sp>
+      <p:sp>
+        <p:nvSpPr>
+          <p:cNvPr id="7" name="Slide Number Placeholder 6"/>
+          <p:cNvSpPr>
+            <a:spLocks noGrp="1"/>
+          </p:cNvSpPr>
+          <p:nvPr>
+            <p:ph type="sldNum" sz="quarter" idx="5"/>
+          </p:nvPr>
+        </p:nvSpPr>
+        <p:spPr>
+          <a:xfrm>
+            <a:off x="3884613" y="8685213"/>
+            <a:ext cx="2971800" cy="457200"/>
+          </a:xfrm>
+          <a:prstGeom prst="rect">
+            <a:avLst/>
+          </a:prstGeom>
+        </p:spPr>
+        <p:txBody>
+          <a:bodyPr vert="horz" lIns="91440" tIns="45720" rIns="91440" bIns="45720" rtlCol="0" anchor="b"/>
+          <a:lstStyle>
+            <a:lvl1pPr algn="r">
+              <a:defRPr sz="1200"/>
+            </a:lvl1pPr>
+          </a:lstStyle>
+          <a:p>
+            <a:fld id="{73F66C69-D1EE-564F-82D5-4F4D7181CFF5}" type="slidenum">
+              <a:rPr lang="en-US" smtClean="0"/>
+              <a:t>‹#›</a:t>
+            </a:fld>
+            <a:endParaRPr lang="en-US"/>
+          </a:p>
+        </p:txBody>
+      </p:sp>
+    </p:spTree>
+    <p:extLst>
+      <p:ext uri="{BB962C8B-B14F-4D97-AF65-F5344CB8AC3E}">
+        <p14:creationId xmlns:p14="http://schemas.microsoft.com/office/powerpoint/2010/main" val="1792504080"/>
+      </p:ext>
+    </p:extLst>
+  </p:cSld>
+  <p:clrMap bg1="lt1" tx1="dk1" bg2="lt2" tx2="dk2" accent1="accent1" accent2="accent2" accent3="accent3" accent4="accent4" accent5="accent5" accent6="accent6" hlink="hlink" folHlink="folHlink"/>
+  <p:hf hdr="0" ftr="0" dt="0"/>
+  <p:notesStyle>
+    <a:lvl1pPr marL="0" algn="l" defTabSz="457200" rtl="0" eaLnBrk="1" latinLnBrk="0" hangingPunct="1">
+      <a:defRPr sz="1200" kern="1200">
+        <a:solidFill>
+          <a:schemeClr val="tx1"/>
+        </a:solidFill>
+        <a:latin typeface="+mn-lt"/>
+        <a:ea typeface="+mn-ea"/>
+        <a:cs typeface="+mn-cs"/>
+      </a:defRPr>
+    </a:lvl1pPr>
+    <a:lvl2pPr marL="457200" algn="l" defTabSz="457200" rtl="0" eaLnBrk="1" latinLnBrk="0" hangingPunct="1">
+      <a:defRPr sz="1200" kern="1200">
+        <a:solidFill>
+          <a:schemeClr val="tx1"/>
+        </a:solidFill>
+        <a:latin typeface="+mn-lt"/>
+        <a:ea typeface="+mn-ea"/>
+        <a:cs typeface="+mn-cs"/>
+      </a:defRPr>
+    </a:lvl2pPr>
+    <a:lvl3pPr marL="914400" algn="l" defTabSz="457200" rtl="0" eaLnBrk="1" latinLnBrk="0" hangingPunct="1">
+      <a:defRPr sz="1200" kern="1200">
+        <a:solidFill>
+          <a:schemeClr val="tx1"/>
+        </a:solidFill>
+        <a:latin typeface="+mn-lt"/>
+        <a:ea typeface="+mn-ea"/>
+        <a:cs typeface="+mn-cs"/>
+      </a:defRPr>
+    </a:lvl3pPr>
+    <a:lvl4pPr marL="1371600" algn="l" defTabSz="457200" rtl="0" eaLnBrk="1" latinLnBrk="0" hangingPunct="1">
+      <a:defRPr sz="1200" kern="1200">
+        <a:solidFill>
+          <a:schemeClr val="tx1"/>
+        </a:solidFill>
+        <a:latin typeface="+mn-lt"/>
+        <a:ea typeface="+mn-ea"/>
+        <a:cs typeface="+mn-cs"/>
+      </a:defRPr>
+    </a:lvl4pPr>
+    <a:lvl5pPr marL="1828800" algn="l" defTabSz="457200" rtl="0" eaLnBrk="1" latinLnBrk="0" hangingPunct="1">
+      <a:defRPr sz="1200" kern="1200">
+        <a:solidFill>
+          <a:schemeClr val="tx1"/>
+        </a:solidFill>
+        <a:latin typeface="+mn-lt"/>
+        <a:ea typeface="+mn-ea"/>
+        <a:cs typeface="+mn-cs"/>
+      </a:defRPr>
+    </a:lvl5pPr>
+    <a:lvl6pPr marL="2286000" algn="l" defTabSz="457200" rtl="0" eaLnBrk="1" latinLnBrk="0" hangingPunct="1">
+      <a:defRPr sz="1200" kern="1200">
+        <a:solidFill>
+          <a:schemeClr val="tx1"/>
+        </a:solidFill>
+        <a:latin typeface="+mn-lt"/>
+        <a:ea typeface="+mn-ea"/>
+        <a:cs typeface="+mn-cs"/>
+      </a:defRPr>
+    </a:lvl6pPr>
+    <a:lvl7pPr marL="2743200" algn="l" defTabSz="457200" rtl="0" eaLnBrk="1" latinLnBrk="0" hangingPunct="1">
+      <a:defRPr sz="1200" kern="1200">
+        <a:solidFill>
+          <a:schemeClr val="tx1"/>
+        </a:solidFill>
+        <a:latin typeface="+mn-lt"/>
+        <a:ea typeface="+mn-ea"/>
+        <a:cs typeface="+mn-cs"/>
+      </a:defRPr>
+    </a:lvl7pPr>
+    <a:lvl8pPr marL="3200400" algn="l" defTabSz="457200" rtl="0" eaLnBrk="1" latinLnBrk="0" hangingPunct="1">
+      <a:defRPr sz="1200" kern="1200">
+        <a:solidFill>
+          <a:schemeClr val="tx1"/>
+        </a:solidFill>
+        <a:latin typeface="+mn-lt"/>
+        <a:ea typeface="+mn-ea"/>
+        <a:cs typeface="+mn-cs"/>
+      </a:defRPr>
+    </a:lvl8pPr>
+    <a:lvl9pPr marL="3657600" algn="l" defTabSz="457200" rtl="0" eaLnBrk="1" latinLnBrk="0" hangingPunct="1">
+      <a:defRPr sz="1200" kern="1200">
+        <a:solidFill>
+          <a:schemeClr val="tx1"/>
+        </a:solidFill>
+        <a:latin typeface="+mn-lt"/>
+        <a:ea typeface="+mn-ea"/>
+        <a:cs typeface="+mn-cs"/>
+      </a:defRPr>
+    </a:lvl9pPr>
+  </p:notesStyle>
+</p:notesMaster>
 </file>
 
 <file path=ppt/slideLayouts/slideLayout1.xml><?xml version="1.0" encoding="utf-8"?>
@@ -392,10 +987,10 @@
           <a:bodyPr/>
           <a:lstStyle/>
           <a:p>
-            <a:fld id="{B3E34835-0EC4-C544-8C5F-566E3DDC360A}" type="datetimeFigureOut">
+            <a:r>
               <a:rPr lang="en-US" smtClean="0"/>
-              <a:t>4/28/15</a:t>
-            </a:fld>
+              <a:t>4/30/15</a:t>
+            </a:r>
             <a:endParaRPr lang="en-US"/>
           </a:p>
         </p:txBody>
@@ -785,10 +1380,10 @@
           <a:bodyPr/>
           <a:lstStyle/>
           <a:p>
-            <a:fld id="{B3E34835-0EC4-C544-8C5F-566E3DDC360A}" type="datetimeFigureOut">
+            <a:r>
               <a:rPr lang="en-US" smtClean="0"/>
-              <a:t>4/28/15</a:t>
-            </a:fld>
+              <a:t>4/30/15</a:t>
+            </a:r>
             <a:endParaRPr lang="en-US"/>
           </a:p>
         </p:txBody>
@@ -1317,10 +1912,10 @@
           <a:bodyPr/>
           <a:lstStyle/>
           <a:p>
-            <a:fld id="{B3E34835-0EC4-C544-8C5F-566E3DDC360A}" type="datetimeFigureOut">
+            <a:r>
               <a:rPr lang="en-US" smtClean="0"/>
-              <a:t>4/28/15</a:t>
-            </a:fld>
+              <a:t>4/30/15</a:t>
+            </a:r>
             <a:endParaRPr lang="en-US"/>
           </a:p>
         </p:txBody>
@@ -1450,10 +2045,10 @@
           <a:bodyPr/>
           <a:lstStyle/>
           <a:p>
-            <a:fld id="{B3E34835-0EC4-C544-8C5F-566E3DDC360A}" type="datetimeFigureOut">
+            <a:r>
               <a:rPr lang="en-US" smtClean="0"/>
-              <a:t>4/28/15</a:t>
-            </a:fld>
+              <a:t>4/30/15</a:t>
+            </a:r>
             <a:endParaRPr lang="en-US"/>
           </a:p>
         </p:txBody>
@@ -1993,10 +2588,10 @@
           <a:bodyPr/>
           <a:lstStyle/>
           <a:p>
-            <a:fld id="{B3E34835-0EC4-C544-8C5F-566E3DDC360A}" type="datetimeFigureOut">
+            <a:r>
               <a:rPr lang="en-US" smtClean="0"/>
-              <a:t>4/28/15</a:t>
-            </a:fld>
+              <a:t>4/30/15</a:t>
+            </a:r>
             <a:endParaRPr lang="en-US"/>
           </a:p>
         </p:txBody>
@@ -2288,10 +2883,10 @@
           <a:bodyPr/>
           <a:lstStyle/>
           <a:p>
-            <a:fld id="{B3E34835-0EC4-C544-8C5F-566E3DDC360A}" type="datetimeFigureOut">
+            <a:r>
               <a:rPr lang="en-US" smtClean="0"/>
-              <a:t>4/28/15</a:t>
-            </a:fld>
+              <a:t>4/30/15</a:t>
+            </a:r>
             <a:endParaRPr lang="en-US"/>
           </a:p>
         </p:txBody>
@@ -2947,10 +3542,10 @@
           <a:bodyPr/>
           <a:lstStyle/>
           <a:p>
-            <a:fld id="{B3E34835-0EC4-C544-8C5F-566E3DDC360A}" type="datetimeFigureOut">
+            <a:r>
               <a:rPr lang="en-US" smtClean="0"/>
-              <a:t>4/28/15</a:t>
-            </a:fld>
+              <a:t>4/30/15</a:t>
+            </a:r>
             <a:endParaRPr lang="en-US"/>
           </a:p>
         </p:txBody>
@@ -3383,10 +3978,10 @@
           <a:bodyPr/>
           <a:lstStyle/>
           <a:p>
-            <a:fld id="{B3E34835-0EC4-C544-8C5F-566E3DDC360A}" type="datetimeFigureOut">
+            <a:r>
               <a:rPr lang="en-US" smtClean="0"/>
-              <a:t>4/28/15</a:t>
-            </a:fld>
+              <a:t>4/30/15</a:t>
+            </a:r>
             <a:endParaRPr lang="en-US"/>
           </a:p>
         </p:txBody>
@@ -3696,10 +4291,10 @@
           <a:bodyPr/>
           <a:lstStyle/>
           <a:p>
-            <a:fld id="{B3E34835-0EC4-C544-8C5F-566E3DDC360A}" type="datetimeFigureOut">
+            <a:r>
               <a:rPr lang="en-US" smtClean="0"/>
-              <a:t>4/28/15</a:t>
-            </a:fld>
+              <a:t>4/30/15</a:t>
+            </a:r>
             <a:endParaRPr lang="en-US"/>
           </a:p>
         </p:txBody>
@@ -4428,10 +5023,10 @@
           <a:bodyPr/>
           <a:lstStyle/>
           <a:p>
-            <a:fld id="{B3E34835-0EC4-C544-8C5F-566E3DDC360A}" type="datetimeFigureOut">
+            <a:r>
               <a:rPr lang="en-US" smtClean="0"/>
-              <a:t>4/28/15</a:t>
-            </a:fld>
+              <a:t>4/30/15</a:t>
+            </a:r>
             <a:endParaRPr lang="en-US"/>
           </a:p>
         </p:txBody>
@@ -5092,10 +5687,10 @@
           <a:bodyPr/>
           <a:lstStyle/>
           <a:p>
-            <a:fld id="{B3E34835-0EC4-C544-8C5F-566E3DDC360A}" type="datetimeFigureOut">
+            <a:r>
               <a:rPr lang="en-US" smtClean="0"/>
-              <a:t>4/28/15</a:t>
-            </a:fld>
+              <a:t>4/30/15</a:t>
+            </a:r>
             <a:endParaRPr lang="en-US"/>
           </a:p>
         </p:txBody>
@@ -5365,11 +5960,11 @@
             </a:lvl1pPr>
           </a:lstStyle>
           <a:p>
-            <a:fld id="{B3E34835-0EC4-C544-8C5F-566E3DDC360A}" type="datetimeFigureOut">
+            <a:r>
               <a:rPr lang="en-US" smtClean="0"/>
-              <a:t>4/28/15</a:t>
-            </a:fld>
-            <a:endParaRPr lang="en-US"/>
+              <a:t>4/30/15</a:t>
+            </a:r>
+            <a:endParaRPr lang="en-US" dirty="0"/>
           </a:p>
         </p:txBody>
       </p:sp>
@@ -5404,7 +5999,7 @@
             </a:lvl1pPr>
           </a:lstStyle>
           <a:p>
-            <a:endParaRPr lang="en-US"/>
+            <a:endParaRPr lang="en-US" dirty="0"/>
           </a:p>
         </p:txBody>
       </p:sp>
@@ -5619,7 +6214,7 @@
               <a:rPr lang="en-US" smtClean="0"/>
               <a:t>‹#›</a:t>
             </a:fld>
-            <a:endParaRPr lang="en-US"/>
+            <a:endParaRPr lang="en-US" dirty="0"/>
           </a:p>
         </p:txBody>
       </p:sp>
@@ -5734,6 +6329,7 @@
     <p:sldLayoutId id="2147483791" r:id="rId10"/>
     <p:sldLayoutId id="2147483792" r:id="rId11"/>
   </p:sldLayoutIdLst>
+  <p:hf hdr="0" ftr="0"/>
   <p:txStyles>
     <p:titleStyle>
       <a:lvl1pPr algn="ctr" rtl="0" eaLnBrk="1" latinLnBrk="0" hangingPunct="1">
@@ -6110,16 +6706,83 @@
           <a:p>
             <a:r>
               <a:rPr lang="en-US" dirty="0" smtClean="0"/>
-              <a:t>Guardians of the GUI</a:t>
-            </a:r>
-            <a:br>
-              <a:rPr lang="en-US" dirty="0" smtClean="0"/>
-            </a:br>
-            <a:r>
-              <a:rPr lang="en-US" dirty="0" smtClean="0"/>
-              <a:t>Presents: MD System</a:t>
+              <a:t>The Guardians </a:t>
+            </a:r>
+            <a:r>
+              <a:rPr lang="en-US" dirty="0" smtClean="0"/>
+              <a:t>of the </a:t>
+            </a:r>
+            <a:r>
+              <a:rPr lang="en-US" dirty="0" smtClean="0"/>
+              <a:t>GUI</a:t>
+            </a:r>
+            <a:r>
+              <a:rPr lang="en-US" dirty="0" smtClean="0"/>
+              <a:t> Present: </a:t>
+            </a:r>
+            <a:r>
+              <a:rPr lang="en-US" dirty="0" smtClean="0"/>
+              <a:t>The </a:t>
+            </a:r>
+            <a:r>
+              <a:rPr lang="en-US" dirty="0" err="1" smtClean="0"/>
+              <a:t>GotG</a:t>
+            </a:r>
+            <a:r>
+              <a:rPr lang="en-US" dirty="0" smtClean="0"/>
+              <a:t> MD </a:t>
+            </a:r>
+            <a:r>
+              <a:rPr lang="en-US" dirty="0" smtClean="0"/>
+              <a:t>System</a:t>
             </a:r>
             <a:endParaRPr lang="en-US" dirty="0"/>
+          </a:p>
+        </p:txBody>
+      </p:sp>
+      <p:sp>
+        <p:nvSpPr>
+          <p:cNvPr id="5" name="Date Placeholder 4"/>
+          <p:cNvSpPr>
+            <a:spLocks noGrp="1"/>
+          </p:cNvSpPr>
+          <p:nvPr>
+            <p:ph type="dt" sz="half" idx="10"/>
+          </p:nvPr>
+        </p:nvSpPr>
+        <p:spPr/>
+        <p:txBody>
+          <a:bodyPr/>
+          <a:lstStyle/>
+          <a:p>
+            <a:r>
+              <a:rPr lang="en-US" smtClean="0"/>
+              <a:t>4/30/15</a:t>
+            </a:r>
+            <a:endParaRPr lang="en-US"/>
+          </a:p>
+        </p:txBody>
+      </p:sp>
+      <p:sp>
+        <p:nvSpPr>
+          <p:cNvPr id="6" name="Slide Number Placeholder 5"/>
+          <p:cNvSpPr>
+            <a:spLocks noGrp="1"/>
+          </p:cNvSpPr>
+          <p:nvPr>
+            <p:ph type="sldNum" sz="quarter" idx="12"/>
+          </p:nvPr>
+        </p:nvSpPr>
+        <p:spPr/>
+        <p:txBody>
+          <a:bodyPr/>
+          <a:lstStyle/>
+          <a:p>
+            <a:fld id="{F14E1E57-8767-3046-891C-C12DFF405717}" type="slidenum">
+              <a:rPr lang="en-US" smtClean="0"/>
+              <a:t>1</a:t>
+            </a:fld>
+            <a:endParaRPr lang="en-US"/>
           </a:p>
         </p:txBody>
       </p:sp>
@@ -6127,6 +6790,3059 @@
     <p:extLst>
       <p:ext uri="{BB962C8B-B14F-4D97-AF65-F5344CB8AC3E}">
         <p14:creationId xmlns:p14="http://schemas.microsoft.com/office/powerpoint/2010/main" val="4215783405"/>
+      </p:ext>
+    </p:extLst>
+  </p:cSld>
+  <p:clrMapOvr>
+    <a:masterClrMapping/>
+  </p:clrMapOvr>
+  <p:timing>
+    <p:tnLst>
+      <p:par>
+        <p:cTn xmlns:p14="http://schemas.microsoft.com/office/powerpoint/2010/main" id="1" dur="indefinite" restart="never" nodeType="tmRoot"/>
+      </p:par>
+    </p:tnLst>
+  </p:timing>
+</p:sld>
+</file>
+
+<file path=ppt/slides/slide10.xml><?xml version="1.0" encoding="utf-8"?>
+<p:sld xmlns:a="http://schemas.openxmlformats.org/drawingml/2006/main" xmlns:r="http://schemas.openxmlformats.org/officeDocument/2006/relationships" xmlns:p="http://schemas.openxmlformats.org/presentationml/2006/main">
+  <p:cSld>
+    <p:spTree>
+      <p:nvGrpSpPr>
+        <p:cNvPr id="1" name=""/>
+        <p:cNvGrpSpPr/>
+        <p:nvPr/>
+      </p:nvGrpSpPr>
+      <p:grpSpPr>
+        <a:xfrm>
+          <a:off x="0" y="0"/>
+          <a:ext cx="0" cy="0"/>
+          <a:chOff x="0" y="0"/>
+          <a:chExt cx="0" cy="0"/>
+        </a:xfrm>
+      </p:grpSpPr>
+      <p:sp>
+        <p:nvSpPr>
+          <p:cNvPr id="2" name="Title 1"/>
+          <p:cNvSpPr>
+            <a:spLocks noGrp="1"/>
+          </p:cNvSpPr>
+          <p:nvPr>
+            <p:ph type="title"/>
+          </p:nvPr>
+        </p:nvSpPr>
+        <p:spPr/>
+        <p:txBody>
+          <a:bodyPr/>
+          <a:lstStyle/>
+          <a:p>
+            <a:r>
+              <a:rPr lang="en-US" dirty="0" smtClean="0"/>
+              <a:t>Visit </a:t>
+            </a:r>
+            <a:r>
+              <a:rPr lang="en-US" dirty="0" smtClean="0"/>
+              <a:t>Panel</a:t>
+            </a:r>
+            <a:endParaRPr lang="en-US" dirty="0"/>
+          </a:p>
+        </p:txBody>
+      </p:sp>
+      <p:sp>
+        <p:nvSpPr>
+          <p:cNvPr id="3" name="Content Placeholder 2"/>
+          <p:cNvSpPr>
+            <a:spLocks noGrp="1"/>
+          </p:cNvSpPr>
+          <p:nvPr>
+            <p:ph sz="quarter" idx="1"/>
+          </p:nvPr>
+        </p:nvSpPr>
+        <p:spPr/>
+        <p:txBody>
+          <a:bodyPr/>
+          <a:lstStyle/>
+          <a:p>
+            <a:r>
+              <a:rPr lang="en-US" dirty="0"/>
+              <a:t>The </a:t>
+            </a:r>
+            <a:r>
+              <a:rPr lang="en-US" dirty="0" smtClean="0"/>
+              <a:t>Visit </a:t>
+            </a:r>
+            <a:r>
+              <a:rPr lang="en-US" dirty="0"/>
+              <a:t>Panel </a:t>
+            </a:r>
+            <a:r>
+              <a:rPr lang="en-US" dirty="0" smtClean="0"/>
+              <a:t>has </a:t>
+            </a:r>
+            <a:r>
+              <a:rPr lang="en-US" dirty="0"/>
+              <a:t>multiple panels </a:t>
+            </a:r>
+            <a:r>
+              <a:rPr lang="en-US" dirty="0" smtClean="0"/>
+              <a:t>organized within </a:t>
+            </a:r>
+            <a:r>
+              <a:rPr lang="en-US" dirty="0"/>
+              <a:t>a card </a:t>
+            </a:r>
+            <a:r>
+              <a:rPr lang="en-US" dirty="0" smtClean="0"/>
+              <a:t>layout, all of which contain information about a single general practice visit.</a:t>
+            </a:r>
+            <a:endParaRPr lang="en-US" dirty="0"/>
+          </a:p>
+          <a:p>
+            <a:pPr lvl="1"/>
+            <a:r>
+              <a:rPr lang="en-US" dirty="0"/>
+              <a:t>Each </a:t>
+            </a:r>
+            <a:r>
+              <a:rPr lang="en-US" dirty="0" smtClean="0"/>
+              <a:t>panel presents </a:t>
+            </a:r>
+            <a:r>
+              <a:rPr lang="en-US" dirty="0"/>
+              <a:t>a specific section of medical </a:t>
+            </a:r>
+            <a:r>
+              <a:rPr lang="en-US" dirty="0" smtClean="0"/>
+              <a:t>information </a:t>
+            </a:r>
+            <a:r>
+              <a:rPr lang="en-US" dirty="0"/>
+              <a:t>about </a:t>
+            </a:r>
+            <a:r>
+              <a:rPr lang="en-US" dirty="0" smtClean="0"/>
+              <a:t>this </a:t>
+            </a:r>
+            <a:r>
+              <a:rPr lang="en-US" dirty="0" smtClean="0"/>
+              <a:t>visit.</a:t>
+            </a:r>
+          </a:p>
+          <a:p>
+            <a:pPr lvl="1"/>
+            <a:r>
+              <a:rPr lang="en-US" dirty="0" smtClean="0"/>
+              <a:t>Patient Information, General Practice, lab tests, prescriptions, and nursing comments.</a:t>
+            </a:r>
+            <a:endParaRPr lang="en-US" dirty="0"/>
+          </a:p>
+          <a:p>
+            <a:r>
+              <a:rPr lang="en-US" dirty="0"/>
+              <a:t>The </a:t>
+            </a:r>
+            <a:r>
+              <a:rPr lang="en-US" dirty="0" smtClean="0"/>
+              <a:t>Visit </a:t>
+            </a:r>
+            <a:r>
+              <a:rPr lang="en-US" dirty="0"/>
+              <a:t>panel is used </a:t>
+            </a:r>
+            <a:r>
+              <a:rPr lang="en-US" dirty="0" smtClean="0"/>
+              <a:t>to:</a:t>
+            </a:r>
+          </a:p>
+          <a:p>
+            <a:pPr lvl="1"/>
+            <a:r>
+              <a:rPr lang="en-US" dirty="0" smtClean="0"/>
+              <a:t>Create </a:t>
+            </a:r>
+            <a:r>
+              <a:rPr lang="en-US" dirty="0"/>
+              <a:t>a new Visit </a:t>
+            </a:r>
+            <a:r>
+              <a:rPr lang="en-US" dirty="0" smtClean="0"/>
+              <a:t>for a patient.</a:t>
+            </a:r>
+          </a:p>
+          <a:p>
+            <a:pPr lvl="1"/>
+            <a:r>
+              <a:rPr lang="en-US" dirty="0" smtClean="0"/>
+              <a:t>View </a:t>
+            </a:r>
+            <a:r>
+              <a:rPr lang="en-US" dirty="0"/>
+              <a:t>information regarding </a:t>
+            </a:r>
+            <a:r>
+              <a:rPr lang="en-US" dirty="0" smtClean="0"/>
+              <a:t>an existing Visit.</a:t>
+            </a:r>
+          </a:p>
+          <a:p>
+            <a:pPr lvl="1"/>
+            <a:r>
+              <a:rPr lang="en-US" dirty="0" smtClean="0"/>
+              <a:t>Update information about an existing Visit.</a:t>
+            </a:r>
+            <a:endParaRPr lang="en-US" dirty="0"/>
+          </a:p>
+          <a:p>
+            <a:endParaRPr lang="en-US" dirty="0"/>
+          </a:p>
+        </p:txBody>
+      </p:sp>
+      <p:sp>
+        <p:nvSpPr>
+          <p:cNvPr id="4" name="Date Placeholder 3"/>
+          <p:cNvSpPr>
+            <a:spLocks noGrp="1"/>
+          </p:cNvSpPr>
+          <p:nvPr>
+            <p:ph type="dt" sz="half" idx="10"/>
+          </p:nvPr>
+        </p:nvSpPr>
+        <p:spPr/>
+        <p:txBody>
+          <a:bodyPr/>
+          <a:lstStyle/>
+          <a:p>
+            <a:r>
+              <a:rPr lang="en-US" smtClean="0"/>
+              <a:t>4/30/15</a:t>
+            </a:r>
+            <a:endParaRPr lang="en-US"/>
+          </a:p>
+        </p:txBody>
+      </p:sp>
+      <p:sp>
+        <p:nvSpPr>
+          <p:cNvPr id="5" name="Slide Number Placeholder 4"/>
+          <p:cNvSpPr>
+            <a:spLocks noGrp="1"/>
+          </p:cNvSpPr>
+          <p:nvPr>
+            <p:ph type="sldNum" sz="quarter" idx="12"/>
+          </p:nvPr>
+        </p:nvSpPr>
+        <p:spPr/>
+        <p:txBody>
+          <a:bodyPr/>
+          <a:lstStyle/>
+          <a:p>
+            <a:fld id="{F14E1E57-8767-3046-891C-C12DFF405717}" type="slidenum">
+              <a:rPr lang="en-US" smtClean="0"/>
+              <a:t>10</a:t>
+            </a:fld>
+            <a:endParaRPr lang="en-US"/>
+          </a:p>
+        </p:txBody>
+      </p:sp>
+    </p:spTree>
+    <p:extLst>
+      <p:ext uri="{BB962C8B-B14F-4D97-AF65-F5344CB8AC3E}">
+        <p14:creationId xmlns:p14="http://schemas.microsoft.com/office/powerpoint/2010/main" val="961842665"/>
+      </p:ext>
+    </p:extLst>
+  </p:cSld>
+  <p:clrMapOvr>
+    <a:masterClrMapping/>
+  </p:clrMapOvr>
+  <p:timing>
+    <p:tnLst>
+      <p:par>
+        <p:cTn xmlns:p14="http://schemas.microsoft.com/office/powerpoint/2010/main" id="1" dur="indefinite" restart="never" nodeType="tmRoot"/>
+      </p:par>
+    </p:tnLst>
+  </p:timing>
+</p:sld>
+</file>
+
+<file path=ppt/slides/slide11.xml><?xml version="1.0" encoding="utf-8"?>
+<p:sld xmlns:a="http://schemas.openxmlformats.org/drawingml/2006/main" xmlns:r="http://schemas.openxmlformats.org/officeDocument/2006/relationships" xmlns:p="http://schemas.openxmlformats.org/presentationml/2006/main">
+  <p:cSld>
+    <p:spTree>
+      <p:nvGrpSpPr>
+        <p:cNvPr id="1" name=""/>
+        <p:cNvGrpSpPr/>
+        <p:nvPr/>
+      </p:nvGrpSpPr>
+      <p:grpSpPr>
+        <a:xfrm>
+          <a:off x="0" y="0"/>
+          <a:ext cx="0" cy="0"/>
+          <a:chOff x="0" y="0"/>
+          <a:chExt cx="0" cy="0"/>
+        </a:xfrm>
+      </p:grpSpPr>
+      <p:sp>
+        <p:nvSpPr>
+          <p:cNvPr id="2" name="Title 1"/>
+          <p:cNvSpPr>
+            <a:spLocks noGrp="1"/>
+          </p:cNvSpPr>
+          <p:nvPr>
+            <p:ph type="title"/>
+          </p:nvPr>
+        </p:nvSpPr>
+        <p:spPr/>
+        <p:txBody>
+          <a:bodyPr/>
+          <a:lstStyle/>
+          <a:p>
+            <a:r>
+              <a:rPr lang="en-US" dirty="0" smtClean="0"/>
+              <a:t>Behind the Scenes: Technical Backend</a:t>
+            </a:r>
+            <a:endParaRPr lang="en-US" dirty="0"/>
+          </a:p>
+        </p:txBody>
+      </p:sp>
+      <p:sp>
+        <p:nvSpPr>
+          <p:cNvPr id="3" name="Content Placeholder 2"/>
+          <p:cNvSpPr>
+            <a:spLocks noGrp="1"/>
+          </p:cNvSpPr>
+          <p:nvPr>
+            <p:ph sz="quarter" idx="1"/>
+          </p:nvPr>
+        </p:nvSpPr>
+        <p:spPr/>
+        <p:txBody>
+          <a:bodyPr/>
+          <a:lstStyle/>
+          <a:p>
+            <a:r>
+              <a:rPr lang="en-US" dirty="0" err="1" smtClean="0"/>
+              <a:t>DatabaseConnection</a:t>
+            </a:r>
+            <a:endParaRPr lang="en-US" dirty="0" smtClean="0"/>
+          </a:p>
+          <a:p>
+            <a:pPr lvl="1"/>
+            <a:r>
+              <a:rPr lang="en-US" dirty="0" smtClean="0"/>
+              <a:t>All of our database code </a:t>
+            </a:r>
+            <a:r>
+              <a:rPr lang="en-US" dirty="0" err="1" smtClean="0"/>
+              <a:t>isabstracted</a:t>
+            </a:r>
+            <a:r>
+              <a:rPr lang="en-US" dirty="0" smtClean="0"/>
+              <a:t> into the </a:t>
+            </a:r>
+            <a:r>
+              <a:rPr lang="en-US" dirty="0" err="1" smtClean="0"/>
+              <a:t>DatabaseConnection</a:t>
+            </a:r>
+            <a:r>
+              <a:rPr lang="en-US" dirty="0" smtClean="0"/>
+              <a:t> class, which serves method calls from the GUI classes.</a:t>
+            </a:r>
+          </a:p>
+          <a:p>
+            <a:r>
+              <a:rPr lang="en-US" dirty="0" err="1" smtClean="0"/>
+              <a:t>PasswordEncryption</a:t>
+            </a:r>
+            <a:endParaRPr lang="en-US" dirty="0" smtClean="0"/>
+          </a:p>
+          <a:p>
+            <a:pPr lvl="1"/>
+            <a:r>
+              <a:rPr lang="en-US" dirty="0" smtClean="0"/>
+              <a:t>Password encryption and validation is all handled by the </a:t>
+            </a:r>
+            <a:r>
+              <a:rPr lang="en-US" dirty="0" err="1" smtClean="0"/>
+              <a:t>PasswordEncryption</a:t>
+            </a:r>
+            <a:r>
+              <a:rPr lang="en-US" dirty="0" smtClean="0"/>
+              <a:t> class.</a:t>
+            </a:r>
+          </a:p>
+          <a:p>
+            <a:r>
+              <a:rPr lang="en-US" dirty="0" err="1" smtClean="0"/>
+              <a:t>MedicalConfigurator</a:t>
+            </a:r>
+            <a:endParaRPr lang="en-US" dirty="0" smtClean="0"/>
+          </a:p>
+          <a:p>
+            <a:pPr lvl="1"/>
+            <a:r>
+              <a:rPr lang="en-US" dirty="0" smtClean="0"/>
+              <a:t>Information is passed between different GUI panels by the </a:t>
+            </a:r>
+            <a:r>
+              <a:rPr lang="en-US" dirty="0" err="1" smtClean="0"/>
+              <a:t>MedicalConfigurator</a:t>
+            </a:r>
+            <a:r>
+              <a:rPr lang="en-US" dirty="0" smtClean="0"/>
+              <a:t> class.</a:t>
+            </a:r>
+            <a:endParaRPr lang="en-US" dirty="0"/>
+          </a:p>
+        </p:txBody>
+      </p:sp>
+      <p:sp>
+        <p:nvSpPr>
+          <p:cNvPr id="4" name="Date Placeholder 3"/>
+          <p:cNvSpPr>
+            <a:spLocks noGrp="1"/>
+          </p:cNvSpPr>
+          <p:nvPr>
+            <p:ph type="dt" sz="half" idx="10"/>
+          </p:nvPr>
+        </p:nvSpPr>
+        <p:spPr/>
+        <p:txBody>
+          <a:bodyPr/>
+          <a:lstStyle/>
+          <a:p>
+            <a:r>
+              <a:rPr lang="en-US" smtClean="0"/>
+              <a:t>4/30/15</a:t>
+            </a:r>
+            <a:endParaRPr lang="en-US"/>
+          </a:p>
+        </p:txBody>
+      </p:sp>
+      <p:sp>
+        <p:nvSpPr>
+          <p:cNvPr id="5" name="Slide Number Placeholder 4"/>
+          <p:cNvSpPr>
+            <a:spLocks noGrp="1"/>
+          </p:cNvSpPr>
+          <p:nvPr>
+            <p:ph type="sldNum" sz="quarter" idx="12"/>
+          </p:nvPr>
+        </p:nvSpPr>
+        <p:spPr/>
+        <p:txBody>
+          <a:bodyPr/>
+          <a:lstStyle/>
+          <a:p>
+            <a:fld id="{F14E1E57-8767-3046-891C-C12DFF405717}" type="slidenum">
+              <a:rPr lang="en-US" smtClean="0"/>
+              <a:t>11</a:t>
+            </a:fld>
+            <a:endParaRPr lang="en-US"/>
+          </a:p>
+        </p:txBody>
+      </p:sp>
+    </p:spTree>
+    <p:extLst>
+      <p:ext uri="{BB962C8B-B14F-4D97-AF65-F5344CB8AC3E}">
+        <p14:creationId xmlns:p14="http://schemas.microsoft.com/office/powerpoint/2010/main" val="2474676680"/>
+      </p:ext>
+    </p:extLst>
+  </p:cSld>
+  <p:clrMapOvr>
+    <a:masterClrMapping/>
+  </p:clrMapOvr>
+</p:sld>
+</file>
+
+<file path=ppt/slides/slide12.xml><?xml version="1.0" encoding="utf-8"?>
+<p:sld xmlns:a="http://schemas.openxmlformats.org/drawingml/2006/main" xmlns:r="http://schemas.openxmlformats.org/officeDocument/2006/relationships" xmlns:p="http://schemas.openxmlformats.org/presentationml/2006/main">
+  <p:cSld>
+    <p:spTree>
+      <p:nvGrpSpPr>
+        <p:cNvPr id="1" name=""/>
+        <p:cNvGrpSpPr/>
+        <p:nvPr/>
+      </p:nvGrpSpPr>
+      <p:grpSpPr>
+        <a:xfrm>
+          <a:off x="0" y="0"/>
+          <a:ext cx="0" cy="0"/>
+          <a:chOff x="0" y="0"/>
+          <a:chExt cx="0" cy="0"/>
+        </a:xfrm>
+      </p:grpSpPr>
+      <p:sp>
+        <p:nvSpPr>
+          <p:cNvPr id="2" name="Title 1"/>
+          <p:cNvSpPr>
+            <a:spLocks noGrp="1"/>
+          </p:cNvSpPr>
+          <p:nvPr>
+            <p:ph type="title"/>
+          </p:nvPr>
+        </p:nvSpPr>
+        <p:spPr/>
+        <p:txBody>
+          <a:bodyPr/>
+          <a:lstStyle/>
+          <a:p>
+            <a:r>
+              <a:rPr lang="en-US" dirty="0" smtClean="0"/>
+              <a:t>Backend: Database Connection</a:t>
+            </a:r>
+            <a:endParaRPr lang="en-US" dirty="0"/>
+          </a:p>
+        </p:txBody>
+      </p:sp>
+      <p:sp>
+        <p:nvSpPr>
+          <p:cNvPr id="3" name="Content Placeholder 2"/>
+          <p:cNvSpPr>
+            <a:spLocks noGrp="1"/>
+          </p:cNvSpPr>
+          <p:nvPr>
+            <p:ph sz="quarter" idx="1"/>
+          </p:nvPr>
+        </p:nvSpPr>
+        <p:spPr/>
+        <p:txBody>
+          <a:bodyPr>
+            <a:normAutofit lnSpcReduction="10000"/>
+          </a:bodyPr>
+          <a:lstStyle/>
+          <a:p>
+            <a:r>
+              <a:rPr lang="en-US" dirty="0" smtClean="0"/>
+              <a:t>We used the standard JDBC connector to connect to a remote MySQL server hosted on Amazon Web Services (AWS).</a:t>
+            </a:r>
+          </a:p>
+          <a:p>
+            <a:pPr lvl="1"/>
+            <a:r>
+              <a:rPr lang="en-US" dirty="0" smtClean="0"/>
+              <a:t>This means that two users of our program on different computers have access to the same database.</a:t>
+            </a:r>
+          </a:p>
+          <a:p>
+            <a:r>
+              <a:rPr lang="en-US" dirty="0" smtClean="0"/>
+              <a:t>We designed strict database requirements before beginning work on our project.</a:t>
+            </a:r>
+          </a:p>
+          <a:p>
+            <a:pPr lvl="1"/>
+            <a:r>
+              <a:rPr lang="en-US" dirty="0" smtClean="0"/>
+              <a:t>Database Schema – What data do we need to record?</a:t>
+            </a:r>
+          </a:p>
+          <a:p>
+            <a:pPr lvl="1"/>
+            <a:r>
+              <a:rPr lang="en-US" dirty="0" err="1" smtClean="0"/>
+              <a:t>DbConn</a:t>
+            </a:r>
+            <a:r>
+              <a:rPr lang="en-US" dirty="0" smtClean="0"/>
+              <a:t> interface – What methods will our database connection need to make available for the GUI?    (CRUD)</a:t>
+            </a:r>
+          </a:p>
+          <a:p>
+            <a:pPr lvl="1"/>
+            <a:r>
+              <a:rPr lang="en-US" dirty="0" err="1" smtClean="0"/>
+              <a:t>DbTest</a:t>
+            </a:r>
+            <a:r>
+              <a:rPr lang="en-US" dirty="0" smtClean="0"/>
+              <a:t> – A </a:t>
+            </a:r>
+            <a:r>
+              <a:rPr lang="en-US" dirty="0" err="1" smtClean="0"/>
+              <a:t>JUnit</a:t>
+            </a:r>
+            <a:r>
+              <a:rPr lang="en-US" dirty="0" smtClean="0"/>
+              <a:t> test class which verifies the functionality of all the methods defined in the </a:t>
+            </a:r>
+            <a:r>
+              <a:rPr lang="en-US" dirty="0" err="1" smtClean="0"/>
+              <a:t>DbConn</a:t>
+            </a:r>
+            <a:r>
+              <a:rPr lang="en-US" dirty="0" smtClean="0"/>
+              <a:t> interface.</a:t>
+            </a:r>
+          </a:p>
+          <a:p>
+            <a:pPr lvl="1"/>
+            <a:endParaRPr lang="en-US" dirty="0" smtClean="0"/>
+          </a:p>
+        </p:txBody>
+      </p:sp>
+      <p:sp>
+        <p:nvSpPr>
+          <p:cNvPr id="4" name="Date Placeholder 3"/>
+          <p:cNvSpPr>
+            <a:spLocks noGrp="1"/>
+          </p:cNvSpPr>
+          <p:nvPr>
+            <p:ph type="dt" sz="half" idx="10"/>
+          </p:nvPr>
+        </p:nvSpPr>
+        <p:spPr/>
+        <p:txBody>
+          <a:bodyPr/>
+          <a:lstStyle/>
+          <a:p>
+            <a:r>
+              <a:rPr lang="en-US" smtClean="0"/>
+              <a:t>4/30/15</a:t>
+            </a:r>
+            <a:endParaRPr lang="en-US"/>
+          </a:p>
+        </p:txBody>
+      </p:sp>
+      <p:sp>
+        <p:nvSpPr>
+          <p:cNvPr id="5" name="Slide Number Placeholder 4"/>
+          <p:cNvSpPr>
+            <a:spLocks noGrp="1"/>
+          </p:cNvSpPr>
+          <p:nvPr>
+            <p:ph type="sldNum" sz="quarter" idx="12"/>
+          </p:nvPr>
+        </p:nvSpPr>
+        <p:spPr/>
+        <p:txBody>
+          <a:bodyPr/>
+          <a:lstStyle/>
+          <a:p>
+            <a:fld id="{F14E1E57-8767-3046-891C-C12DFF405717}" type="slidenum">
+              <a:rPr lang="en-US" smtClean="0"/>
+              <a:t>12</a:t>
+            </a:fld>
+            <a:endParaRPr lang="en-US"/>
+          </a:p>
+        </p:txBody>
+      </p:sp>
+    </p:spTree>
+    <p:extLst>
+      <p:ext uri="{BB962C8B-B14F-4D97-AF65-F5344CB8AC3E}">
+        <p14:creationId xmlns:p14="http://schemas.microsoft.com/office/powerpoint/2010/main" val="2973944445"/>
+      </p:ext>
+    </p:extLst>
+  </p:cSld>
+  <p:clrMapOvr>
+    <a:masterClrMapping/>
+  </p:clrMapOvr>
+  <p:timing>
+    <p:tnLst>
+      <p:par>
+        <p:cTn xmlns:p14="http://schemas.microsoft.com/office/powerpoint/2010/main" id="1" dur="indefinite" restart="never" nodeType="tmRoot"/>
+      </p:par>
+    </p:tnLst>
+  </p:timing>
+</p:sld>
+</file>
+
+<file path=ppt/slides/slide13.xml><?xml version="1.0" encoding="utf-8"?>
+<p:sld xmlns:a="http://schemas.openxmlformats.org/drawingml/2006/main" xmlns:r="http://schemas.openxmlformats.org/officeDocument/2006/relationships" xmlns:p="http://schemas.openxmlformats.org/presentationml/2006/main">
+  <p:cSld>
+    <p:spTree>
+      <p:nvGrpSpPr>
+        <p:cNvPr id="1" name=""/>
+        <p:cNvGrpSpPr/>
+        <p:nvPr/>
+      </p:nvGrpSpPr>
+      <p:grpSpPr>
+        <a:xfrm>
+          <a:off x="0" y="0"/>
+          <a:ext cx="0" cy="0"/>
+          <a:chOff x="0" y="0"/>
+          <a:chExt cx="0" cy="0"/>
+        </a:xfrm>
+      </p:grpSpPr>
+      <p:sp>
+        <p:nvSpPr>
+          <p:cNvPr id="2" name="Title 1"/>
+          <p:cNvSpPr>
+            <a:spLocks noGrp="1"/>
+          </p:cNvSpPr>
+          <p:nvPr>
+            <p:ph type="title"/>
+          </p:nvPr>
+        </p:nvSpPr>
+        <p:spPr/>
+        <p:txBody>
+          <a:bodyPr/>
+          <a:lstStyle/>
+          <a:p>
+            <a:r>
+              <a:rPr lang="en-US" dirty="0" smtClean="0"/>
+              <a:t>Backend: Database Schema</a:t>
+            </a:r>
+            <a:endParaRPr lang="en-US" dirty="0"/>
+          </a:p>
+        </p:txBody>
+      </p:sp>
+      <p:graphicFrame>
+        <p:nvGraphicFramePr>
+          <p:cNvPr id="4" name="Content Placeholder 3"/>
+          <p:cNvGraphicFramePr>
+            <a:graphicFrameLocks noGrp="1"/>
+          </p:cNvGraphicFramePr>
+          <p:nvPr>
+            <p:ph sz="quarter" idx="1"/>
+            <p:extLst>
+              <p:ext uri="{D42A27DB-BD31-4B8C-83A1-F6EECF244321}">
+                <p14:modId xmlns:p14="http://schemas.microsoft.com/office/powerpoint/2010/main" val="859912952"/>
+              </p:ext>
+            </p:extLst>
+          </p:nvPr>
+        </p:nvGraphicFramePr>
+        <p:xfrm>
+          <a:off x="301753" y="1985841"/>
+          <a:ext cx="8504110" cy="1752600"/>
+        </p:xfrm>
+        <a:graphic>
+          <a:graphicData uri="http://schemas.openxmlformats.org/drawingml/2006/table">
+            <a:tbl>
+              <a:tblPr firstRow="1" bandRow="1">
+                <a:tableStyleId>{7DF18680-E054-41AD-8BC1-D1AEF772440D}</a:tableStyleId>
+              </a:tblPr>
+              <a:tblGrid>
+                <a:gridCol w="1700822"/>
+                <a:gridCol w="1700822"/>
+                <a:gridCol w="1700822"/>
+                <a:gridCol w="1700822"/>
+                <a:gridCol w="1700822"/>
+              </a:tblGrid>
+              <a:tr h="370840">
+                <a:tc>
+                  <a:txBody>
+                    <a:bodyPr/>
+                    <a:lstStyle/>
+                    <a:p>
+                      <a:r>
+                        <a:rPr lang="en-US" dirty="0" smtClean="0"/>
+                        <a:t>patient</a:t>
+                      </a:r>
+                      <a:endParaRPr lang="en-US" dirty="0"/>
+                    </a:p>
+                  </a:txBody>
+                  <a:tcPr>
+                    <a:lnB w="12700" cap="flat" cmpd="sng" algn="ctr">
+                      <a:solidFill>
+                        <a:scrgbClr r="0" g="0" b="0"/>
+                      </a:solidFill>
+                      <a:prstDash val="solid"/>
+                      <a:round/>
+                      <a:headEnd type="none" w="med" len="med"/>
+                      <a:tailEnd type="none" w="med" len="med"/>
+                    </a:lnB>
+                  </a:tcPr>
+                </a:tc>
+                <a:tc>
+                  <a:txBody>
+                    <a:bodyPr/>
+                    <a:lstStyle/>
+                    <a:p>
+                      <a:endParaRPr lang="en-US"/>
+                    </a:p>
+                  </a:txBody>
+                  <a:tcPr/>
+                </a:tc>
+                <a:tc>
+                  <a:txBody>
+                    <a:bodyPr/>
+                    <a:lstStyle/>
+                    <a:p>
+                      <a:endParaRPr lang="en-US" dirty="0"/>
+                    </a:p>
+                  </a:txBody>
+                  <a:tcPr/>
+                </a:tc>
+                <a:tc>
+                  <a:txBody>
+                    <a:bodyPr/>
+                    <a:lstStyle/>
+                    <a:p>
+                      <a:endParaRPr lang="en-US"/>
+                    </a:p>
+                  </a:txBody>
+                  <a:tcPr/>
+                </a:tc>
+                <a:tc>
+                  <a:txBody>
+                    <a:bodyPr/>
+                    <a:lstStyle/>
+                    <a:p>
+                      <a:endParaRPr lang="en-US"/>
+                    </a:p>
+                  </a:txBody>
+                  <a:tcPr/>
+                </a:tc>
+              </a:tr>
+              <a:tr h="370840">
+                <a:tc>
+                  <a:txBody>
+                    <a:bodyPr/>
+                    <a:lstStyle/>
+                    <a:p>
+                      <a:pPr marL="0" marR="0" indent="0" algn="l" defTabSz="914400" rtl="0" eaLnBrk="1" fontAlgn="auto" latinLnBrk="0" hangingPunct="1">
+                        <a:lnSpc>
+                          <a:spcPct val="100000"/>
+                        </a:lnSpc>
+                        <a:spcBef>
+                          <a:spcPts val="0"/>
+                        </a:spcBef>
+                        <a:spcAft>
+                          <a:spcPts val="0"/>
+                        </a:spcAft>
+                        <a:buClrTx/>
+                        <a:buSzTx/>
+                        <a:buFontTx/>
+                        <a:buNone/>
+                        <a:tabLst/>
+                        <a:defRPr/>
+                      </a:pPr>
+                      <a:r>
+                        <a:rPr lang="en-US" dirty="0" err="1" smtClean="0"/>
+                        <a:t>patient_id</a:t>
+                      </a:r>
+                      <a:endParaRPr lang="en-US" dirty="0"/>
+                    </a:p>
+                  </a:txBody>
+                  <a:tcPr>
+                    <a:lnL w="12700" cap="flat" cmpd="sng" algn="ctr">
+                      <a:solidFill>
+                        <a:scrgbClr r="0" g="0" b="0"/>
+                      </a:solidFill>
+                      <a:prstDash val="solid"/>
+                      <a:round/>
+                      <a:headEnd type="none" w="med" len="med"/>
+                      <a:tailEnd type="none" w="med" len="med"/>
+                    </a:lnL>
+                    <a:lnR w="12700" cap="flat" cmpd="sng" algn="ctr">
+                      <a:solidFill>
+                        <a:scrgbClr r="0" g="0" b="0"/>
+                      </a:solidFill>
+                      <a:prstDash val="solid"/>
+                      <a:round/>
+                      <a:headEnd type="none" w="med" len="med"/>
+                      <a:tailEnd type="none" w="med" len="med"/>
+                    </a:lnR>
+                    <a:lnT w="12700" cap="flat" cmpd="sng" algn="ctr">
+                      <a:solidFill>
+                        <a:scrgbClr r="0" g="0" b="0"/>
+                      </a:solidFill>
+                      <a:prstDash val="solid"/>
+                      <a:round/>
+                      <a:headEnd type="none" w="med" len="med"/>
+                      <a:tailEnd type="none" w="med" len="med"/>
+                    </a:lnT>
+                    <a:lnB w="12700" cap="flat" cmpd="sng" algn="ctr">
+                      <a:solidFill>
+                        <a:scrgbClr r="0" g="0" b="0"/>
+                      </a:solidFill>
+                      <a:prstDash val="solid"/>
+                      <a:round/>
+                      <a:headEnd type="none" w="med" len="med"/>
+                      <a:tailEnd type="none" w="med" len="med"/>
+                    </a:lnB>
+                    <a:solidFill>
+                      <a:srgbClr val="FFF185"/>
+                    </a:solidFill>
+                  </a:tcPr>
+                </a:tc>
+                <a:tc>
+                  <a:txBody>
+                    <a:bodyPr/>
+                    <a:lstStyle/>
+                    <a:p>
+                      <a:r>
+                        <a:rPr lang="en-US" dirty="0" err="1" smtClean="0"/>
+                        <a:t>first</a:t>
+                      </a:r>
+                      <a:r>
+                        <a:rPr lang="en-US" baseline="0" dirty="0" err="1" smtClean="0"/>
+                        <a:t>_</a:t>
+                      </a:r>
+                      <a:r>
+                        <a:rPr lang="en-US" dirty="0" err="1" smtClean="0"/>
+                        <a:t>name</a:t>
+                      </a:r>
+                      <a:endParaRPr lang="en-US" dirty="0"/>
+                    </a:p>
+                  </a:txBody>
+                  <a:tcPr>
+                    <a:lnL w="12700" cap="flat" cmpd="sng" algn="ctr">
+                      <a:solidFill>
+                        <a:scrgbClr r="0" g="0" b="0"/>
+                      </a:solidFill>
+                      <a:prstDash val="solid"/>
+                      <a:round/>
+                      <a:headEnd type="none" w="med" len="med"/>
+                      <a:tailEnd type="none" w="med" len="med"/>
+                    </a:lnL>
+                  </a:tcPr>
+                </a:tc>
+                <a:tc>
+                  <a:txBody>
+                    <a:bodyPr/>
+                    <a:lstStyle/>
+                    <a:p>
+                      <a:r>
+                        <a:rPr lang="en-US" dirty="0" err="1" smtClean="0"/>
+                        <a:t>last_name</a:t>
+                      </a:r>
+                      <a:endParaRPr lang="en-US" dirty="0"/>
+                    </a:p>
+                  </a:txBody>
+                  <a:tcPr/>
+                </a:tc>
+                <a:tc>
+                  <a:txBody>
+                    <a:bodyPr/>
+                    <a:lstStyle/>
+                    <a:p>
+                      <a:r>
+                        <a:rPr lang="en-US" dirty="0" smtClean="0"/>
+                        <a:t>birthdate</a:t>
+                      </a:r>
+                      <a:endParaRPr lang="en-US" dirty="0"/>
+                    </a:p>
+                  </a:txBody>
+                  <a:tcPr/>
+                </a:tc>
+                <a:tc>
+                  <a:txBody>
+                    <a:bodyPr/>
+                    <a:lstStyle/>
+                    <a:p>
+                      <a:r>
+                        <a:rPr lang="en-US" dirty="0" smtClean="0"/>
+                        <a:t>gender</a:t>
+                      </a:r>
+                      <a:endParaRPr lang="en-US" dirty="0"/>
+                    </a:p>
+                  </a:txBody>
+                  <a:tcPr/>
+                </a:tc>
+              </a:tr>
+              <a:tr h="370840">
+                <a:tc>
+                  <a:txBody>
+                    <a:bodyPr/>
+                    <a:lstStyle/>
+                    <a:p>
+                      <a:r>
+                        <a:rPr lang="en-US" dirty="0" smtClean="0"/>
+                        <a:t>address</a:t>
+                      </a:r>
+                      <a:endParaRPr lang="en-US" dirty="0"/>
+                    </a:p>
+                  </a:txBody>
+                  <a:tcPr>
+                    <a:lnT w="12700" cap="flat" cmpd="sng" algn="ctr">
+                      <a:solidFill>
+                        <a:scrgbClr r="0" g="0" b="0"/>
+                      </a:solidFill>
+                      <a:prstDash val="solid"/>
+                      <a:round/>
+                      <a:headEnd type="none" w="med" len="med"/>
+                      <a:tailEnd type="none" w="med" len="med"/>
+                    </a:lnT>
+                  </a:tcPr>
+                </a:tc>
+                <a:tc>
+                  <a:txBody>
+                    <a:bodyPr/>
+                    <a:lstStyle/>
+                    <a:p>
+                      <a:r>
+                        <a:rPr lang="en-US" dirty="0" smtClean="0"/>
+                        <a:t>address 2</a:t>
+                      </a:r>
+                    </a:p>
+                  </a:txBody>
+                  <a:tcPr/>
+                </a:tc>
+                <a:tc>
+                  <a:txBody>
+                    <a:bodyPr/>
+                    <a:lstStyle/>
+                    <a:p>
+                      <a:r>
+                        <a:rPr lang="en-US" dirty="0" smtClean="0"/>
+                        <a:t>city</a:t>
+                      </a:r>
+                      <a:endParaRPr lang="en-US" dirty="0"/>
+                    </a:p>
+                  </a:txBody>
+                  <a:tcPr/>
+                </a:tc>
+                <a:tc>
+                  <a:txBody>
+                    <a:bodyPr/>
+                    <a:lstStyle/>
+                    <a:p>
+                      <a:r>
+                        <a:rPr lang="en-US" dirty="0" smtClean="0"/>
+                        <a:t>state</a:t>
+                      </a:r>
+                      <a:endParaRPr lang="en-US" dirty="0"/>
+                    </a:p>
+                  </a:txBody>
+                  <a:tcPr/>
+                </a:tc>
+                <a:tc>
+                  <a:txBody>
+                    <a:bodyPr/>
+                    <a:lstStyle/>
+                    <a:p>
+                      <a:r>
+                        <a:rPr lang="en-US" dirty="0" err="1" smtClean="0"/>
+                        <a:t>zipcode</a:t>
+                      </a:r>
+                      <a:endParaRPr lang="en-US" dirty="0"/>
+                    </a:p>
+                  </a:txBody>
+                  <a:tcPr/>
+                </a:tc>
+              </a:tr>
+              <a:tr h="370840">
+                <a:tc>
+                  <a:txBody>
+                    <a:bodyPr/>
+                    <a:lstStyle/>
+                    <a:p>
+                      <a:r>
+                        <a:rPr lang="en-US" dirty="0" smtClean="0"/>
+                        <a:t>country</a:t>
+                      </a:r>
+                      <a:endParaRPr lang="en-US" dirty="0"/>
+                    </a:p>
+                  </a:txBody>
+                  <a:tcPr/>
+                </a:tc>
+                <a:tc>
+                  <a:txBody>
+                    <a:bodyPr/>
+                    <a:lstStyle/>
+                    <a:p>
+                      <a:r>
+                        <a:rPr lang="en-US" dirty="0" smtClean="0"/>
+                        <a:t>insurance_ </a:t>
+                      </a:r>
+                      <a:r>
+                        <a:rPr lang="en-US" dirty="0" smtClean="0"/>
+                        <a:t>provider</a:t>
+                      </a:r>
+                      <a:endParaRPr lang="en-US" dirty="0"/>
+                    </a:p>
+                  </a:txBody>
+                  <a:tcPr/>
+                </a:tc>
+                <a:tc>
+                  <a:txBody>
+                    <a:bodyPr/>
+                    <a:lstStyle/>
+                    <a:p>
+                      <a:r>
+                        <a:rPr lang="en-US" dirty="0" smtClean="0"/>
+                        <a:t>insurance</a:t>
+                      </a:r>
+                      <a:r>
+                        <a:rPr lang="en-US" baseline="0" dirty="0" smtClean="0"/>
+                        <a:t>_ account_#</a:t>
+                      </a:r>
+                      <a:endParaRPr lang="en-US" dirty="0" smtClean="0"/>
+                    </a:p>
+                  </a:txBody>
+                  <a:tcPr/>
+                </a:tc>
+                <a:tc>
+                  <a:txBody>
+                    <a:bodyPr/>
+                    <a:lstStyle/>
+                    <a:p>
+                      <a:endParaRPr lang="en-US" dirty="0"/>
+                    </a:p>
+                  </a:txBody>
+                  <a:tcPr/>
+                </a:tc>
+                <a:tc>
+                  <a:txBody>
+                    <a:bodyPr/>
+                    <a:lstStyle/>
+                    <a:p>
+                      <a:endParaRPr lang="en-US" dirty="0"/>
+                    </a:p>
+                  </a:txBody>
+                  <a:tcPr/>
+                </a:tc>
+              </a:tr>
+            </a:tbl>
+          </a:graphicData>
+        </a:graphic>
+      </p:graphicFrame>
+      <p:graphicFrame>
+        <p:nvGraphicFramePr>
+          <p:cNvPr id="6" name="Table 5"/>
+          <p:cNvGraphicFramePr>
+            <a:graphicFrameLocks noGrp="1"/>
+          </p:cNvGraphicFramePr>
+          <p:nvPr>
+            <p:extLst>
+              <p:ext uri="{D42A27DB-BD31-4B8C-83A1-F6EECF244321}">
+                <p14:modId xmlns:p14="http://schemas.microsoft.com/office/powerpoint/2010/main" val="950226815"/>
+              </p:ext>
+            </p:extLst>
+          </p:nvPr>
+        </p:nvGraphicFramePr>
+        <p:xfrm>
+          <a:off x="301750" y="4369721"/>
+          <a:ext cx="8504112" cy="1112520"/>
+        </p:xfrm>
+        <a:graphic>
+          <a:graphicData uri="http://schemas.openxmlformats.org/drawingml/2006/table">
+            <a:tbl>
+              <a:tblPr firstRow="1" bandRow="1">
+                <a:tableStyleId>{7DF18680-E054-41AD-8BC1-D1AEF772440D}</a:tableStyleId>
+              </a:tblPr>
+              <a:tblGrid>
+                <a:gridCol w="2126028"/>
+                <a:gridCol w="2126028"/>
+                <a:gridCol w="2126028"/>
+                <a:gridCol w="2126028"/>
+              </a:tblGrid>
+              <a:tr h="370840">
+                <a:tc>
+                  <a:txBody>
+                    <a:bodyPr/>
+                    <a:lstStyle/>
+                    <a:p>
+                      <a:r>
+                        <a:rPr lang="en-US" dirty="0" smtClean="0"/>
+                        <a:t>user</a:t>
+                      </a:r>
+                      <a:endParaRPr lang="en-US" dirty="0"/>
+                    </a:p>
+                  </a:txBody>
+                  <a:tcPr>
+                    <a:lnB w="12700" cap="flat" cmpd="sng" algn="ctr">
+                      <a:solidFill>
+                        <a:scrgbClr r="0" g="0" b="0"/>
+                      </a:solidFill>
+                      <a:prstDash val="solid"/>
+                      <a:round/>
+                      <a:headEnd type="none" w="med" len="med"/>
+                      <a:tailEnd type="none" w="med" len="med"/>
+                    </a:lnB>
+                  </a:tcPr>
+                </a:tc>
+                <a:tc>
+                  <a:txBody>
+                    <a:bodyPr/>
+                    <a:lstStyle/>
+                    <a:p>
+                      <a:endParaRPr lang="en-US" dirty="0"/>
+                    </a:p>
+                  </a:txBody>
+                  <a:tcPr/>
+                </a:tc>
+                <a:tc>
+                  <a:txBody>
+                    <a:bodyPr/>
+                    <a:lstStyle/>
+                    <a:p>
+                      <a:endParaRPr lang="en-US" dirty="0"/>
+                    </a:p>
+                  </a:txBody>
+                  <a:tcPr/>
+                </a:tc>
+                <a:tc>
+                  <a:txBody>
+                    <a:bodyPr/>
+                    <a:lstStyle/>
+                    <a:p>
+                      <a:endParaRPr lang="en-US"/>
+                    </a:p>
+                  </a:txBody>
+                  <a:tcPr/>
+                </a:tc>
+              </a:tr>
+              <a:tr h="370840">
+                <a:tc>
+                  <a:txBody>
+                    <a:bodyPr/>
+                    <a:lstStyle/>
+                    <a:p>
+                      <a:r>
+                        <a:rPr lang="en-US" dirty="0" smtClean="0"/>
+                        <a:t>username</a:t>
+                      </a:r>
+                      <a:endParaRPr lang="en-US" dirty="0"/>
+                    </a:p>
+                  </a:txBody>
+                  <a:tcPr>
+                    <a:lnL w="12700" cap="flat" cmpd="sng" algn="ctr">
+                      <a:solidFill>
+                        <a:scrgbClr r="0" g="0" b="0"/>
+                      </a:solidFill>
+                      <a:prstDash val="solid"/>
+                      <a:round/>
+                      <a:headEnd type="none" w="med" len="med"/>
+                      <a:tailEnd type="none" w="med" len="med"/>
+                    </a:lnL>
+                    <a:lnR w="12700" cap="flat" cmpd="sng" algn="ctr">
+                      <a:solidFill>
+                        <a:scrgbClr r="0" g="0" b="0"/>
+                      </a:solidFill>
+                      <a:prstDash val="solid"/>
+                      <a:round/>
+                      <a:headEnd type="none" w="med" len="med"/>
+                      <a:tailEnd type="none" w="med" len="med"/>
+                    </a:lnR>
+                    <a:lnT w="12700" cap="flat" cmpd="sng" algn="ctr">
+                      <a:solidFill>
+                        <a:scrgbClr r="0" g="0" b="0"/>
+                      </a:solidFill>
+                      <a:prstDash val="solid"/>
+                      <a:round/>
+                      <a:headEnd type="none" w="med" len="med"/>
+                      <a:tailEnd type="none" w="med" len="med"/>
+                    </a:lnT>
+                    <a:lnB w="12700" cap="flat" cmpd="sng" algn="ctr">
+                      <a:solidFill>
+                        <a:scrgbClr r="0" g="0" b="0"/>
+                      </a:solidFill>
+                      <a:prstDash val="solid"/>
+                      <a:round/>
+                      <a:headEnd type="none" w="med" len="med"/>
+                      <a:tailEnd type="none" w="med" len="med"/>
+                    </a:lnB>
+                    <a:solidFill>
+                      <a:srgbClr val="CCFFCC"/>
+                    </a:solidFill>
+                  </a:tcPr>
+                </a:tc>
+                <a:tc>
+                  <a:txBody>
+                    <a:bodyPr/>
+                    <a:lstStyle/>
+                    <a:p>
+                      <a:r>
+                        <a:rPr lang="en-US" dirty="0" err="1" smtClean="0"/>
+                        <a:t>first_name</a:t>
+                      </a:r>
+                      <a:endParaRPr lang="en-US" dirty="0"/>
+                    </a:p>
+                  </a:txBody>
+                  <a:tcPr>
+                    <a:lnL w="12700" cap="flat" cmpd="sng" algn="ctr">
+                      <a:solidFill>
+                        <a:scrgbClr r="0" g="0" b="0"/>
+                      </a:solidFill>
+                      <a:prstDash val="solid"/>
+                      <a:round/>
+                      <a:headEnd type="none" w="med" len="med"/>
+                      <a:tailEnd type="none" w="med" len="med"/>
+                    </a:lnL>
+                  </a:tcPr>
+                </a:tc>
+                <a:tc>
+                  <a:txBody>
+                    <a:bodyPr/>
+                    <a:lstStyle/>
+                    <a:p>
+                      <a:r>
+                        <a:rPr lang="en-US" dirty="0" err="1" smtClean="0"/>
+                        <a:t>last_name</a:t>
+                      </a:r>
+                      <a:endParaRPr lang="en-US" dirty="0"/>
+                    </a:p>
+                  </a:txBody>
+                  <a:tcPr/>
+                </a:tc>
+                <a:tc>
+                  <a:txBody>
+                    <a:bodyPr/>
+                    <a:lstStyle/>
+                    <a:p>
+                      <a:r>
+                        <a:rPr lang="en-US" dirty="0" smtClean="0"/>
+                        <a:t>specialty</a:t>
+                      </a:r>
+                      <a:endParaRPr lang="en-US" dirty="0"/>
+                    </a:p>
+                  </a:txBody>
+                  <a:tcPr/>
+                </a:tc>
+              </a:tr>
+              <a:tr h="370840">
+                <a:tc>
+                  <a:txBody>
+                    <a:bodyPr/>
+                    <a:lstStyle/>
+                    <a:p>
+                      <a:r>
+                        <a:rPr lang="en-US" dirty="0" err="1" smtClean="0"/>
+                        <a:t>pager_number</a:t>
+                      </a:r>
+                      <a:endParaRPr lang="en-US" dirty="0"/>
+                    </a:p>
+                  </a:txBody>
+                  <a:tcPr>
+                    <a:lnT w="12700" cap="flat" cmpd="sng" algn="ctr">
+                      <a:solidFill>
+                        <a:scrgbClr r="0" g="0" b="0"/>
+                      </a:solidFill>
+                      <a:prstDash val="solid"/>
+                      <a:round/>
+                      <a:headEnd type="none" w="med" len="med"/>
+                      <a:tailEnd type="none" w="med" len="med"/>
+                    </a:lnT>
+                  </a:tcPr>
+                </a:tc>
+                <a:tc>
+                  <a:txBody>
+                    <a:bodyPr/>
+                    <a:lstStyle/>
+                    <a:p>
+                      <a:r>
+                        <a:rPr lang="en-US" dirty="0" smtClean="0"/>
+                        <a:t>position</a:t>
+                      </a:r>
+                      <a:endParaRPr lang="en-US" dirty="0"/>
+                    </a:p>
+                  </a:txBody>
+                  <a:tcPr/>
+                </a:tc>
+                <a:tc>
+                  <a:txBody>
+                    <a:bodyPr/>
+                    <a:lstStyle/>
+                    <a:p>
+                      <a:r>
+                        <a:rPr lang="en-US" dirty="0" err="1" smtClean="0"/>
+                        <a:t>password_salt</a:t>
+                      </a:r>
+                      <a:endParaRPr lang="en-US" dirty="0"/>
+                    </a:p>
+                  </a:txBody>
+                  <a:tcPr/>
+                </a:tc>
+                <a:tc>
+                  <a:txBody>
+                    <a:bodyPr/>
+                    <a:lstStyle/>
+                    <a:p>
+                      <a:r>
+                        <a:rPr lang="en-US" dirty="0" err="1" smtClean="0"/>
+                        <a:t>password_hash</a:t>
+                      </a:r>
+                      <a:endParaRPr lang="en-US" dirty="0"/>
+                    </a:p>
+                  </a:txBody>
+                  <a:tcPr/>
+                </a:tc>
+              </a:tr>
+            </a:tbl>
+          </a:graphicData>
+        </a:graphic>
+      </p:graphicFrame>
+      <p:sp>
+        <p:nvSpPr>
+          <p:cNvPr id="7" name="Date Placeholder 6"/>
+          <p:cNvSpPr>
+            <a:spLocks noGrp="1"/>
+          </p:cNvSpPr>
+          <p:nvPr>
+            <p:ph type="dt" sz="half" idx="10"/>
+          </p:nvPr>
+        </p:nvSpPr>
+        <p:spPr/>
+        <p:txBody>
+          <a:bodyPr/>
+          <a:lstStyle/>
+          <a:p>
+            <a:r>
+              <a:rPr lang="en-US" smtClean="0"/>
+              <a:t>4/30/15</a:t>
+            </a:r>
+            <a:endParaRPr lang="en-US"/>
+          </a:p>
+        </p:txBody>
+      </p:sp>
+      <p:sp>
+        <p:nvSpPr>
+          <p:cNvPr id="8" name="Slide Number Placeholder 7"/>
+          <p:cNvSpPr>
+            <a:spLocks noGrp="1"/>
+          </p:cNvSpPr>
+          <p:nvPr>
+            <p:ph type="sldNum" sz="quarter" idx="12"/>
+          </p:nvPr>
+        </p:nvSpPr>
+        <p:spPr/>
+        <p:txBody>
+          <a:bodyPr/>
+          <a:lstStyle/>
+          <a:p>
+            <a:fld id="{F14E1E57-8767-3046-891C-C12DFF405717}" type="slidenum">
+              <a:rPr lang="en-US" smtClean="0"/>
+              <a:t>13</a:t>
+            </a:fld>
+            <a:endParaRPr lang="en-US"/>
+          </a:p>
+        </p:txBody>
+      </p:sp>
+    </p:spTree>
+    <p:extLst>
+      <p:ext uri="{BB962C8B-B14F-4D97-AF65-F5344CB8AC3E}">
+        <p14:creationId xmlns:p14="http://schemas.microsoft.com/office/powerpoint/2010/main" val="2477888706"/>
+      </p:ext>
+    </p:extLst>
+  </p:cSld>
+  <p:clrMapOvr>
+    <a:masterClrMapping/>
+  </p:clrMapOvr>
+</p:sld>
+</file>
+
+<file path=ppt/slides/slide14.xml><?xml version="1.0" encoding="utf-8"?>
+<p:sld xmlns:a="http://schemas.openxmlformats.org/drawingml/2006/main" xmlns:r="http://schemas.openxmlformats.org/officeDocument/2006/relationships" xmlns:p="http://schemas.openxmlformats.org/presentationml/2006/main">
+  <p:cSld>
+    <p:spTree>
+      <p:nvGrpSpPr>
+        <p:cNvPr id="1" name=""/>
+        <p:cNvGrpSpPr/>
+        <p:nvPr/>
+      </p:nvGrpSpPr>
+      <p:grpSpPr>
+        <a:xfrm>
+          <a:off x="0" y="0"/>
+          <a:ext cx="0" cy="0"/>
+          <a:chOff x="0" y="0"/>
+          <a:chExt cx="0" cy="0"/>
+        </a:xfrm>
+      </p:grpSpPr>
+      <p:sp>
+        <p:nvSpPr>
+          <p:cNvPr id="2" name="Title 1"/>
+          <p:cNvSpPr>
+            <a:spLocks noGrp="1"/>
+          </p:cNvSpPr>
+          <p:nvPr>
+            <p:ph type="title"/>
+          </p:nvPr>
+        </p:nvSpPr>
+        <p:spPr/>
+        <p:txBody>
+          <a:bodyPr/>
+          <a:lstStyle/>
+          <a:p>
+            <a:r>
+              <a:rPr lang="en-US" dirty="0" smtClean="0"/>
+              <a:t>Backend: Database Schema</a:t>
+            </a:r>
+            <a:endParaRPr lang="en-US" dirty="0"/>
+          </a:p>
+        </p:txBody>
+      </p:sp>
+      <p:graphicFrame>
+        <p:nvGraphicFramePr>
+          <p:cNvPr id="4" name="Content Placeholder 3"/>
+          <p:cNvGraphicFramePr>
+            <a:graphicFrameLocks noGrp="1"/>
+          </p:cNvGraphicFramePr>
+          <p:nvPr>
+            <p:ph sz="quarter" idx="1"/>
+            <p:extLst>
+              <p:ext uri="{D42A27DB-BD31-4B8C-83A1-F6EECF244321}">
+                <p14:modId xmlns:p14="http://schemas.microsoft.com/office/powerpoint/2010/main" val="823807218"/>
+              </p:ext>
+            </p:extLst>
+          </p:nvPr>
+        </p:nvGraphicFramePr>
+        <p:xfrm>
+          <a:off x="301753" y="1985841"/>
+          <a:ext cx="8504112" cy="1155036"/>
+        </p:xfrm>
+        <a:graphic>
+          <a:graphicData uri="http://schemas.openxmlformats.org/drawingml/2006/table">
+            <a:tbl>
+              <a:tblPr firstRow="1" bandRow="1">
+                <a:tableStyleId>{7DF18680-E054-41AD-8BC1-D1AEF772440D}</a:tableStyleId>
+              </a:tblPr>
+              <a:tblGrid>
+                <a:gridCol w="1417352"/>
+                <a:gridCol w="1417352"/>
+                <a:gridCol w="1417352"/>
+                <a:gridCol w="1417352"/>
+                <a:gridCol w="1417352"/>
+                <a:gridCol w="1417352"/>
+              </a:tblGrid>
+              <a:tr h="413356">
+                <a:tc>
+                  <a:txBody>
+                    <a:bodyPr/>
+                    <a:lstStyle/>
+                    <a:p>
+                      <a:endParaRPr lang="en-US" dirty="0"/>
+                    </a:p>
+                  </a:txBody>
+                  <a:tcPr>
+                    <a:lnB w="12700" cap="flat" cmpd="sng" algn="ctr">
+                      <a:solidFill>
+                        <a:scrgbClr r="0" g="0" b="0"/>
+                      </a:solidFill>
+                      <a:prstDash val="solid"/>
+                      <a:round/>
+                      <a:headEnd type="none" w="med" len="med"/>
+                      <a:tailEnd type="none" w="med" len="med"/>
+                    </a:lnB>
+                  </a:tcPr>
+                </a:tc>
+                <a:tc>
+                  <a:txBody>
+                    <a:bodyPr/>
+                    <a:lstStyle/>
+                    <a:p>
+                      <a:endParaRPr lang="en-US" dirty="0"/>
+                    </a:p>
+                  </a:txBody>
+                  <a:tcPr/>
+                </a:tc>
+                <a:tc>
+                  <a:txBody>
+                    <a:bodyPr/>
+                    <a:lstStyle/>
+                    <a:p>
+                      <a:endParaRPr lang="en-US" dirty="0"/>
+                    </a:p>
+                  </a:txBody>
+                  <a:tcPr/>
+                </a:tc>
+                <a:tc>
+                  <a:txBody>
+                    <a:bodyPr/>
+                    <a:lstStyle/>
+                    <a:p>
+                      <a:endParaRPr lang="en-US"/>
+                    </a:p>
+                  </a:txBody>
+                  <a:tcPr/>
+                </a:tc>
+                <a:tc>
+                  <a:txBody>
+                    <a:bodyPr/>
+                    <a:lstStyle/>
+                    <a:p>
+                      <a:endParaRPr lang="en-US" dirty="0"/>
+                    </a:p>
+                  </a:txBody>
+                  <a:tcPr/>
+                </a:tc>
+                <a:tc>
+                  <a:txBody>
+                    <a:bodyPr/>
+                    <a:lstStyle/>
+                    <a:p>
+                      <a:endParaRPr lang="en-US" dirty="0"/>
+                    </a:p>
+                  </a:txBody>
+                  <a:tcPr/>
+                </a:tc>
+              </a:tr>
+              <a:tr h="370840">
+                <a:tc>
+                  <a:txBody>
+                    <a:bodyPr/>
+                    <a:lstStyle/>
+                    <a:p>
+                      <a:r>
+                        <a:rPr lang="en-US" dirty="0" err="1" smtClean="0"/>
+                        <a:t>visit_id</a:t>
+                      </a:r>
+                      <a:endParaRPr lang="en-US" dirty="0"/>
+                    </a:p>
+                  </a:txBody>
+                  <a:tcPr>
+                    <a:lnL w="12700" cap="flat" cmpd="sng" algn="ctr">
+                      <a:solidFill>
+                        <a:scrgbClr r="0" g="0" b="0"/>
+                      </a:solidFill>
+                      <a:prstDash val="solid"/>
+                      <a:round/>
+                      <a:headEnd type="none" w="med" len="med"/>
+                      <a:tailEnd type="none" w="med" len="med"/>
+                    </a:lnL>
+                    <a:lnR w="12700" cap="flat" cmpd="sng" algn="ctr">
+                      <a:solidFill>
+                        <a:scrgbClr r="0" g="0" b="0"/>
+                      </a:solidFill>
+                      <a:prstDash val="solid"/>
+                      <a:round/>
+                      <a:headEnd type="none" w="med" len="med"/>
+                      <a:tailEnd type="none" w="med" len="med"/>
+                    </a:lnR>
+                    <a:lnT w="12700" cap="flat" cmpd="sng" algn="ctr">
+                      <a:solidFill>
+                        <a:scrgbClr r="0" g="0" b="0"/>
+                      </a:solidFill>
+                      <a:prstDash val="solid"/>
+                      <a:round/>
+                      <a:headEnd type="none" w="med" len="med"/>
+                      <a:tailEnd type="none" w="med" len="med"/>
+                    </a:lnT>
+                    <a:lnB w="12700" cap="flat" cmpd="sng" algn="ctr">
+                      <a:solidFill>
+                        <a:scrgbClr r="0" g="0" b="0"/>
+                      </a:solidFill>
+                      <a:prstDash val="solid"/>
+                      <a:round/>
+                      <a:headEnd type="none" w="med" len="med"/>
+                      <a:tailEnd type="none" w="med" len="med"/>
+                    </a:lnB>
+                    <a:solidFill>
+                      <a:schemeClr val="accent1"/>
+                    </a:solidFill>
+                  </a:tcPr>
+                </a:tc>
+                <a:tc>
+                  <a:txBody>
+                    <a:bodyPr/>
+                    <a:lstStyle/>
+                    <a:p>
+                      <a:r>
+                        <a:rPr lang="en-US" dirty="0" err="1" smtClean="0"/>
+                        <a:t>patient_id</a:t>
+                      </a:r>
+                      <a:endParaRPr lang="en-US" dirty="0"/>
+                    </a:p>
+                  </a:txBody>
+                  <a:tcPr>
+                    <a:lnL w="12700" cap="flat" cmpd="sng" algn="ctr">
+                      <a:solidFill>
+                        <a:scrgbClr r="0" g="0" b="0"/>
+                      </a:solidFill>
+                      <a:prstDash val="solid"/>
+                      <a:round/>
+                      <a:headEnd type="none" w="med" len="med"/>
+                      <a:tailEnd type="none" w="med" len="med"/>
+                    </a:lnL>
+                    <a:solidFill>
+                      <a:schemeClr val="accent2">
+                        <a:lumMod val="40000"/>
+                        <a:lumOff val="60000"/>
+                      </a:schemeClr>
+                    </a:solidFill>
+                  </a:tcPr>
+                </a:tc>
+                <a:tc>
+                  <a:txBody>
+                    <a:bodyPr/>
+                    <a:lstStyle/>
+                    <a:p>
+                      <a:r>
+                        <a:rPr lang="en-US" dirty="0" err="1" smtClean="0"/>
+                        <a:t>doctor_id</a:t>
+                      </a:r>
+                      <a:endParaRPr lang="en-US" dirty="0"/>
+                    </a:p>
+                  </a:txBody>
+                  <a:tcPr>
+                    <a:solidFill>
+                      <a:srgbClr val="CCFFCC"/>
+                    </a:solidFill>
+                  </a:tcPr>
+                </a:tc>
+                <a:tc>
+                  <a:txBody>
+                    <a:bodyPr/>
+                    <a:lstStyle/>
+                    <a:p>
+                      <a:r>
+                        <a:rPr lang="en-US" dirty="0" smtClean="0"/>
+                        <a:t>date</a:t>
+                      </a:r>
+                      <a:endParaRPr lang="en-US" dirty="0"/>
+                    </a:p>
+                  </a:txBody>
+                  <a:tcPr/>
+                </a:tc>
+                <a:tc>
+                  <a:txBody>
+                    <a:bodyPr/>
+                    <a:lstStyle/>
+                    <a:p>
+                      <a:r>
+                        <a:rPr lang="en-US" dirty="0" err="1" smtClean="0"/>
+                        <a:t>field_a</a:t>
+                      </a:r>
+                      <a:endParaRPr lang="en-US" dirty="0"/>
+                    </a:p>
+                  </a:txBody>
+                  <a:tcPr/>
+                </a:tc>
+                <a:tc>
+                  <a:txBody>
+                    <a:bodyPr/>
+                    <a:lstStyle/>
+                    <a:p>
+                      <a:r>
+                        <a:rPr lang="en-US" dirty="0" err="1" smtClean="0"/>
+                        <a:t>field_b</a:t>
+                      </a:r>
+                      <a:endParaRPr lang="en-US" dirty="0"/>
+                    </a:p>
+                  </a:txBody>
+                  <a:tcPr/>
+                </a:tc>
+              </a:tr>
+              <a:tr h="370840">
+                <a:tc>
+                  <a:txBody>
+                    <a:bodyPr/>
+                    <a:lstStyle/>
+                    <a:p>
+                      <a:pPr marL="0" marR="0" indent="0" algn="l" defTabSz="914400" rtl="0" eaLnBrk="1" fontAlgn="auto" latinLnBrk="0" hangingPunct="1">
+                        <a:lnSpc>
+                          <a:spcPct val="100000"/>
+                        </a:lnSpc>
+                        <a:spcBef>
+                          <a:spcPts val="0"/>
+                        </a:spcBef>
+                        <a:spcAft>
+                          <a:spcPts val="0"/>
+                        </a:spcAft>
+                        <a:buClrTx/>
+                        <a:buSzTx/>
+                        <a:buFontTx/>
+                        <a:buNone/>
+                        <a:tabLst/>
+                        <a:defRPr/>
+                      </a:pPr>
+                      <a:r>
+                        <a:rPr lang="en-US" dirty="0" err="1" smtClean="0"/>
+                        <a:t>field_c</a:t>
+                      </a:r>
+                      <a:endParaRPr lang="en-US" dirty="0" smtClean="0"/>
+                    </a:p>
+                  </a:txBody>
+                  <a:tcPr>
+                    <a:lnT w="12700" cap="flat" cmpd="sng" algn="ctr">
+                      <a:solidFill>
+                        <a:scrgbClr r="0" g="0" b="0"/>
+                      </a:solidFill>
+                      <a:prstDash val="solid"/>
+                      <a:round/>
+                      <a:headEnd type="none" w="med" len="med"/>
+                      <a:tailEnd type="none" w="med" len="med"/>
+                    </a:lnT>
+                  </a:tcPr>
+                </a:tc>
+                <a:tc>
+                  <a:txBody>
+                    <a:bodyPr/>
+                    <a:lstStyle/>
+                    <a:p>
+                      <a:r>
+                        <a:rPr lang="en-US" dirty="0" err="1" smtClean="0"/>
+                        <a:t>field_d</a:t>
+                      </a:r>
+                      <a:endParaRPr lang="en-US" dirty="0"/>
+                    </a:p>
+                  </a:txBody>
+                  <a:tcPr/>
+                </a:tc>
+                <a:tc>
+                  <a:txBody>
+                    <a:bodyPr/>
+                    <a:lstStyle/>
+                    <a:p>
+                      <a:r>
+                        <a:rPr lang="en-US" dirty="0" err="1" smtClean="0"/>
+                        <a:t>field_e</a:t>
+                      </a:r>
+                      <a:endParaRPr lang="en-US" dirty="0"/>
+                    </a:p>
+                  </a:txBody>
+                  <a:tcPr/>
+                </a:tc>
+                <a:tc>
+                  <a:txBody>
+                    <a:bodyPr/>
+                    <a:lstStyle/>
+                    <a:p>
+                      <a:r>
+                        <a:rPr lang="en-US" dirty="0" err="1" smtClean="0"/>
+                        <a:t>field_f</a:t>
+                      </a:r>
+                      <a:endParaRPr lang="en-US" dirty="0"/>
+                    </a:p>
+                  </a:txBody>
+                  <a:tcPr/>
+                </a:tc>
+                <a:tc>
+                  <a:txBody>
+                    <a:bodyPr/>
+                    <a:lstStyle/>
+                    <a:p>
+                      <a:r>
+                        <a:rPr lang="en-US" dirty="0" err="1" smtClean="0"/>
+                        <a:t>field_g</a:t>
+                      </a:r>
+                      <a:endParaRPr lang="en-US" dirty="0"/>
+                    </a:p>
+                  </a:txBody>
+                  <a:tcPr/>
+                </a:tc>
+                <a:tc>
+                  <a:txBody>
+                    <a:bodyPr/>
+                    <a:lstStyle/>
+                    <a:p>
+                      <a:r>
+                        <a:rPr lang="en-US" dirty="0" smtClean="0"/>
+                        <a:t>comments</a:t>
+                      </a:r>
+                      <a:endParaRPr lang="en-US" dirty="0"/>
+                    </a:p>
+                  </a:txBody>
+                  <a:tcPr/>
+                </a:tc>
+              </a:tr>
+            </a:tbl>
+          </a:graphicData>
+        </a:graphic>
+      </p:graphicFrame>
+      <p:graphicFrame>
+        <p:nvGraphicFramePr>
+          <p:cNvPr id="6" name="Table 5"/>
+          <p:cNvGraphicFramePr>
+            <a:graphicFrameLocks noGrp="1"/>
+          </p:cNvGraphicFramePr>
+          <p:nvPr>
+            <p:extLst>
+              <p:ext uri="{D42A27DB-BD31-4B8C-83A1-F6EECF244321}">
+                <p14:modId xmlns:p14="http://schemas.microsoft.com/office/powerpoint/2010/main" val="1023470683"/>
+              </p:ext>
+            </p:extLst>
+          </p:nvPr>
+        </p:nvGraphicFramePr>
+        <p:xfrm>
+          <a:off x="299872" y="3505305"/>
+          <a:ext cx="8505993" cy="1112520"/>
+        </p:xfrm>
+        <a:graphic>
+          <a:graphicData uri="http://schemas.openxmlformats.org/drawingml/2006/table">
+            <a:tbl>
+              <a:tblPr firstRow="1" bandRow="1">
+                <a:tableStyleId>{7DF18680-E054-41AD-8BC1-D1AEF772440D}</a:tableStyleId>
+              </a:tblPr>
+              <a:tblGrid>
+                <a:gridCol w="2835331"/>
+                <a:gridCol w="2835331"/>
+                <a:gridCol w="2835331"/>
+              </a:tblGrid>
+              <a:tr h="370840">
+                <a:tc>
+                  <a:txBody>
+                    <a:bodyPr/>
+                    <a:lstStyle/>
+                    <a:p>
+                      <a:r>
+                        <a:rPr lang="en-US" dirty="0" err="1" smtClean="0"/>
+                        <a:t>lab_order</a:t>
+                      </a:r>
+                      <a:endParaRPr lang="en-US" dirty="0"/>
+                    </a:p>
+                  </a:txBody>
+                  <a:tcPr>
+                    <a:lnB w="12700" cap="flat" cmpd="sng" algn="ctr">
+                      <a:solidFill>
+                        <a:scrgbClr r="0" g="0" b="0"/>
+                      </a:solidFill>
+                      <a:prstDash val="solid"/>
+                      <a:round/>
+                      <a:headEnd type="none" w="med" len="med"/>
+                      <a:tailEnd type="none" w="med" len="med"/>
+                    </a:lnB>
+                  </a:tcPr>
+                </a:tc>
+                <a:tc>
+                  <a:txBody>
+                    <a:bodyPr/>
+                    <a:lstStyle/>
+                    <a:p>
+                      <a:endParaRPr lang="en-US" dirty="0"/>
+                    </a:p>
+                  </a:txBody>
+                  <a:tcPr/>
+                </a:tc>
+                <a:tc>
+                  <a:txBody>
+                    <a:bodyPr/>
+                    <a:lstStyle/>
+                    <a:p>
+                      <a:endParaRPr lang="en-US" dirty="0"/>
+                    </a:p>
+                  </a:txBody>
+                  <a:tcPr/>
+                </a:tc>
+              </a:tr>
+              <a:tr h="370840">
+                <a:tc>
+                  <a:txBody>
+                    <a:bodyPr/>
+                    <a:lstStyle/>
+                    <a:p>
+                      <a:r>
+                        <a:rPr lang="en-US" dirty="0" err="1" smtClean="0"/>
+                        <a:t>lab_order_id</a:t>
+                      </a:r>
+                      <a:endParaRPr lang="en-US" dirty="0"/>
+                    </a:p>
+                  </a:txBody>
+                  <a:tcPr>
+                    <a:lnL w="12700" cap="flat" cmpd="sng" algn="ctr">
+                      <a:solidFill>
+                        <a:scrgbClr r="0" g="0" b="0"/>
+                      </a:solidFill>
+                      <a:prstDash val="solid"/>
+                      <a:round/>
+                      <a:headEnd type="none" w="med" len="med"/>
+                      <a:tailEnd type="none" w="med" len="med"/>
+                    </a:lnL>
+                    <a:lnR w="12700" cap="flat" cmpd="sng" algn="ctr">
+                      <a:solidFill>
+                        <a:scrgbClr r="0" g="0" b="0"/>
+                      </a:solidFill>
+                      <a:prstDash val="solid"/>
+                      <a:round/>
+                      <a:headEnd type="none" w="med" len="med"/>
+                      <a:tailEnd type="none" w="med" len="med"/>
+                    </a:lnR>
+                    <a:lnT w="12700" cap="flat" cmpd="sng" algn="ctr">
+                      <a:solidFill>
+                        <a:scrgbClr r="0" g="0" b="0"/>
+                      </a:solidFill>
+                      <a:prstDash val="solid"/>
+                      <a:round/>
+                      <a:headEnd type="none" w="med" len="med"/>
+                      <a:tailEnd type="none" w="med" len="med"/>
+                    </a:lnT>
+                    <a:lnB w="12700" cap="flat" cmpd="sng" algn="ctr">
+                      <a:solidFill>
+                        <a:scrgbClr r="0" g="0" b="0"/>
+                      </a:solidFill>
+                      <a:prstDash val="solid"/>
+                      <a:round/>
+                      <a:headEnd type="none" w="med" len="med"/>
+                      <a:tailEnd type="none" w="med" len="med"/>
+                    </a:lnB>
+                    <a:solidFill>
+                      <a:schemeClr val="accent5">
+                        <a:lumMod val="75000"/>
+                      </a:schemeClr>
+                    </a:solidFill>
+                  </a:tcPr>
+                </a:tc>
+                <a:tc>
+                  <a:txBody>
+                    <a:bodyPr/>
+                    <a:lstStyle/>
+                    <a:p>
+                      <a:r>
+                        <a:rPr lang="en-US" dirty="0" err="1" smtClean="0"/>
+                        <a:t>visit_id</a:t>
+                      </a:r>
+                      <a:endParaRPr lang="en-US" dirty="0"/>
+                    </a:p>
+                  </a:txBody>
+                  <a:tcPr>
+                    <a:lnL w="12700" cap="flat" cmpd="sng" algn="ctr">
+                      <a:solidFill>
+                        <a:scrgbClr r="0" g="0" b="0"/>
+                      </a:solidFill>
+                      <a:prstDash val="solid"/>
+                      <a:round/>
+                      <a:headEnd type="none" w="med" len="med"/>
+                      <a:tailEnd type="none" w="med" len="med"/>
+                    </a:lnL>
+                    <a:solidFill>
+                      <a:schemeClr val="accent1"/>
+                    </a:solidFill>
+                  </a:tcPr>
+                </a:tc>
+                <a:tc>
+                  <a:txBody>
+                    <a:bodyPr/>
+                    <a:lstStyle/>
+                    <a:p>
+                      <a:r>
+                        <a:rPr lang="en-US" dirty="0" err="1" smtClean="0"/>
+                        <a:t>lab_name</a:t>
+                      </a:r>
+                      <a:endParaRPr lang="en-US" dirty="0"/>
+                    </a:p>
+                  </a:txBody>
+                  <a:tcPr/>
+                </a:tc>
+              </a:tr>
+              <a:tr h="370840">
+                <a:tc>
+                  <a:txBody>
+                    <a:bodyPr/>
+                    <a:lstStyle/>
+                    <a:p>
+                      <a:pPr marL="0" marR="0" indent="0" algn="l" defTabSz="914400" rtl="0" eaLnBrk="1" fontAlgn="auto" latinLnBrk="0" hangingPunct="1">
+                        <a:lnSpc>
+                          <a:spcPct val="100000"/>
+                        </a:lnSpc>
+                        <a:spcBef>
+                          <a:spcPts val="0"/>
+                        </a:spcBef>
+                        <a:spcAft>
+                          <a:spcPts val="0"/>
+                        </a:spcAft>
+                        <a:buClrTx/>
+                        <a:buSzTx/>
+                        <a:buFontTx/>
+                        <a:buNone/>
+                        <a:tabLst/>
+                        <a:defRPr/>
+                      </a:pPr>
+                      <a:r>
+                        <a:rPr lang="en-US" dirty="0" err="1" smtClean="0"/>
+                        <a:t>test_name</a:t>
+                      </a:r>
+                      <a:endParaRPr lang="en-US" dirty="0" smtClean="0"/>
+                    </a:p>
+                  </a:txBody>
+                  <a:tcPr>
+                    <a:lnT w="12700" cap="flat" cmpd="sng" algn="ctr">
+                      <a:solidFill>
+                        <a:scrgbClr r="0" g="0" b="0"/>
+                      </a:solidFill>
+                      <a:prstDash val="solid"/>
+                      <a:round/>
+                      <a:headEnd type="none" w="med" len="med"/>
+                      <a:tailEnd type="none" w="med" len="med"/>
+                    </a:lnT>
+                  </a:tcPr>
+                </a:tc>
+                <a:tc>
+                  <a:txBody>
+                    <a:bodyPr/>
+                    <a:lstStyle/>
+                    <a:p>
+                      <a:r>
+                        <a:rPr lang="en-US" dirty="0" smtClean="0"/>
+                        <a:t>results</a:t>
+                      </a:r>
+                      <a:endParaRPr lang="en-US" dirty="0"/>
+                    </a:p>
+                  </a:txBody>
+                  <a:tcPr/>
+                </a:tc>
+                <a:tc>
+                  <a:txBody>
+                    <a:bodyPr/>
+                    <a:lstStyle/>
+                    <a:p>
+                      <a:r>
+                        <a:rPr lang="en-US" dirty="0" err="1" smtClean="0"/>
+                        <a:t>has_image</a:t>
+                      </a:r>
+                      <a:endParaRPr lang="en-US" dirty="0"/>
+                    </a:p>
+                  </a:txBody>
+                  <a:tcPr/>
+                </a:tc>
+              </a:tr>
+            </a:tbl>
+          </a:graphicData>
+        </a:graphic>
+      </p:graphicFrame>
+      <p:sp>
+        <p:nvSpPr>
+          <p:cNvPr id="3" name="TextBox 2"/>
+          <p:cNvSpPr txBox="1"/>
+          <p:nvPr/>
+        </p:nvSpPr>
+        <p:spPr>
+          <a:xfrm>
+            <a:off x="299873" y="1999074"/>
+            <a:ext cx="2866740" cy="646331"/>
+          </a:xfrm>
+          <a:prstGeom prst="rect">
+            <a:avLst/>
+          </a:prstGeom>
+          <a:noFill/>
+        </p:spPr>
+        <p:txBody>
+          <a:bodyPr wrap="none" rtlCol="0">
+            <a:spAutoFit/>
+          </a:bodyPr>
+          <a:lstStyle/>
+          <a:p>
+            <a:r>
+              <a:rPr lang="en-US" b="1" dirty="0" err="1">
+                <a:solidFill>
+                  <a:schemeClr val="bg1"/>
+                </a:solidFill>
+              </a:rPr>
+              <a:t>general_practice_visit</a:t>
+            </a:r>
+            <a:endParaRPr lang="en-US" b="1" dirty="0">
+              <a:solidFill>
+                <a:schemeClr val="bg1"/>
+              </a:solidFill>
+            </a:endParaRPr>
+          </a:p>
+          <a:p>
+            <a:endParaRPr lang="en-US" dirty="0"/>
+          </a:p>
+        </p:txBody>
+      </p:sp>
+      <p:graphicFrame>
+        <p:nvGraphicFramePr>
+          <p:cNvPr id="7" name="Table 6"/>
+          <p:cNvGraphicFramePr>
+            <a:graphicFrameLocks noGrp="1"/>
+          </p:cNvGraphicFramePr>
+          <p:nvPr>
+            <p:extLst>
+              <p:ext uri="{D42A27DB-BD31-4B8C-83A1-F6EECF244321}">
+                <p14:modId xmlns:p14="http://schemas.microsoft.com/office/powerpoint/2010/main" val="2202503550"/>
+              </p:ext>
+            </p:extLst>
+          </p:nvPr>
+        </p:nvGraphicFramePr>
+        <p:xfrm>
+          <a:off x="311152" y="4874934"/>
+          <a:ext cx="8505993" cy="1112520"/>
+        </p:xfrm>
+        <a:graphic>
+          <a:graphicData uri="http://schemas.openxmlformats.org/drawingml/2006/table">
+            <a:tbl>
+              <a:tblPr firstRow="1" bandRow="1">
+                <a:tableStyleId>{7DF18680-E054-41AD-8BC1-D1AEF772440D}</a:tableStyleId>
+              </a:tblPr>
+              <a:tblGrid>
+                <a:gridCol w="2835331"/>
+                <a:gridCol w="2835331"/>
+                <a:gridCol w="2835331"/>
+              </a:tblGrid>
+              <a:tr h="370840">
+                <a:tc>
+                  <a:txBody>
+                    <a:bodyPr/>
+                    <a:lstStyle/>
+                    <a:p>
+                      <a:r>
+                        <a:rPr lang="en-US" dirty="0" smtClean="0"/>
+                        <a:t>prescription</a:t>
+                      </a:r>
+                      <a:endParaRPr lang="en-US" dirty="0"/>
+                    </a:p>
+                  </a:txBody>
+                  <a:tcPr>
+                    <a:lnB w="12700" cap="flat" cmpd="sng" algn="ctr">
+                      <a:solidFill>
+                        <a:scrgbClr r="0" g="0" b="0"/>
+                      </a:solidFill>
+                      <a:prstDash val="solid"/>
+                      <a:round/>
+                      <a:headEnd type="none" w="med" len="med"/>
+                      <a:tailEnd type="none" w="med" len="med"/>
+                    </a:lnB>
+                  </a:tcPr>
+                </a:tc>
+                <a:tc>
+                  <a:txBody>
+                    <a:bodyPr/>
+                    <a:lstStyle/>
+                    <a:p>
+                      <a:endParaRPr lang="en-US" dirty="0"/>
+                    </a:p>
+                  </a:txBody>
+                  <a:tcPr/>
+                </a:tc>
+                <a:tc>
+                  <a:txBody>
+                    <a:bodyPr/>
+                    <a:lstStyle/>
+                    <a:p>
+                      <a:endParaRPr lang="en-US" dirty="0"/>
+                    </a:p>
+                  </a:txBody>
+                  <a:tcPr/>
+                </a:tc>
+              </a:tr>
+              <a:tr h="370840">
+                <a:tc>
+                  <a:txBody>
+                    <a:bodyPr/>
+                    <a:lstStyle/>
+                    <a:p>
+                      <a:r>
+                        <a:rPr lang="en-US" dirty="0" err="1" smtClean="0"/>
+                        <a:t>prescription_id</a:t>
+                      </a:r>
+                      <a:endParaRPr lang="en-US" dirty="0"/>
+                    </a:p>
+                  </a:txBody>
+                  <a:tcPr>
+                    <a:lnL w="12700" cap="flat" cmpd="sng" algn="ctr">
+                      <a:solidFill>
+                        <a:scrgbClr r="0" g="0" b="0"/>
+                      </a:solidFill>
+                      <a:prstDash val="solid"/>
+                      <a:round/>
+                      <a:headEnd type="none" w="med" len="med"/>
+                      <a:tailEnd type="none" w="med" len="med"/>
+                    </a:lnL>
+                    <a:lnR w="12700" cap="flat" cmpd="sng" algn="ctr">
+                      <a:solidFill>
+                        <a:scrgbClr r="0" g="0" b="0"/>
+                      </a:solidFill>
+                      <a:prstDash val="solid"/>
+                      <a:round/>
+                      <a:headEnd type="none" w="med" len="med"/>
+                      <a:tailEnd type="none" w="med" len="med"/>
+                    </a:lnR>
+                    <a:lnT w="12700" cap="flat" cmpd="sng" algn="ctr">
+                      <a:solidFill>
+                        <a:scrgbClr r="0" g="0" b="0"/>
+                      </a:solidFill>
+                      <a:prstDash val="solid"/>
+                      <a:round/>
+                      <a:headEnd type="none" w="med" len="med"/>
+                      <a:tailEnd type="none" w="med" len="med"/>
+                    </a:lnT>
+                    <a:lnB w="12700" cap="flat" cmpd="sng" algn="ctr">
+                      <a:solidFill>
+                        <a:scrgbClr r="0" g="0" b="0"/>
+                      </a:solidFill>
+                      <a:prstDash val="solid"/>
+                      <a:round/>
+                      <a:headEnd type="none" w="med" len="med"/>
+                      <a:tailEnd type="none" w="med" len="med"/>
+                    </a:lnB>
+                    <a:solidFill>
+                      <a:schemeClr val="accent4">
+                        <a:lumMod val="60000"/>
+                        <a:lumOff val="40000"/>
+                      </a:schemeClr>
+                    </a:solidFill>
+                  </a:tcPr>
+                </a:tc>
+                <a:tc>
+                  <a:txBody>
+                    <a:bodyPr/>
+                    <a:lstStyle/>
+                    <a:p>
+                      <a:r>
+                        <a:rPr lang="en-US" dirty="0" err="1" smtClean="0"/>
+                        <a:t>visit_id</a:t>
+                      </a:r>
+                      <a:endParaRPr lang="en-US" dirty="0"/>
+                    </a:p>
+                  </a:txBody>
+                  <a:tcPr>
+                    <a:lnL w="12700" cap="flat" cmpd="sng" algn="ctr">
+                      <a:solidFill>
+                        <a:scrgbClr r="0" g="0" b="0"/>
+                      </a:solidFill>
+                      <a:prstDash val="solid"/>
+                      <a:round/>
+                      <a:headEnd type="none" w="med" len="med"/>
+                      <a:tailEnd type="none" w="med" len="med"/>
+                    </a:lnL>
+                    <a:solidFill>
+                      <a:schemeClr val="accent1"/>
+                    </a:solidFill>
+                  </a:tcPr>
+                </a:tc>
+                <a:tc>
+                  <a:txBody>
+                    <a:bodyPr/>
+                    <a:lstStyle/>
+                    <a:p>
+                      <a:r>
+                        <a:rPr lang="en-US" dirty="0" err="1" smtClean="0"/>
+                        <a:t>medication_type</a:t>
+                      </a:r>
+                      <a:endParaRPr lang="en-US" dirty="0"/>
+                    </a:p>
+                  </a:txBody>
+                  <a:tcPr/>
+                </a:tc>
+              </a:tr>
+              <a:tr h="370840">
+                <a:tc>
+                  <a:txBody>
+                    <a:bodyPr/>
+                    <a:lstStyle/>
+                    <a:p>
+                      <a:r>
+                        <a:rPr lang="en-US" dirty="0" err="1" smtClean="0"/>
+                        <a:t>medication_name</a:t>
+                      </a:r>
+                      <a:endParaRPr lang="en-US" dirty="0"/>
+                    </a:p>
+                  </a:txBody>
+                  <a:tcPr>
+                    <a:lnT w="12700" cap="flat" cmpd="sng" algn="ctr">
+                      <a:solidFill>
+                        <a:scrgbClr r="0" g="0" b="0"/>
+                      </a:solidFill>
+                      <a:prstDash val="solid"/>
+                      <a:round/>
+                      <a:headEnd type="none" w="med" len="med"/>
+                      <a:tailEnd type="none" w="med" len="med"/>
+                    </a:lnT>
+                  </a:tcPr>
+                </a:tc>
+                <a:tc>
+                  <a:txBody>
+                    <a:bodyPr/>
+                    <a:lstStyle/>
+                    <a:p>
+                      <a:endParaRPr lang="en-US" dirty="0"/>
+                    </a:p>
+                  </a:txBody>
+                  <a:tcPr/>
+                </a:tc>
+                <a:tc>
+                  <a:txBody>
+                    <a:bodyPr/>
+                    <a:lstStyle/>
+                    <a:p>
+                      <a:endParaRPr lang="en-US" dirty="0"/>
+                    </a:p>
+                  </a:txBody>
+                  <a:tcPr/>
+                </a:tc>
+              </a:tr>
+            </a:tbl>
+          </a:graphicData>
+        </a:graphic>
+      </p:graphicFrame>
+      <p:sp>
+        <p:nvSpPr>
+          <p:cNvPr id="5" name="Date Placeholder 4"/>
+          <p:cNvSpPr>
+            <a:spLocks noGrp="1"/>
+          </p:cNvSpPr>
+          <p:nvPr>
+            <p:ph type="dt" sz="half" idx="10"/>
+          </p:nvPr>
+        </p:nvSpPr>
+        <p:spPr/>
+        <p:txBody>
+          <a:bodyPr/>
+          <a:lstStyle/>
+          <a:p>
+            <a:r>
+              <a:rPr lang="en-US" smtClean="0"/>
+              <a:t>4/30/15</a:t>
+            </a:r>
+            <a:endParaRPr lang="en-US"/>
+          </a:p>
+        </p:txBody>
+      </p:sp>
+      <p:sp>
+        <p:nvSpPr>
+          <p:cNvPr id="8" name="Slide Number Placeholder 7"/>
+          <p:cNvSpPr>
+            <a:spLocks noGrp="1"/>
+          </p:cNvSpPr>
+          <p:nvPr>
+            <p:ph type="sldNum" sz="quarter" idx="12"/>
+          </p:nvPr>
+        </p:nvSpPr>
+        <p:spPr/>
+        <p:txBody>
+          <a:bodyPr/>
+          <a:lstStyle/>
+          <a:p>
+            <a:fld id="{F14E1E57-8767-3046-891C-C12DFF405717}" type="slidenum">
+              <a:rPr lang="en-US" smtClean="0"/>
+              <a:t>14</a:t>
+            </a:fld>
+            <a:endParaRPr lang="en-US"/>
+          </a:p>
+        </p:txBody>
+      </p:sp>
+    </p:spTree>
+    <p:extLst>
+      <p:ext uri="{BB962C8B-B14F-4D97-AF65-F5344CB8AC3E}">
+        <p14:creationId xmlns:p14="http://schemas.microsoft.com/office/powerpoint/2010/main" val="2417537990"/>
+      </p:ext>
+    </p:extLst>
+  </p:cSld>
+  <p:clrMapOvr>
+    <a:masterClrMapping/>
+  </p:clrMapOvr>
+</p:sld>
+</file>
+
+<file path=ppt/slides/slide15.xml><?xml version="1.0" encoding="utf-8"?>
+<p:sld xmlns:a="http://schemas.openxmlformats.org/drawingml/2006/main" xmlns:r="http://schemas.openxmlformats.org/officeDocument/2006/relationships" xmlns:p="http://schemas.openxmlformats.org/presentationml/2006/main">
+  <p:cSld>
+    <p:spTree>
+      <p:nvGrpSpPr>
+        <p:cNvPr id="1" name=""/>
+        <p:cNvGrpSpPr/>
+        <p:nvPr/>
+      </p:nvGrpSpPr>
+      <p:grpSpPr>
+        <a:xfrm>
+          <a:off x="0" y="0"/>
+          <a:ext cx="0" cy="0"/>
+          <a:chOff x="0" y="0"/>
+          <a:chExt cx="0" cy="0"/>
+        </a:xfrm>
+      </p:grpSpPr>
+      <p:sp>
+        <p:nvSpPr>
+          <p:cNvPr id="2" name="Title 1"/>
+          <p:cNvSpPr>
+            <a:spLocks noGrp="1"/>
+          </p:cNvSpPr>
+          <p:nvPr>
+            <p:ph type="title"/>
+          </p:nvPr>
+        </p:nvSpPr>
+        <p:spPr/>
+        <p:txBody>
+          <a:bodyPr/>
+          <a:lstStyle/>
+          <a:p>
+            <a:r>
+              <a:rPr lang="en-US" dirty="0" smtClean="0"/>
+              <a:t>Demonstration</a:t>
+            </a:r>
+            <a:endParaRPr lang="en-US" dirty="0"/>
+          </a:p>
+        </p:txBody>
+      </p:sp>
+      <p:pic>
+        <p:nvPicPr>
+          <p:cNvPr id="6" name="Content Placeholder 5" descr="Screen Shot 2015-04-30 at 2.48.32 AM.png"/>
+          <p:cNvPicPr>
+            <a:picLocks noGrp="1" noChangeAspect="1"/>
+          </p:cNvPicPr>
+          <p:nvPr>
+            <p:ph sz="quarter" idx="1"/>
+          </p:nvPr>
+        </p:nvPicPr>
+        <p:blipFill>
+          <a:blip r:embed="rId2">
+            <a:extLst>
+              <a:ext uri="{28A0092B-C50C-407E-A947-70E740481C1C}">
+                <a14:useLocalDpi xmlns:a14="http://schemas.microsoft.com/office/drawing/2010/main" val="0"/>
+              </a:ext>
+            </a:extLst>
+          </a:blip>
+          <a:srcRect l="-24015" r="-24015"/>
+          <a:stretch>
+            <a:fillRect/>
+          </a:stretch>
+        </p:blipFill>
+        <p:spPr/>
+      </p:pic>
+      <p:sp>
+        <p:nvSpPr>
+          <p:cNvPr id="7" name="Date Placeholder 6"/>
+          <p:cNvSpPr>
+            <a:spLocks noGrp="1"/>
+          </p:cNvSpPr>
+          <p:nvPr>
+            <p:ph type="dt" sz="half" idx="10"/>
+          </p:nvPr>
+        </p:nvSpPr>
+        <p:spPr/>
+        <p:txBody>
+          <a:bodyPr/>
+          <a:lstStyle/>
+          <a:p>
+            <a:r>
+              <a:rPr lang="en-US" smtClean="0"/>
+              <a:t>4/30/15</a:t>
+            </a:r>
+            <a:endParaRPr lang="en-US"/>
+          </a:p>
+        </p:txBody>
+      </p:sp>
+      <p:sp>
+        <p:nvSpPr>
+          <p:cNvPr id="8" name="Slide Number Placeholder 7"/>
+          <p:cNvSpPr>
+            <a:spLocks noGrp="1"/>
+          </p:cNvSpPr>
+          <p:nvPr>
+            <p:ph type="sldNum" sz="quarter" idx="12"/>
+          </p:nvPr>
+        </p:nvSpPr>
+        <p:spPr/>
+        <p:txBody>
+          <a:bodyPr/>
+          <a:lstStyle/>
+          <a:p>
+            <a:fld id="{F14E1E57-8767-3046-891C-C12DFF405717}" type="slidenum">
+              <a:rPr lang="en-US" smtClean="0"/>
+              <a:t>15</a:t>
+            </a:fld>
+            <a:endParaRPr lang="en-US"/>
+          </a:p>
+        </p:txBody>
+      </p:sp>
+    </p:spTree>
+    <p:extLst>
+      <p:ext uri="{BB962C8B-B14F-4D97-AF65-F5344CB8AC3E}">
+        <p14:creationId xmlns:p14="http://schemas.microsoft.com/office/powerpoint/2010/main" val="1225393096"/>
+      </p:ext>
+    </p:extLst>
+  </p:cSld>
+  <p:clrMapOvr>
+    <a:masterClrMapping/>
+  </p:clrMapOvr>
+  <p:timing>
+    <p:tnLst>
+      <p:par>
+        <p:cTn xmlns:p14="http://schemas.microsoft.com/office/powerpoint/2010/main" id="1" dur="indefinite" restart="never" nodeType="tmRoot"/>
+      </p:par>
+    </p:tnLst>
+  </p:timing>
+</p:sld>
+</file>
+
+<file path=ppt/slides/slide16.xml><?xml version="1.0" encoding="utf-8"?>
+<p:sld xmlns:a="http://schemas.openxmlformats.org/drawingml/2006/main" xmlns:r="http://schemas.openxmlformats.org/officeDocument/2006/relationships" xmlns:p="http://schemas.openxmlformats.org/presentationml/2006/main">
+  <p:cSld>
+    <p:spTree>
+      <p:nvGrpSpPr>
+        <p:cNvPr id="1" name=""/>
+        <p:cNvGrpSpPr/>
+        <p:nvPr/>
+      </p:nvGrpSpPr>
+      <p:grpSpPr>
+        <a:xfrm>
+          <a:off x="0" y="0"/>
+          <a:ext cx="0" cy="0"/>
+          <a:chOff x="0" y="0"/>
+          <a:chExt cx="0" cy="0"/>
+        </a:xfrm>
+      </p:grpSpPr>
+      <p:sp>
+        <p:nvSpPr>
+          <p:cNvPr id="2" name="Title 1"/>
+          <p:cNvSpPr>
+            <a:spLocks noGrp="1"/>
+          </p:cNvSpPr>
+          <p:nvPr>
+            <p:ph type="title"/>
+          </p:nvPr>
+        </p:nvSpPr>
+        <p:spPr/>
+        <p:txBody>
+          <a:bodyPr/>
+          <a:lstStyle/>
+          <a:p>
+            <a:r>
+              <a:rPr lang="en-US" dirty="0" smtClean="0"/>
+              <a:t>Future Work</a:t>
+            </a:r>
+            <a:endParaRPr lang="en-US" dirty="0"/>
+          </a:p>
+        </p:txBody>
+      </p:sp>
+      <p:sp>
+        <p:nvSpPr>
+          <p:cNvPr id="3" name="Content Placeholder 2"/>
+          <p:cNvSpPr>
+            <a:spLocks noGrp="1"/>
+          </p:cNvSpPr>
+          <p:nvPr>
+            <p:ph sz="quarter" idx="1"/>
+          </p:nvPr>
+        </p:nvSpPr>
+        <p:spPr/>
+        <p:txBody>
+          <a:bodyPr/>
+          <a:lstStyle/>
+          <a:p>
+            <a:r>
+              <a:rPr lang="en-US" dirty="0" smtClean="0"/>
+              <a:t>Server-side program to handle transaction wrapping.</a:t>
+            </a:r>
+          </a:p>
+          <a:p>
+            <a:r>
+              <a:rPr lang="en-US" dirty="0" smtClean="0"/>
+              <a:t>Website for patients to register themselves on.</a:t>
+            </a:r>
+          </a:p>
+          <a:p>
+            <a:r>
+              <a:rPr lang="en-US" dirty="0" smtClean="0"/>
+              <a:t>Better compliance with Amazon Secret Key security standards (standalone key file instead of hardcoded key).</a:t>
+            </a:r>
+          </a:p>
+          <a:p>
+            <a:r>
+              <a:rPr lang="en-US" dirty="0" smtClean="0"/>
+              <a:t>Database storage for additional types of records that a general practice office might need to track:</a:t>
+            </a:r>
+          </a:p>
+          <a:p>
+            <a:pPr lvl="1"/>
+            <a:r>
+              <a:rPr lang="en-US" dirty="0" smtClean="0"/>
+              <a:t>Supplies, meds, rooms, calendars, future appointments, etc.</a:t>
+            </a:r>
+            <a:endParaRPr lang="en-US" dirty="0"/>
+          </a:p>
+        </p:txBody>
+      </p:sp>
+      <p:sp>
+        <p:nvSpPr>
+          <p:cNvPr id="4" name="Date Placeholder 3"/>
+          <p:cNvSpPr>
+            <a:spLocks noGrp="1"/>
+          </p:cNvSpPr>
+          <p:nvPr>
+            <p:ph type="dt" sz="half" idx="10"/>
+          </p:nvPr>
+        </p:nvSpPr>
+        <p:spPr/>
+        <p:txBody>
+          <a:bodyPr/>
+          <a:lstStyle/>
+          <a:p>
+            <a:r>
+              <a:rPr lang="en-US" smtClean="0"/>
+              <a:t>4/30/15</a:t>
+            </a:r>
+            <a:endParaRPr lang="en-US"/>
+          </a:p>
+        </p:txBody>
+      </p:sp>
+      <p:sp>
+        <p:nvSpPr>
+          <p:cNvPr id="5" name="Slide Number Placeholder 4"/>
+          <p:cNvSpPr>
+            <a:spLocks noGrp="1"/>
+          </p:cNvSpPr>
+          <p:nvPr>
+            <p:ph type="sldNum" sz="quarter" idx="12"/>
+          </p:nvPr>
+        </p:nvSpPr>
+        <p:spPr/>
+        <p:txBody>
+          <a:bodyPr/>
+          <a:lstStyle/>
+          <a:p>
+            <a:fld id="{F14E1E57-8767-3046-891C-C12DFF405717}" type="slidenum">
+              <a:rPr lang="en-US" smtClean="0"/>
+              <a:t>16</a:t>
+            </a:fld>
+            <a:endParaRPr lang="en-US"/>
+          </a:p>
+        </p:txBody>
+      </p:sp>
+    </p:spTree>
+    <p:extLst>
+      <p:ext uri="{BB962C8B-B14F-4D97-AF65-F5344CB8AC3E}">
+        <p14:creationId xmlns:p14="http://schemas.microsoft.com/office/powerpoint/2010/main" val="4281417097"/>
+      </p:ext>
+    </p:extLst>
+  </p:cSld>
+  <p:clrMapOvr>
+    <a:masterClrMapping/>
+  </p:clrMapOvr>
+</p:sld>
+</file>
+
+<file path=ppt/slides/slide17.xml><?xml version="1.0" encoding="utf-8"?>
+<p:sld xmlns:a="http://schemas.openxmlformats.org/drawingml/2006/main" xmlns:r="http://schemas.openxmlformats.org/officeDocument/2006/relationships" xmlns:p="http://schemas.openxmlformats.org/presentationml/2006/main">
+  <p:cSld>
+    <p:spTree>
+      <p:nvGrpSpPr>
+        <p:cNvPr id="1" name=""/>
+        <p:cNvGrpSpPr/>
+        <p:nvPr/>
+      </p:nvGrpSpPr>
+      <p:grpSpPr>
+        <a:xfrm>
+          <a:off x="0" y="0"/>
+          <a:ext cx="0" cy="0"/>
+          <a:chOff x="0" y="0"/>
+          <a:chExt cx="0" cy="0"/>
+        </a:xfrm>
+      </p:grpSpPr>
+      <p:sp>
+        <p:nvSpPr>
+          <p:cNvPr id="2" name="Title 1"/>
+          <p:cNvSpPr>
+            <a:spLocks noGrp="1"/>
+          </p:cNvSpPr>
+          <p:nvPr>
+            <p:ph type="title"/>
+          </p:nvPr>
+        </p:nvSpPr>
+        <p:spPr/>
+        <p:txBody>
+          <a:bodyPr/>
+          <a:lstStyle/>
+          <a:p>
+            <a:r>
+              <a:rPr lang="en-US" dirty="0" smtClean="0"/>
+              <a:t>Conclusion</a:t>
+            </a:r>
+            <a:endParaRPr lang="en-US" dirty="0"/>
+          </a:p>
+        </p:txBody>
+      </p:sp>
+      <p:sp>
+        <p:nvSpPr>
+          <p:cNvPr id="3" name="Content Placeholder 2"/>
+          <p:cNvSpPr>
+            <a:spLocks noGrp="1"/>
+          </p:cNvSpPr>
+          <p:nvPr>
+            <p:ph sz="quarter" idx="1"/>
+          </p:nvPr>
+        </p:nvSpPr>
+        <p:spPr/>
+        <p:txBody>
+          <a:bodyPr/>
+          <a:lstStyle/>
+          <a:p>
+            <a:r>
+              <a:rPr lang="en-US" dirty="0" smtClean="0"/>
+              <a:t>Our local program has strong security, but we would need to improve server side security if we went to production with this project.</a:t>
+            </a:r>
+          </a:p>
+          <a:p>
+            <a:r>
+              <a:rPr lang="en-US" dirty="0" smtClean="0"/>
+              <a:t>Our system meets all the goals we set out to accomplish – the </a:t>
+            </a:r>
+            <a:r>
+              <a:rPr lang="en-US" dirty="0" err="1" smtClean="0"/>
+              <a:t>GotG</a:t>
+            </a:r>
+            <a:r>
+              <a:rPr lang="en-US" dirty="0" smtClean="0"/>
+              <a:t> MD System is ready for the real world! (Maybe not quite ready…)</a:t>
+            </a:r>
+          </a:p>
+        </p:txBody>
+      </p:sp>
+      <p:sp>
+        <p:nvSpPr>
+          <p:cNvPr id="4" name="Date Placeholder 3"/>
+          <p:cNvSpPr>
+            <a:spLocks noGrp="1"/>
+          </p:cNvSpPr>
+          <p:nvPr>
+            <p:ph type="dt" sz="half" idx="10"/>
+          </p:nvPr>
+        </p:nvSpPr>
+        <p:spPr/>
+        <p:txBody>
+          <a:bodyPr/>
+          <a:lstStyle/>
+          <a:p>
+            <a:r>
+              <a:rPr lang="en-US" smtClean="0"/>
+              <a:t>4/30/15</a:t>
+            </a:r>
+            <a:endParaRPr lang="en-US"/>
+          </a:p>
+        </p:txBody>
+      </p:sp>
+      <p:sp>
+        <p:nvSpPr>
+          <p:cNvPr id="5" name="Slide Number Placeholder 4"/>
+          <p:cNvSpPr>
+            <a:spLocks noGrp="1"/>
+          </p:cNvSpPr>
+          <p:nvPr>
+            <p:ph type="sldNum" sz="quarter" idx="12"/>
+          </p:nvPr>
+        </p:nvSpPr>
+        <p:spPr/>
+        <p:txBody>
+          <a:bodyPr/>
+          <a:lstStyle/>
+          <a:p>
+            <a:fld id="{F14E1E57-8767-3046-891C-C12DFF405717}" type="slidenum">
+              <a:rPr lang="en-US" smtClean="0"/>
+              <a:t>17</a:t>
+            </a:fld>
+            <a:endParaRPr lang="en-US"/>
+          </a:p>
+        </p:txBody>
+      </p:sp>
+    </p:spTree>
+    <p:extLst>
+      <p:ext uri="{BB962C8B-B14F-4D97-AF65-F5344CB8AC3E}">
+        <p14:creationId xmlns:p14="http://schemas.microsoft.com/office/powerpoint/2010/main" val="2346346961"/>
+      </p:ext>
+    </p:extLst>
+  </p:cSld>
+  <p:clrMapOvr>
+    <a:masterClrMapping/>
+  </p:clrMapOvr>
+</p:sld>
+</file>
+
+<file path=ppt/slides/slide18.xml><?xml version="1.0" encoding="utf-8"?>
+<p:sld xmlns:a="http://schemas.openxmlformats.org/drawingml/2006/main" xmlns:r="http://schemas.openxmlformats.org/officeDocument/2006/relationships" xmlns:p="http://schemas.openxmlformats.org/presentationml/2006/main">
+  <p:cSld>
+    <p:spTree>
+      <p:nvGrpSpPr>
+        <p:cNvPr id="1" name=""/>
+        <p:cNvGrpSpPr/>
+        <p:nvPr/>
+      </p:nvGrpSpPr>
+      <p:grpSpPr>
+        <a:xfrm>
+          <a:off x="0" y="0"/>
+          <a:ext cx="0" cy="0"/>
+          <a:chOff x="0" y="0"/>
+          <a:chExt cx="0" cy="0"/>
+        </a:xfrm>
+      </p:grpSpPr>
+      <p:sp>
+        <p:nvSpPr>
+          <p:cNvPr id="2" name="Title 1"/>
+          <p:cNvSpPr>
+            <a:spLocks noGrp="1"/>
+          </p:cNvSpPr>
+          <p:nvPr>
+            <p:ph type="title"/>
+          </p:nvPr>
+        </p:nvSpPr>
+        <p:spPr/>
+        <p:txBody>
+          <a:bodyPr/>
+          <a:lstStyle/>
+          <a:p>
+            <a:r>
+              <a:rPr lang="en-US" dirty="0" smtClean="0"/>
+              <a:t>Questions?</a:t>
+            </a:r>
+            <a:endParaRPr lang="en-US" dirty="0"/>
+          </a:p>
+        </p:txBody>
+      </p:sp>
+      <p:sp>
+        <p:nvSpPr>
+          <p:cNvPr id="4" name="Date Placeholder 3"/>
+          <p:cNvSpPr>
+            <a:spLocks noGrp="1"/>
+          </p:cNvSpPr>
+          <p:nvPr>
+            <p:ph type="dt" sz="half" idx="10"/>
+          </p:nvPr>
+        </p:nvSpPr>
+        <p:spPr/>
+        <p:txBody>
+          <a:bodyPr/>
+          <a:lstStyle/>
+          <a:p>
+            <a:r>
+              <a:rPr lang="en-US" smtClean="0"/>
+              <a:t>4/30/15</a:t>
+            </a:r>
+            <a:endParaRPr lang="en-US"/>
+          </a:p>
+        </p:txBody>
+      </p:sp>
+      <p:sp>
+        <p:nvSpPr>
+          <p:cNvPr id="5" name="Slide Number Placeholder 4"/>
+          <p:cNvSpPr>
+            <a:spLocks noGrp="1"/>
+          </p:cNvSpPr>
+          <p:nvPr>
+            <p:ph type="sldNum" sz="quarter" idx="12"/>
+          </p:nvPr>
+        </p:nvSpPr>
+        <p:spPr/>
+        <p:txBody>
+          <a:bodyPr/>
+          <a:lstStyle/>
+          <a:p>
+            <a:fld id="{F14E1E57-8767-3046-891C-C12DFF405717}" type="slidenum">
+              <a:rPr lang="en-US" smtClean="0"/>
+              <a:t>18</a:t>
+            </a:fld>
+            <a:endParaRPr lang="en-US"/>
+          </a:p>
+        </p:txBody>
+      </p:sp>
+    </p:spTree>
+    <p:extLst>
+      <p:ext uri="{BB962C8B-B14F-4D97-AF65-F5344CB8AC3E}">
+        <p14:creationId xmlns:p14="http://schemas.microsoft.com/office/powerpoint/2010/main" val="1858140580"/>
+      </p:ext>
+    </p:extLst>
+  </p:cSld>
+  <p:clrMapOvr>
+    <a:masterClrMapping/>
+  </p:clrMapOvr>
+</p:sld>
+</file>
+
+<file path=ppt/slides/slide19.xml><?xml version="1.0" encoding="utf-8"?>
+<p:sld xmlns:a="http://schemas.openxmlformats.org/drawingml/2006/main" xmlns:r="http://schemas.openxmlformats.org/officeDocument/2006/relationships" xmlns:p="http://schemas.openxmlformats.org/presentationml/2006/main">
+  <p:cSld>
+    <p:spTree>
+      <p:nvGrpSpPr>
+        <p:cNvPr id="1" name=""/>
+        <p:cNvGrpSpPr/>
+        <p:nvPr/>
+      </p:nvGrpSpPr>
+      <p:grpSpPr>
+        <a:xfrm>
+          <a:off x="0" y="0"/>
+          <a:ext cx="0" cy="0"/>
+          <a:chOff x="0" y="0"/>
+          <a:chExt cx="0" cy="0"/>
+        </a:xfrm>
+      </p:grpSpPr>
+      <p:sp>
+        <p:nvSpPr>
+          <p:cNvPr id="2" name="Title 1"/>
+          <p:cNvSpPr>
+            <a:spLocks noGrp="1"/>
+          </p:cNvSpPr>
+          <p:nvPr>
+            <p:ph type="title"/>
+          </p:nvPr>
+        </p:nvSpPr>
+        <p:spPr/>
+        <p:txBody>
+          <a:bodyPr/>
+          <a:lstStyle/>
+          <a:p>
+            <a:r>
+              <a:rPr lang="en-US" dirty="0" smtClean="0"/>
+              <a:t>Appendix - </a:t>
+            </a:r>
+            <a:r>
+              <a:rPr lang="en-US" dirty="0" err="1" smtClean="0"/>
+              <a:t>Github</a:t>
+            </a:r>
+            <a:endParaRPr lang="en-US" dirty="0"/>
+          </a:p>
+        </p:txBody>
+      </p:sp>
+      <p:sp>
+        <p:nvSpPr>
+          <p:cNvPr id="3" name="Content Placeholder 2"/>
+          <p:cNvSpPr>
+            <a:spLocks noGrp="1"/>
+          </p:cNvSpPr>
+          <p:nvPr>
+            <p:ph sz="quarter" idx="1"/>
+          </p:nvPr>
+        </p:nvSpPr>
+        <p:spPr/>
+        <p:txBody>
+          <a:bodyPr/>
+          <a:lstStyle/>
+          <a:p>
+            <a:r>
+              <a:rPr lang="en-US" dirty="0" smtClean="0"/>
+              <a:t>We used </a:t>
+            </a:r>
+            <a:r>
+              <a:rPr lang="en-US" dirty="0" err="1" smtClean="0"/>
+              <a:t>Github</a:t>
+            </a:r>
+            <a:r>
+              <a:rPr lang="en-US" dirty="0" smtClean="0"/>
+              <a:t> to version our project and pull/push changes between our local repositories and a shared online repository.</a:t>
+            </a:r>
+          </a:p>
+          <a:p>
+            <a:r>
+              <a:rPr lang="en-US" dirty="0" err="1" smtClean="0"/>
+              <a:t>Github</a:t>
+            </a:r>
+            <a:r>
+              <a:rPr lang="en-US" dirty="0" smtClean="0"/>
+              <a:t> made it easy for us to work on the project simultaneously without running into any major issues.</a:t>
+            </a:r>
+            <a:endParaRPr lang="en-US" dirty="0"/>
+          </a:p>
+        </p:txBody>
+      </p:sp>
+      <p:sp>
+        <p:nvSpPr>
+          <p:cNvPr id="4" name="Date Placeholder 3"/>
+          <p:cNvSpPr>
+            <a:spLocks noGrp="1"/>
+          </p:cNvSpPr>
+          <p:nvPr>
+            <p:ph type="dt" sz="half" idx="10"/>
+          </p:nvPr>
+        </p:nvSpPr>
+        <p:spPr/>
+        <p:txBody>
+          <a:bodyPr/>
+          <a:lstStyle/>
+          <a:p>
+            <a:r>
+              <a:rPr lang="en-US" smtClean="0"/>
+              <a:t>4/30/15</a:t>
+            </a:r>
+            <a:endParaRPr lang="en-US"/>
+          </a:p>
+        </p:txBody>
+      </p:sp>
+      <p:sp>
+        <p:nvSpPr>
+          <p:cNvPr id="5" name="Slide Number Placeholder 4"/>
+          <p:cNvSpPr>
+            <a:spLocks noGrp="1"/>
+          </p:cNvSpPr>
+          <p:nvPr>
+            <p:ph type="sldNum" sz="quarter" idx="12"/>
+          </p:nvPr>
+        </p:nvSpPr>
+        <p:spPr/>
+        <p:txBody>
+          <a:bodyPr/>
+          <a:lstStyle/>
+          <a:p>
+            <a:fld id="{F14E1E57-8767-3046-891C-C12DFF405717}" type="slidenum">
+              <a:rPr lang="en-US" smtClean="0"/>
+              <a:t>19</a:t>
+            </a:fld>
+            <a:endParaRPr lang="en-US"/>
+          </a:p>
+        </p:txBody>
+      </p:sp>
+    </p:spTree>
+    <p:extLst>
+      <p:ext uri="{BB962C8B-B14F-4D97-AF65-F5344CB8AC3E}">
+        <p14:creationId xmlns:p14="http://schemas.microsoft.com/office/powerpoint/2010/main" val="1344726063"/>
       </p:ext>
     </p:extLst>
   </p:cSld>
@@ -6170,7 +9886,7 @@
           <a:p>
             <a:r>
               <a:rPr lang="en-US" dirty="0" smtClean="0"/>
-              <a:t>Appendix – Apache Maven</a:t>
+              <a:t>Contents</a:t>
             </a:r>
             <a:endParaRPr lang="en-US" dirty="0"/>
           </a:p>
@@ -6192,90 +9908,120 @@
           <a:lstStyle/>
           <a:p>
             <a:r>
-              <a:rPr lang="en-US" sz="2800" dirty="0">
-                <a:latin typeface="Georgia"/>
-                <a:cs typeface="Georgia"/>
-              </a:rPr>
-              <a:t>We used Maven to </a:t>
-            </a:r>
-            <a:r>
-              <a:rPr lang="en-US" sz="2800" dirty="0" smtClean="0">
-                <a:latin typeface="Georgia"/>
-                <a:cs typeface="Georgia"/>
-              </a:rPr>
-              <a:t>automate the build process for our project.</a:t>
-            </a:r>
-          </a:p>
-          <a:p>
-            <a:r>
-              <a:rPr lang="en-US" sz="2800" dirty="0">
-                <a:latin typeface="Georgia"/>
-                <a:cs typeface="Georgia"/>
-              </a:rPr>
-              <a:t>Maven compiles all of our source files, runs </a:t>
-            </a:r>
-            <a:r>
-              <a:rPr lang="en-US" sz="2800" dirty="0" err="1">
-                <a:latin typeface="Georgia"/>
-                <a:cs typeface="Georgia"/>
-              </a:rPr>
-              <a:t>JUnit</a:t>
-            </a:r>
-            <a:r>
-              <a:rPr lang="en-US" sz="2800" dirty="0">
-                <a:latin typeface="Georgia"/>
-                <a:cs typeface="Georgia"/>
-              </a:rPr>
-              <a:t> tests, and then packages the entire project into a .jar file.</a:t>
-            </a:r>
-            <a:endParaRPr lang="en-US" dirty="0">
-              <a:latin typeface="Georgia"/>
-              <a:cs typeface="Georgia"/>
-            </a:endParaRPr>
-          </a:p>
-          <a:p>
-            <a:r>
-              <a:rPr lang="en-US" sz="2800" dirty="0">
-                <a:latin typeface="Georgia"/>
-                <a:cs typeface="Georgia"/>
-              </a:rPr>
-              <a:t>Maven automatically pulls package dependencies for our project, notably the </a:t>
-            </a:r>
-            <a:r>
-              <a:rPr lang="en-US" sz="2800" dirty="0" err="1">
-                <a:latin typeface="Georgia"/>
-                <a:cs typeface="Georgia"/>
-              </a:rPr>
-              <a:t>JUnit</a:t>
-            </a:r>
-            <a:r>
-              <a:rPr lang="en-US" sz="2800" dirty="0">
-                <a:latin typeface="Georgia"/>
-                <a:cs typeface="Georgia"/>
-              </a:rPr>
-              <a:t> and AWS-SDK packages, and includes these dependencies in our packaged .jar file.</a:t>
-            </a:r>
-            <a:endParaRPr lang="en-US" dirty="0">
-              <a:latin typeface="Georgia"/>
-              <a:cs typeface="Georgia"/>
-            </a:endParaRPr>
+              <a:rPr lang="en-US" dirty="0" smtClean="0"/>
+              <a:t>Introduction</a:t>
+            </a:r>
+          </a:p>
+          <a:p>
+            <a:r>
+              <a:rPr lang="en-US" dirty="0" smtClean="0"/>
+              <a:t>GUI Design: A Focus on </a:t>
+            </a:r>
+            <a:r>
+              <a:rPr lang="en-US" dirty="0" smtClean="0"/>
+              <a:t>Panels</a:t>
+            </a:r>
+          </a:p>
+          <a:p>
+            <a:r>
+              <a:rPr lang="en-US" dirty="0" smtClean="0"/>
+              <a:t>Behind the Scenes: Technical Backend</a:t>
+            </a:r>
+          </a:p>
+          <a:p>
+            <a:r>
+              <a:rPr lang="en-US" dirty="0" smtClean="0"/>
+              <a:t>Conclusion</a:t>
+            </a:r>
+          </a:p>
+          <a:p>
+            <a:r>
+              <a:rPr lang="en-US" dirty="0" smtClean="0"/>
+              <a:t>Questions</a:t>
+            </a:r>
+            <a:r>
+              <a:rPr lang="en-US" dirty="0"/>
+              <a:t> </a:t>
+            </a:r>
+            <a:r>
+              <a:rPr lang="en-US" dirty="0" smtClean="0"/>
+              <a:t>&amp; </a:t>
+            </a:r>
+            <a:r>
+              <a:rPr lang="en-US" dirty="0" smtClean="0"/>
+              <a:t>Appendices</a:t>
+            </a:r>
+            <a:endParaRPr lang="en-US" dirty="0"/>
+          </a:p>
+        </p:txBody>
+      </p:sp>
+      <p:sp>
+        <p:nvSpPr>
+          <p:cNvPr id="4" name="Date Placeholder 3"/>
+          <p:cNvSpPr>
+            <a:spLocks noGrp="1"/>
+          </p:cNvSpPr>
+          <p:nvPr>
+            <p:ph type="dt" sz="half" idx="10"/>
+          </p:nvPr>
+        </p:nvSpPr>
+        <p:spPr/>
+        <p:txBody>
+          <a:bodyPr/>
+          <a:lstStyle/>
+          <a:p>
+            <a:r>
+              <a:rPr lang="en-US" smtClean="0"/>
+              <a:t>4/30/15</a:t>
+            </a:r>
+            <a:endParaRPr lang="en-US"/>
+          </a:p>
+        </p:txBody>
+      </p:sp>
+      <p:sp>
+        <p:nvSpPr>
+          <p:cNvPr id="5" name="Slide Number Placeholder 4"/>
+          <p:cNvSpPr>
+            <a:spLocks noGrp="1"/>
+          </p:cNvSpPr>
+          <p:nvPr>
+            <p:ph type="sldNum" sz="quarter" idx="12"/>
+          </p:nvPr>
+        </p:nvSpPr>
+        <p:spPr/>
+        <p:txBody>
+          <a:bodyPr/>
+          <a:lstStyle/>
+          <a:p>
+            <a:fld id="{F14E1E57-8767-3046-891C-C12DFF405717}" type="slidenum">
+              <a:rPr lang="en-US" smtClean="0"/>
+              <a:t>2</a:t>
+            </a:fld>
+            <a:endParaRPr lang="en-US"/>
           </a:p>
         </p:txBody>
       </p:sp>
     </p:spTree>
     <p:extLst>
       <p:ext uri="{BB962C8B-B14F-4D97-AF65-F5344CB8AC3E}">
-        <p14:creationId xmlns:p14="http://schemas.microsoft.com/office/powerpoint/2010/main" val="1691100490"/>
+        <p14:creationId xmlns:p14="http://schemas.microsoft.com/office/powerpoint/2010/main" val="2104066987"/>
       </p:ext>
     </p:extLst>
   </p:cSld>
   <p:clrMapOvr>
     <a:masterClrMapping/>
   </p:clrMapOvr>
+  <p:timing>
+    <p:tnLst>
+      <p:par>
+        <p:cTn xmlns:p14="http://schemas.microsoft.com/office/powerpoint/2010/main" id="1" dur="indefinite" restart="never" nodeType="tmRoot"/>
+      </p:par>
+    </p:tnLst>
+  </p:timing>
 </p:sld>
 </file>
 
-<file path=ppt/slides/slide3.xml><?xml version="1.0" encoding="utf-8"?>
+<file path=ppt/slides/slide20.xml><?xml version="1.0" encoding="utf-8"?>
 <p:sld xmlns:a="http://schemas.openxmlformats.org/drawingml/2006/main" xmlns:r="http://schemas.openxmlformats.org/officeDocument/2006/relationships" xmlns:p="http://schemas.openxmlformats.org/presentationml/2006/main">
   <p:cSld>
     <p:spTree>
@@ -6308,6 +10054,191 @@
           <a:lstStyle/>
           <a:p>
             <a:r>
+              <a:rPr lang="en-US" dirty="0" smtClean="0"/>
+              <a:t>Appendix – Apache Maven</a:t>
+            </a:r>
+            <a:endParaRPr lang="en-US" dirty="0"/>
+          </a:p>
+        </p:txBody>
+      </p:sp>
+      <p:sp>
+        <p:nvSpPr>
+          <p:cNvPr id="3" name="Content Placeholder 2"/>
+          <p:cNvSpPr>
+            <a:spLocks noGrp="1"/>
+          </p:cNvSpPr>
+          <p:nvPr>
+            <p:ph sz="quarter" idx="1"/>
+          </p:nvPr>
+        </p:nvSpPr>
+        <p:spPr/>
+        <p:txBody>
+          <a:bodyPr/>
+          <a:lstStyle/>
+          <a:p>
+            <a:r>
+              <a:rPr lang="en-US" sz="2800" dirty="0">
+                <a:latin typeface="Georgia"/>
+                <a:cs typeface="Georgia"/>
+              </a:rPr>
+              <a:t>We used Maven to </a:t>
+            </a:r>
+            <a:r>
+              <a:rPr lang="en-US" sz="2800" dirty="0" smtClean="0">
+                <a:latin typeface="Georgia"/>
+                <a:cs typeface="Georgia"/>
+              </a:rPr>
+              <a:t>automate the build process for our project.</a:t>
+            </a:r>
+          </a:p>
+          <a:p>
+            <a:r>
+              <a:rPr lang="en-US" sz="2800" dirty="0">
+                <a:latin typeface="Georgia"/>
+                <a:cs typeface="Georgia"/>
+              </a:rPr>
+              <a:t>Maven compiles all of our source files, runs </a:t>
+            </a:r>
+            <a:r>
+              <a:rPr lang="en-US" sz="2800" dirty="0" err="1">
+                <a:latin typeface="Georgia"/>
+                <a:cs typeface="Georgia"/>
+              </a:rPr>
+              <a:t>JUnit</a:t>
+            </a:r>
+            <a:r>
+              <a:rPr lang="en-US" sz="2800" dirty="0">
+                <a:latin typeface="Georgia"/>
+                <a:cs typeface="Georgia"/>
+              </a:rPr>
+              <a:t> tests, and then packages the entire project into a .jar file.</a:t>
+            </a:r>
+            <a:endParaRPr lang="en-US" dirty="0">
+              <a:latin typeface="Georgia"/>
+              <a:cs typeface="Georgia"/>
+            </a:endParaRPr>
+          </a:p>
+          <a:p>
+            <a:r>
+              <a:rPr lang="en-US" sz="2800" dirty="0">
+                <a:latin typeface="Georgia"/>
+                <a:cs typeface="Georgia"/>
+              </a:rPr>
+              <a:t>Maven automatically pulls package dependencies for our project, notably the </a:t>
+            </a:r>
+            <a:r>
+              <a:rPr lang="en-US" sz="2800" dirty="0" err="1">
+                <a:latin typeface="Georgia"/>
+                <a:cs typeface="Georgia"/>
+              </a:rPr>
+              <a:t>JUnit</a:t>
+            </a:r>
+            <a:r>
+              <a:rPr lang="en-US" sz="2800" dirty="0">
+                <a:latin typeface="Georgia"/>
+                <a:cs typeface="Georgia"/>
+              </a:rPr>
+              <a:t> and AWS-SDK packages, and includes these dependencies in our packaged .jar file.</a:t>
+            </a:r>
+            <a:endParaRPr lang="en-US" dirty="0">
+              <a:latin typeface="Georgia"/>
+              <a:cs typeface="Georgia"/>
+            </a:endParaRPr>
+          </a:p>
+        </p:txBody>
+      </p:sp>
+      <p:sp>
+        <p:nvSpPr>
+          <p:cNvPr id="4" name="Date Placeholder 3"/>
+          <p:cNvSpPr>
+            <a:spLocks noGrp="1"/>
+          </p:cNvSpPr>
+          <p:nvPr>
+            <p:ph type="dt" sz="half" idx="10"/>
+          </p:nvPr>
+        </p:nvSpPr>
+        <p:spPr/>
+        <p:txBody>
+          <a:bodyPr/>
+          <a:lstStyle/>
+          <a:p>
+            <a:r>
+              <a:rPr lang="en-US" smtClean="0"/>
+              <a:t>4/30/15</a:t>
+            </a:r>
+            <a:endParaRPr lang="en-US"/>
+          </a:p>
+        </p:txBody>
+      </p:sp>
+      <p:sp>
+        <p:nvSpPr>
+          <p:cNvPr id="5" name="Slide Number Placeholder 4"/>
+          <p:cNvSpPr>
+            <a:spLocks noGrp="1"/>
+          </p:cNvSpPr>
+          <p:nvPr>
+            <p:ph type="sldNum" sz="quarter" idx="12"/>
+          </p:nvPr>
+        </p:nvSpPr>
+        <p:spPr/>
+        <p:txBody>
+          <a:bodyPr/>
+          <a:lstStyle/>
+          <a:p>
+            <a:fld id="{F14E1E57-8767-3046-891C-C12DFF405717}" type="slidenum">
+              <a:rPr lang="en-US" smtClean="0"/>
+              <a:t>20</a:t>
+            </a:fld>
+            <a:endParaRPr lang="en-US"/>
+          </a:p>
+        </p:txBody>
+      </p:sp>
+    </p:spTree>
+    <p:extLst>
+      <p:ext uri="{BB962C8B-B14F-4D97-AF65-F5344CB8AC3E}">
+        <p14:creationId xmlns:p14="http://schemas.microsoft.com/office/powerpoint/2010/main" val="1691100490"/>
+      </p:ext>
+    </p:extLst>
+  </p:cSld>
+  <p:clrMapOvr>
+    <a:masterClrMapping/>
+  </p:clrMapOvr>
+</p:sld>
+</file>
+
+<file path=ppt/slides/slide21.xml><?xml version="1.0" encoding="utf-8"?>
+<p:sld xmlns:a="http://schemas.openxmlformats.org/drawingml/2006/main" xmlns:r="http://schemas.openxmlformats.org/officeDocument/2006/relationships" xmlns:p="http://schemas.openxmlformats.org/presentationml/2006/main">
+  <p:cSld>
+    <p:spTree>
+      <p:nvGrpSpPr>
+        <p:cNvPr id="1" name=""/>
+        <p:cNvGrpSpPr/>
+        <p:nvPr/>
+      </p:nvGrpSpPr>
+      <p:grpSpPr>
+        <a:xfrm>
+          <a:off x="0" y="0"/>
+          <a:ext cx="0" cy="0"/>
+          <a:chOff x="0" y="0"/>
+          <a:chExt cx="0" cy="0"/>
+        </a:xfrm>
+      </p:grpSpPr>
+      <p:sp>
+        <p:nvSpPr>
+          <p:cNvPr id="2" name="Title 1"/>
+          <p:cNvSpPr>
+            <a:spLocks noGrp="1"/>
+          </p:cNvSpPr>
+          <p:nvPr>
+            <p:ph type="title"/>
+          </p:nvPr>
+        </p:nvSpPr>
+        <p:spPr/>
+        <p:txBody>
+          <a:bodyPr/>
+          <a:lstStyle/>
+          <a:p>
+            <a:r>
               <a:rPr lang="en-US" dirty="0" smtClean="0">
                 <a:latin typeface="Georgia"/>
                 <a:cs typeface="Georgia"/>
@@ -6498,6 +10429,52 @@
               <a:latin typeface="Georgia"/>
               <a:cs typeface="Georgia"/>
             </a:endParaRPr>
+          </a:p>
+        </p:txBody>
+      </p:sp>
+      <p:sp>
+        <p:nvSpPr>
+          <p:cNvPr id="4" name="Date Placeholder 3"/>
+          <p:cNvSpPr>
+            <a:spLocks noGrp="1"/>
+          </p:cNvSpPr>
+          <p:nvPr>
+            <p:ph type="dt" sz="half" idx="10"/>
+          </p:nvPr>
+        </p:nvSpPr>
+        <p:spPr/>
+        <p:txBody>
+          <a:bodyPr/>
+          <a:lstStyle/>
+          <a:p>
+            <a:r>
+              <a:rPr lang="en-US" smtClean="0"/>
+              <a:t>4/30/15</a:t>
+            </a:r>
+            <a:endParaRPr lang="en-US"/>
+          </a:p>
+        </p:txBody>
+      </p:sp>
+      <p:sp>
+        <p:nvSpPr>
+          <p:cNvPr id="5" name="Slide Number Placeholder 4"/>
+          <p:cNvSpPr>
+            <a:spLocks noGrp="1"/>
+          </p:cNvSpPr>
+          <p:nvPr>
+            <p:ph type="sldNum" sz="quarter" idx="12"/>
+          </p:nvPr>
+        </p:nvSpPr>
+        <p:spPr/>
+        <p:txBody>
+          <a:bodyPr/>
+          <a:lstStyle/>
+          <a:p>
+            <a:fld id="{F14E1E57-8767-3046-891C-C12DFF405717}" type="slidenum">
+              <a:rPr lang="en-US" smtClean="0"/>
+              <a:t>21</a:t>
+            </a:fld>
+            <a:endParaRPr lang="en-US"/>
           </a:p>
         </p:txBody>
       </p:sp>
@@ -6514,7 +10491,7 @@
 </p:sld>
 </file>
 
-<file path=ppt/slides/slide4.xml><?xml version="1.0" encoding="utf-8"?>
+<file path=ppt/slides/slide22.xml><?xml version="1.0" encoding="utf-8"?>
 <p:sld xmlns:a="http://schemas.openxmlformats.org/drawingml/2006/main" xmlns:r="http://schemas.openxmlformats.org/officeDocument/2006/relationships" xmlns:p="http://schemas.openxmlformats.org/presentationml/2006/main">
   <p:cSld>
     <p:spTree>
@@ -7919,6 +11896,52 @@
           </a:fontRef>
         </p:style>
       </p:cxnSp>
+      <p:sp>
+        <p:nvSpPr>
+          <p:cNvPr id="26" name="Date Placeholder 25"/>
+          <p:cNvSpPr>
+            <a:spLocks noGrp="1"/>
+          </p:cNvSpPr>
+          <p:nvPr>
+            <p:ph type="dt" sz="half" idx="10"/>
+          </p:nvPr>
+        </p:nvSpPr>
+        <p:spPr/>
+        <p:txBody>
+          <a:bodyPr/>
+          <a:lstStyle/>
+          <a:p>
+            <a:r>
+              <a:rPr lang="en-US" smtClean="0"/>
+              <a:t>4/30/15</a:t>
+            </a:r>
+            <a:endParaRPr lang="en-US"/>
+          </a:p>
+        </p:txBody>
+      </p:sp>
+      <p:sp>
+        <p:nvSpPr>
+          <p:cNvPr id="27" name="Slide Number Placeholder 26"/>
+          <p:cNvSpPr>
+            <a:spLocks noGrp="1"/>
+          </p:cNvSpPr>
+          <p:nvPr>
+            <p:ph type="sldNum" sz="quarter" idx="12"/>
+          </p:nvPr>
+        </p:nvSpPr>
+        <p:spPr/>
+        <p:txBody>
+          <a:bodyPr/>
+          <a:lstStyle/>
+          <a:p>
+            <a:fld id="{F14E1E57-8767-3046-891C-C12DFF405717}" type="slidenum">
+              <a:rPr lang="en-US" smtClean="0"/>
+              <a:t>22</a:t>
+            </a:fld>
+            <a:endParaRPr lang="en-US"/>
+          </a:p>
+        </p:txBody>
+      </p:sp>
     </p:spTree>
     <p:extLst>
       <p:ext uri="{BB962C8B-B14F-4D97-AF65-F5344CB8AC3E}">
@@ -7932,7 +11955,7 @@
 </p:sld>
 </file>
 
-<file path=ppt/slides/slide5.xml><?xml version="1.0" encoding="utf-8"?>
+<file path=ppt/slides/slide23.xml><?xml version="1.0" encoding="utf-8"?>
 <p:sld xmlns:a="http://schemas.openxmlformats.org/drawingml/2006/main" xmlns:r="http://schemas.openxmlformats.org/officeDocument/2006/relationships" xmlns:p="http://schemas.openxmlformats.org/presentationml/2006/main">
   <p:cSld>
     <p:spTree>
@@ -9567,6 +13590,52 @@
           </a:p>
         </p:txBody>
       </p:sp>
+      <p:sp>
+        <p:nvSpPr>
+          <p:cNvPr id="20" name="Date Placeholder 19"/>
+          <p:cNvSpPr>
+            <a:spLocks noGrp="1"/>
+          </p:cNvSpPr>
+          <p:nvPr>
+            <p:ph type="dt" sz="half" idx="10"/>
+          </p:nvPr>
+        </p:nvSpPr>
+        <p:spPr/>
+        <p:txBody>
+          <a:bodyPr/>
+          <a:lstStyle/>
+          <a:p>
+            <a:r>
+              <a:rPr lang="en-US" smtClean="0"/>
+              <a:t>4/30/15</a:t>
+            </a:r>
+            <a:endParaRPr lang="en-US"/>
+          </a:p>
+        </p:txBody>
+      </p:sp>
+      <p:sp>
+        <p:nvSpPr>
+          <p:cNvPr id="23" name="Slide Number Placeholder 22"/>
+          <p:cNvSpPr>
+            <a:spLocks noGrp="1"/>
+          </p:cNvSpPr>
+          <p:nvPr>
+            <p:ph type="sldNum" sz="quarter" idx="12"/>
+          </p:nvPr>
+        </p:nvSpPr>
+        <p:spPr/>
+        <p:txBody>
+          <a:bodyPr/>
+          <a:lstStyle/>
+          <a:p>
+            <a:fld id="{F14E1E57-8767-3046-891C-C12DFF405717}" type="slidenum">
+              <a:rPr lang="en-US" smtClean="0"/>
+              <a:t>23</a:t>
+            </a:fld>
+            <a:endParaRPr lang="en-US"/>
+          </a:p>
+        </p:txBody>
+      </p:sp>
     </p:spTree>
     <p:extLst>
       <p:ext uri="{BB962C8B-B14F-4D97-AF65-F5344CB8AC3E}">
@@ -9577,6 +13646,2253 @@
   <p:clrMapOvr>
     <a:masterClrMapping/>
   </p:clrMapOvr>
+</p:sld>
+</file>
+
+<file path=ppt/slides/slide24.xml><?xml version="1.0" encoding="utf-8"?>
+<p:sld xmlns:a="http://schemas.openxmlformats.org/drawingml/2006/main" xmlns:r="http://schemas.openxmlformats.org/officeDocument/2006/relationships" xmlns:p="http://schemas.openxmlformats.org/presentationml/2006/main">
+  <p:cSld>
+    <p:spTree>
+      <p:nvGrpSpPr>
+        <p:cNvPr id="1" name=""/>
+        <p:cNvGrpSpPr/>
+        <p:nvPr/>
+      </p:nvGrpSpPr>
+      <p:grpSpPr>
+        <a:xfrm>
+          <a:off x="0" y="0"/>
+          <a:ext cx="0" cy="0"/>
+          <a:chOff x="0" y="0"/>
+          <a:chExt cx="0" cy="0"/>
+        </a:xfrm>
+      </p:grpSpPr>
+      <p:sp>
+        <p:nvSpPr>
+          <p:cNvPr id="2" name="Title 1"/>
+          <p:cNvSpPr>
+            <a:spLocks noGrp="1"/>
+          </p:cNvSpPr>
+          <p:nvPr>
+            <p:ph type="title"/>
+          </p:nvPr>
+        </p:nvSpPr>
+        <p:spPr/>
+        <p:txBody>
+          <a:bodyPr>
+            <a:normAutofit/>
+          </a:bodyPr>
+          <a:lstStyle/>
+          <a:p>
+            <a:r>
+              <a:rPr lang="en-US" sz="3600" dirty="0" smtClean="0">
+                <a:latin typeface="Georgia"/>
+                <a:cs typeface="Georgia"/>
+              </a:rPr>
+              <a:t>Appendix – AWS: RDS</a:t>
+            </a:r>
+            <a:endParaRPr lang="en-US" dirty="0">
+              <a:latin typeface="Georgia"/>
+              <a:cs typeface="Georgia"/>
+            </a:endParaRPr>
+          </a:p>
+        </p:txBody>
+      </p:sp>
+      <p:sp>
+        <p:nvSpPr>
+          <p:cNvPr id="3" name="Content Placeholder 2"/>
+          <p:cNvSpPr>
+            <a:spLocks noGrp="1"/>
+          </p:cNvSpPr>
+          <p:nvPr>
+            <p:ph sz="quarter" idx="1"/>
+          </p:nvPr>
+        </p:nvSpPr>
+        <p:spPr/>
+        <p:txBody>
+          <a:bodyPr>
+            <a:normAutofit lnSpcReduction="10000"/>
+          </a:bodyPr>
+          <a:lstStyle/>
+          <a:p>
+            <a:r>
+              <a:rPr lang="en-US" sz="2800" dirty="0">
+                <a:latin typeface="Georgia"/>
+                <a:cs typeface="Georgia"/>
+              </a:rPr>
+              <a:t>Our database is hosted by Amazon Web Services on a Relational Database Service instance</a:t>
+            </a:r>
+            <a:r>
+              <a:rPr lang="en-US" sz="2800" dirty="0" smtClean="0">
+                <a:latin typeface="Georgia"/>
+                <a:cs typeface="Georgia"/>
+              </a:rPr>
+              <a:t>.</a:t>
+            </a:r>
+          </a:p>
+          <a:p>
+            <a:r>
+              <a:rPr lang="en-US" sz="2800" dirty="0">
+                <a:latin typeface="Georgia"/>
+                <a:cs typeface="Georgia"/>
+              </a:rPr>
+              <a:t>Our database requirements fell within the AWS Free Tier of usage, so the RDS instance is free.</a:t>
+            </a:r>
+            <a:endParaRPr lang="en-US" dirty="0">
+              <a:latin typeface="Georgia"/>
+              <a:cs typeface="Georgia"/>
+            </a:endParaRPr>
+          </a:p>
+          <a:p>
+            <a:r>
+              <a:rPr lang="en-US" sz="2800" dirty="0">
+                <a:latin typeface="Georgia"/>
+                <a:cs typeface="Georgia"/>
+              </a:rPr>
+              <a:t>The </a:t>
+            </a:r>
+            <a:r>
+              <a:rPr lang="en-US" sz="2800" dirty="0" smtClean="0">
+                <a:latin typeface="Georgia"/>
+                <a:cs typeface="Georgia"/>
+              </a:rPr>
+              <a:t>RDS instance is not a full server machine – RDS simply provides </a:t>
+            </a:r>
+            <a:r>
+              <a:rPr lang="en-US" sz="2800" dirty="0">
+                <a:latin typeface="Georgia"/>
+                <a:cs typeface="Georgia"/>
+              </a:rPr>
+              <a:t>a running MYSQL instance which can be remotely connected to</a:t>
+            </a:r>
+            <a:r>
+              <a:rPr lang="en-US" sz="2800" dirty="0" smtClean="0">
+                <a:latin typeface="Georgia"/>
+                <a:cs typeface="Georgia"/>
+              </a:rPr>
+              <a:t>.</a:t>
+            </a:r>
+          </a:p>
+          <a:p>
+            <a:r>
+              <a:rPr lang="en-US" sz="2800" dirty="0">
+                <a:latin typeface="Georgia"/>
+                <a:cs typeface="Georgia"/>
+              </a:rPr>
+              <a:t>Our program is configured to connect to the RDS instance automatically when we establish a Database Connection.</a:t>
+            </a:r>
+            <a:endParaRPr lang="en-US" dirty="0">
+              <a:latin typeface="Georgia"/>
+              <a:cs typeface="Georgia"/>
+            </a:endParaRPr>
+          </a:p>
+        </p:txBody>
+      </p:sp>
+      <p:sp>
+        <p:nvSpPr>
+          <p:cNvPr id="4" name="Date Placeholder 3"/>
+          <p:cNvSpPr>
+            <a:spLocks noGrp="1"/>
+          </p:cNvSpPr>
+          <p:nvPr>
+            <p:ph type="dt" sz="half" idx="10"/>
+          </p:nvPr>
+        </p:nvSpPr>
+        <p:spPr/>
+        <p:txBody>
+          <a:bodyPr/>
+          <a:lstStyle/>
+          <a:p>
+            <a:r>
+              <a:rPr lang="en-US" smtClean="0"/>
+              <a:t>4/30/15</a:t>
+            </a:r>
+            <a:endParaRPr lang="en-US"/>
+          </a:p>
+        </p:txBody>
+      </p:sp>
+      <p:sp>
+        <p:nvSpPr>
+          <p:cNvPr id="5" name="Slide Number Placeholder 4"/>
+          <p:cNvSpPr>
+            <a:spLocks noGrp="1"/>
+          </p:cNvSpPr>
+          <p:nvPr>
+            <p:ph type="sldNum" sz="quarter" idx="12"/>
+          </p:nvPr>
+        </p:nvSpPr>
+        <p:spPr/>
+        <p:txBody>
+          <a:bodyPr/>
+          <a:lstStyle/>
+          <a:p>
+            <a:fld id="{F14E1E57-8767-3046-891C-C12DFF405717}" type="slidenum">
+              <a:rPr lang="en-US" smtClean="0"/>
+              <a:t>24</a:t>
+            </a:fld>
+            <a:endParaRPr lang="en-US"/>
+          </a:p>
+        </p:txBody>
+      </p:sp>
+    </p:spTree>
+    <p:extLst>
+      <p:ext uri="{BB962C8B-B14F-4D97-AF65-F5344CB8AC3E}">
+        <p14:creationId xmlns:p14="http://schemas.microsoft.com/office/powerpoint/2010/main" val="1060341237"/>
+      </p:ext>
+    </p:extLst>
+  </p:cSld>
+  <p:clrMapOvr>
+    <a:masterClrMapping/>
+  </p:clrMapOvr>
+</p:sld>
+</file>
+
+<file path=ppt/slides/slide25.xml><?xml version="1.0" encoding="utf-8"?>
+<p:sld xmlns:a="http://schemas.openxmlformats.org/drawingml/2006/main" xmlns:r="http://schemas.openxmlformats.org/officeDocument/2006/relationships" xmlns:p="http://schemas.openxmlformats.org/presentationml/2006/main">
+  <p:cSld>
+    <p:spTree>
+      <p:nvGrpSpPr>
+        <p:cNvPr id="1" name=""/>
+        <p:cNvGrpSpPr/>
+        <p:nvPr/>
+      </p:nvGrpSpPr>
+      <p:grpSpPr>
+        <a:xfrm>
+          <a:off x="0" y="0"/>
+          <a:ext cx="0" cy="0"/>
+          <a:chOff x="0" y="0"/>
+          <a:chExt cx="0" cy="0"/>
+        </a:xfrm>
+      </p:grpSpPr>
+      <p:sp>
+        <p:nvSpPr>
+          <p:cNvPr id="2" name="Title 1"/>
+          <p:cNvSpPr>
+            <a:spLocks noGrp="1"/>
+          </p:cNvSpPr>
+          <p:nvPr>
+            <p:ph type="title"/>
+          </p:nvPr>
+        </p:nvSpPr>
+        <p:spPr/>
+        <p:txBody>
+          <a:bodyPr>
+            <a:normAutofit/>
+          </a:bodyPr>
+          <a:lstStyle/>
+          <a:p>
+            <a:r>
+              <a:rPr lang="en-US" sz="3600" dirty="0">
+                <a:latin typeface="Georgia"/>
+                <a:cs typeface="Georgia"/>
+              </a:rPr>
+              <a:t>Appendix – AWS: </a:t>
+            </a:r>
+            <a:r>
+              <a:rPr lang="en-US" sz="3600" dirty="0" smtClean="0">
+                <a:latin typeface="Georgia"/>
+                <a:cs typeface="Georgia"/>
+              </a:rPr>
+              <a:t>S3</a:t>
+            </a:r>
+            <a:endParaRPr lang="en-US" dirty="0">
+              <a:latin typeface="Georgia"/>
+              <a:cs typeface="Georgia"/>
+            </a:endParaRPr>
+          </a:p>
+        </p:txBody>
+      </p:sp>
+      <p:sp>
+        <p:nvSpPr>
+          <p:cNvPr id="3" name="Content Placeholder 2"/>
+          <p:cNvSpPr>
+            <a:spLocks noGrp="1"/>
+          </p:cNvSpPr>
+          <p:nvPr>
+            <p:ph sz="quarter" idx="1"/>
+          </p:nvPr>
+        </p:nvSpPr>
+        <p:spPr/>
+        <p:txBody>
+          <a:bodyPr/>
+          <a:lstStyle/>
+          <a:p>
+            <a:r>
+              <a:rPr lang="en-US" dirty="0"/>
+              <a:t>We store images (for lab results) on an AWS S3 bucket</a:t>
+            </a:r>
+            <a:r>
+              <a:rPr lang="en-US" dirty="0" smtClean="0"/>
+              <a:t>.</a:t>
+            </a:r>
+          </a:p>
+          <a:p>
+            <a:r>
+              <a:rPr lang="en-US" dirty="0" smtClean="0"/>
+              <a:t>S3 </a:t>
+            </a:r>
+            <a:r>
+              <a:rPr lang="en-US" dirty="0"/>
+              <a:t>buckets are not traditional servers- they are pure cloud storage space, allowing us to upload and download files</a:t>
+            </a:r>
+            <a:r>
+              <a:rPr lang="en-US" dirty="0" smtClean="0"/>
+              <a:t>.</a:t>
+            </a:r>
+          </a:p>
+          <a:p>
+            <a:r>
+              <a:rPr lang="en-US" dirty="0"/>
+              <a:t>Amazon has documentation available with clear, simple examples of how to connect a program to their various AWS services.</a:t>
+            </a:r>
+          </a:p>
+          <a:p>
+            <a:endParaRPr lang="en-US" dirty="0"/>
+          </a:p>
+        </p:txBody>
+      </p:sp>
+      <p:sp>
+        <p:nvSpPr>
+          <p:cNvPr id="4" name="Date Placeholder 3"/>
+          <p:cNvSpPr>
+            <a:spLocks noGrp="1"/>
+          </p:cNvSpPr>
+          <p:nvPr>
+            <p:ph type="dt" sz="half" idx="10"/>
+          </p:nvPr>
+        </p:nvSpPr>
+        <p:spPr/>
+        <p:txBody>
+          <a:bodyPr/>
+          <a:lstStyle/>
+          <a:p>
+            <a:r>
+              <a:rPr lang="en-US" smtClean="0"/>
+              <a:t>4/30/15</a:t>
+            </a:r>
+            <a:endParaRPr lang="en-US"/>
+          </a:p>
+        </p:txBody>
+      </p:sp>
+      <p:sp>
+        <p:nvSpPr>
+          <p:cNvPr id="5" name="Slide Number Placeholder 4"/>
+          <p:cNvSpPr>
+            <a:spLocks noGrp="1"/>
+          </p:cNvSpPr>
+          <p:nvPr>
+            <p:ph type="sldNum" sz="quarter" idx="12"/>
+          </p:nvPr>
+        </p:nvSpPr>
+        <p:spPr/>
+        <p:txBody>
+          <a:bodyPr/>
+          <a:lstStyle/>
+          <a:p>
+            <a:fld id="{F14E1E57-8767-3046-891C-C12DFF405717}" type="slidenum">
+              <a:rPr lang="en-US" smtClean="0"/>
+              <a:t>25</a:t>
+            </a:fld>
+            <a:endParaRPr lang="en-US"/>
+          </a:p>
+        </p:txBody>
+      </p:sp>
+    </p:spTree>
+    <p:extLst>
+      <p:ext uri="{BB962C8B-B14F-4D97-AF65-F5344CB8AC3E}">
+        <p14:creationId xmlns:p14="http://schemas.microsoft.com/office/powerpoint/2010/main" val="3901284441"/>
+      </p:ext>
+    </p:extLst>
+  </p:cSld>
+  <p:clrMapOvr>
+    <a:masterClrMapping/>
+  </p:clrMapOvr>
+</p:sld>
+</file>
+
+<file path=ppt/slides/slide26.xml><?xml version="1.0" encoding="utf-8"?>
+<p:sld xmlns:a="http://schemas.openxmlformats.org/drawingml/2006/main" xmlns:r="http://schemas.openxmlformats.org/officeDocument/2006/relationships" xmlns:p="http://schemas.openxmlformats.org/presentationml/2006/main">
+  <p:cSld>
+    <p:spTree>
+      <p:nvGrpSpPr>
+        <p:cNvPr id="1" name=""/>
+        <p:cNvGrpSpPr/>
+        <p:nvPr/>
+      </p:nvGrpSpPr>
+      <p:grpSpPr>
+        <a:xfrm>
+          <a:off x="0" y="0"/>
+          <a:ext cx="0" cy="0"/>
+          <a:chOff x="0" y="0"/>
+          <a:chExt cx="0" cy="0"/>
+        </a:xfrm>
+      </p:grpSpPr>
+      <p:sp>
+        <p:nvSpPr>
+          <p:cNvPr id="2" name="Title 1"/>
+          <p:cNvSpPr>
+            <a:spLocks noGrp="1"/>
+          </p:cNvSpPr>
+          <p:nvPr>
+            <p:ph type="title"/>
+          </p:nvPr>
+        </p:nvSpPr>
+        <p:spPr/>
+        <p:txBody>
+          <a:bodyPr>
+            <a:normAutofit/>
+          </a:bodyPr>
+          <a:lstStyle/>
+          <a:p>
+            <a:r>
+              <a:rPr lang="en-US" sz="3600" dirty="0"/>
+              <a:t>Appendix – </a:t>
+            </a:r>
+            <a:r>
+              <a:rPr lang="en-US" sz="3600" dirty="0" err="1"/>
+              <a:t>DbConn</a:t>
+            </a:r>
+            <a:r>
+              <a:rPr lang="en-US" sz="3600" dirty="0"/>
+              <a:t> </a:t>
+            </a:r>
+            <a:r>
+              <a:rPr lang="en-US" sz="3600" dirty="0" smtClean="0"/>
+              <a:t>Interface</a:t>
+            </a:r>
+            <a:endParaRPr lang="en-US" sz="3600" dirty="0"/>
+          </a:p>
+        </p:txBody>
+      </p:sp>
+      <p:sp>
+        <p:nvSpPr>
+          <p:cNvPr id="3" name="Content Placeholder 2"/>
+          <p:cNvSpPr>
+            <a:spLocks noGrp="1"/>
+          </p:cNvSpPr>
+          <p:nvPr>
+            <p:ph sz="quarter" idx="1"/>
+          </p:nvPr>
+        </p:nvSpPr>
+        <p:spPr>
+          <a:xfrm>
+            <a:off x="301752" y="1527048"/>
+            <a:ext cx="8503920" cy="4865428"/>
+          </a:xfrm>
+        </p:spPr>
+        <p:txBody>
+          <a:bodyPr>
+            <a:normAutofit fontScale="92500"/>
+          </a:bodyPr>
+          <a:lstStyle/>
+          <a:p>
+            <a:r>
+              <a:rPr lang="en-US" dirty="0" smtClean="0"/>
+              <a:t>Interface </a:t>
+            </a:r>
+            <a:r>
+              <a:rPr lang="en-US" dirty="0"/>
+              <a:t>for </a:t>
+            </a:r>
+            <a:r>
+              <a:rPr lang="en-US" dirty="0" smtClean="0"/>
+              <a:t>the </a:t>
+            </a:r>
+            <a:r>
+              <a:rPr lang="en-US" dirty="0" smtClean="0"/>
+              <a:t>database </a:t>
+            </a:r>
+            <a:r>
+              <a:rPr lang="en-US" dirty="0"/>
+              <a:t>connection class to </a:t>
+            </a:r>
+            <a:r>
+              <a:rPr lang="en-US" dirty="0" smtClean="0"/>
+              <a:t>implement</a:t>
+            </a:r>
+            <a:r>
+              <a:rPr lang="en-US" dirty="0" smtClean="0"/>
+              <a:t>.</a:t>
+            </a:r>
+          </a:p>
+          <a:p>
+            <a:r>
+              <a:rPr lang="en-US" dirty="0"/>
+              <a:t>First file created in the project</a:t>
+            </a:r>
+            <a:r>
+              <a:rPr lang="en-US" dirty="0" smtClean="0"/>
+              <a:t>.</a:t>
+            </a:r>
+            <a:endParaRPr lang="en-US" dirty="0" smtClean="0"/>
+          </a:p>
+          <a:p>
+            <a:r>
+              <a:rPr lang="en-US" dirty="0" smtClean="0"/>
+              <a:t>Defines </a:t>
+            </a:r>
+            <a:r>
+              <a:rPr lang="en-US" dirty="0"/>
+              <a:t>all </a:t>
+            </a:r>
+            <a:r>
+              <a:rPr lang="en-US" dirty="0" smtClean="0"/>
+              <a:t>public </a:t>
+            </a:r>
+            <a:r>
+              <a:rPr lang="en-US" dirty="0"/>
+              <a:t>methods of the database connection</a:t>
+            </a:r>
+            <a:r>
+              <a:rPr lang="en-US" dirty="0" smtClean="0"/>
+              <a:t>.</a:t>
+            </a:r>
+          </a:p>
+          <a:p>
+            <a:r>
+              <a:rPr lang="en-US" dirty="0" smtClean="0"/>
+              <a:t>It let us define how the GUI would interact with the database before we started the project.</a:t>
+            </a:r>
+          </a:p>
+          <a:p>
+            <a:r>
+              <a:rPr lang="en-US" dirty="0" smtClean="0"/>
+              <a:t>It </a:t>
+            </a:r>
+            <a:r>
+              <a:rPr lang="en-US" dirty="0"/>
+              <a:t>is implemented by </a:t>
+            </a:r>
+            <a:r>
+              <a:rPr lang="en-US" dirty="0" err="1"/>
+              <a:t>DatabaseConnection</a:t>
+            </a:r>
+            <a:r>
+              <a:rPr lang="en-US" dirty="0"/>
+              <a:t> </a:t>
+            </a:r>
+            <a:r>
+              <a:rPr lang="en-US" dirty="0" smtClean="0"/>
+              <a:t>(a full </a:t>
+            </a:r>
+            <a:r>
+              <a:rPr lang="en-US" dirty="0"/>
+              <a:t>implementation) and by </a:t>
+            </a:r>
+            <a:r>
+              <a:rPr lang="en-US" dirty="0" err="1"/>
+              <a:t>DbConnDummy</a:t>
+            </a:r>
+            <a:r>
+              <a:rPr lang="en-US" dirty="0"/>
+              <a:t> </a:t>
+            </a:r>
+            <a:r>
+              <a:rPr lang="en-US" dirty="0" smtClean="0"/>
+              <a:t>(a testing </a:t>
+            </a:r>
+            <a:r>
+              <a:rPr lang="en-US" dirty="0"/>
+              <a:t>dummy).</a:t>
+            </a:r>
+          </a:p>
+          <a:p>
+            <a:r>
+              <a:rPr lang="en-US" dirty="0" smtClean="0"/>
+              <a:t>This also </a:t>
+            </a:r>
+            <a:r>
+              <a:rPr lang="en-US" dirty="0"/>
+              <a:t>allowed us to test the GUI side of the program before the database side was completed.</a:t>
+            </a:r>
+          </a:p>
+          <a:p>
+            <a:endParaRPr lang="en-US" dirty="0"/>
+          </a:p>
+        </p:txBody>
+      </p:sp>
+      <p:sp>
+        <p:nvSpPr>
+          <p:cNvPr id="4" name="Date Placeholder 3"/>
+          <p:cNvSpPr>
+            <a:spLocks noGrp="1"/>
+          </p:cNvSpPr>
+          <p:nvPr>
+            <p:ph type="dt" sz="half" idx="10"/>
+          </p:nvPr>
+        </p:nvSpPr>
+        <p:spPr/>
+        <p:txBody>
+          <a:bodyPr/>
+          <a:lstStyle/>
+          <a:p>
+            <a:r>
+              <a:rPr lang="en-US" smtClean="0"/>
+              <a:t>4/30/15</a:t>
+            </a:r>
+            <a:endParaRPr lang="en-US"/>
+          </a:p>
+        </p:txBody>
+      </p:sp>
+      <p:sp>
+        <p:nvSpPr>
+          <p:cNvPr id="5" name="Slide Number Placeholder 4"/>
+          <p:cNvSpPr>
+            <a:spLocks noGrp="1"/>
+          </p:cNvSpPr>
+          <p:nvPr>
+            <p:ph type="sldNum" sz="quarter" idx="12"/>
+          </p:nvPr>
+        </p:nvSpPr>
+        <p:spPr/>
+        <p:txBody>
+          <a:bodyPr/>
+          <a:lstStyle/>
+          <a:p>
+            <a:fld id="{F14E1E57-8767-3046-891C-C12DFF405717}" type="slidenum">
+              <a:rPr lang="en-US" smtClean="0"/>
+              <a:t>26</a:t>
+            </a:fld>
+            <a:endParaRPr lang="en-US"/>
+          </a:p>
+        </p:txBody>
+      </p:sp>
+    </p:spTree>
+    <p:extLst>
+      <p:ext uri="{BB962C8B-B14F-4D97-AF65-F5344CB8AC3E}">
+        <p14:creationId xmlns:p14="http://schemas.microsoft.com/office/powerpoint/2010/main" val="2281378104"/>
+      </p:ext>
+    </p:extLst>
+  </p:cSld>
+  <p:clrMapOvr>
+    <a:masterClrMapping/>
+  </p:clrMapOvr>
+</p:sld>
+</file>
+
+<file path=ppt/slides/slide27.xml><?xml version="1.0" encoding="utf-8"?>
+<p:sld xmlns:a="http://schemas.openxmlformats.org/drawingml/2006/main" xmlns:r="http://schemas.openxmlformats.org/officeDocument/2006/relationships" xmlns:p="http://schemas.openxmlformats.org/presentationml/2006/main">
+  <p:cSld>
+    <p:spTree>
+      <p:nvGrpSpPr>
+        <p:cNvPr id="1" name=""/>
+        <p:cNvGrpSpPr/>
+        <p:nvPr/>
+      </p:nvGrpSpPr>
+      <p:grpSpPr>
+        <a:xfrm>
+          <a:off x="0" y="0"/>
+          <a:ext cx="0" cy="0"/>
+          <a:chOff x="0" y="0"/>
+          <a:chExt cx="0" cy="0"/>
+        </a:xfrm>
+      </p:grpSpPr>
+      <p:sp>
+        <p:nvSpPr>
+          <p:cNvPr id="2" name="Title 1"/>
+          <p:cNvSpPr>
+            <a:spLocks noGrp="1"/>
+          </p:cNvSpPr>
+          <p:nvPr>
+            <p:ph type="title"/>
+          </p:nvPr>
+        </p:nvSpPr>
+        <p:spPr/>
+        <p:txBody>
+          <a:bodyPr/>
+          <a:lstStyle/>
+          <a:p>
+            <a:r>
+              <a:rPr lang="en-US" dirty="0" smtClean="0"/>
+              <a:t>Appendix – </a:t>
+            </a:r>
+            <a:r>
+              <a:rPr lang="en-US" dirty="0" err="1" smtClean="0"/>
+              <a:t>MedicalConfigurator</a:t>
+            </a:r>
+            <a:endParaRPr lang="en-US" dirty="0"/>
+          </a:p>
+        </p:txBody>
+      </p:sp>
+      <p:sp>
+        <p:nvSpPr>
+          <p:cNvPr id="3" name="Content Placeholder 2"/>
+          <p:cNvSpPr>
+            <a:spLocks noGrp="1"/>
+          </p:cNvSpPr>
+          <p:nvPr>
+            <p:ph sz="quarter" idx="1"/>
+          </p:nvPr>
+        </p:nvSpPr>
+        <p:spPr/>
+        <p:txBody>
+          <a:bodyPr/>
+          <a:lstStyle/>
+          <a:p>
+            <a:r>
+              <a:rPr lang="en-US" dirty="0" smtClean="0"/>
+              <a:t>The </a:t>
+            </a:r>
+            <a:r>
+              <a:rPr lang="en-US" dirty="0" err="1" smtClean="0"/>
+              <a:t>MedicalConfigurator</a:t>
+            </a:r>
+            <a:r>
+              <a:rPr lang="en-US" dirty="0" smtClean="0"/>
+              <a:t> class keeps track of active data in the GUI through static variables.</a:t>
+            </a:r>
+          </a:p>
+          <a:p>
+            <a:pPr lvl="1"/>
+            <a:r>
+              <a:rPr lang="en-US" dirty="0" smtClean="0"/>
+              <a:t>Logged in User</a:t>
+            </a:r>
+          </a:p>
+          <a:p>
+            <a:pPr lvl="1"/>
+            <a:r>
+              <a:rPr lang="en-US" dirty="0" smtClean="0"/>
+              <a:t>Active Patient record</a:t>
+            </a:r>
+          </a:p>
+          <a:p>
+            <a:pPr lvl="1"/>
+            <a:r>
+              <a:rPr lang="en-US" dirty="0" smtClean="0"/>
+              <a:t>Active Visit record</a:t>
+            </a:r>
+          </a:p>
+          <a:p>
+            <a:r>
+              <a:rPr lang="en-US" dirty="0" smtClean="0"/>
+              <a:t>It also provides analysis methods for that data:</a:t>
+            </a:r>
+          </a:p>
+          <a:p>
+            <a:pPr lvl="1"/>
+            <a:r>
+              <a:rPr lang="en-US" dirty="0" smtClean="0"/>
+              <a:t>Has this record been stored in the database yet?</a:t>
+            </a:r>
+          </a:p>
+          <a:p>
+            <a:pPr lvl="1"/>
+            <a:r>
+              <a:rPr lang="en-US" dirty="0" smtClean="0"/>
+              <a:t>Are there images associated with this lab order?</a:t>
+            </a:r>
+          </a:p>
+          <a:p>
+            <a:pPr lvl="1"/>
+            <a:r>
+              <a:rPr lang="en-US" dirty="0" smtClean="0"/>
+              <a:t>etc.</a:t>
+            </a:r>
+            <a:endParaRPr lang="en-US" dirty="0"/>
+          </a:p>
+        </p:txBody>
+      </p:sp>
+      <p:sp>
+        <p:nvSpPr>
+          <p:cNvPr id="4" name="Date Placeholder 3"/>
+          <p:cNvSpPr>
+            <a:spLocks noGrp="1"/>
+          </p:cNvSpPr>
+          <p:nvPr>
+            <p:ph type="dt" sz="half" idx="10"/>
+          </p:nvPr>
+        </p:nvSpPr>
+        <p:spPr/>
+        <p:txBody>
+          <a:bodyPr/>
+          <a:lstStyle/>
+          <a:p>
+            <a:r>
+              <a:rPr lang="en-US" smtClean="0"/>
+              <a:t>4/30/15</a:t>
+            </a:r>
+            <a:endParaRPr lang="en-US"/>
+          </a:p>
+        </p:txBody>
+      </p:sp>
+      <p:sp>
+        <p:nvSpPr>
+          <p:cNvPr id="5" name="Slide Number Placeholder 4"/>
+          <p:cNvSpPr>
+            <a:spLocks noGrp="1"/>
+          </p:cNvSpPr>
+          <p:nvPr>
+            <p:ph type="sldNum" sz="quarter" idx="12"/>
+          </p:nvPr>
+        </p:nvSpPr>
+        <p:spPr/>
+        <p:txBody>
+          <a:bodyPr/>
+          <a:lstStyle/>
+          <a:p>
+            <a:fld id="{F14E1E57-8767-3046-891C-C12DFF405717}" type="slidenum">
+              <a:rPr lang="en-US" smtClean="0"/>
+              <a:t>27</a:t>
+            </a:fld>
+            <a:endParaRPr lang="en-US"/>
+          </a:p>
+        </p:txBody>
+      </p:sp>
+    </p:spTree>
+    <p:extLst>
+      <p:ext uri="{BB962C8B-B14F-4D97-AF65-F5344CB8AC3E}">
+        <p14:creationId xmlns:p14="http://schemas.microsoft.com/office/powerpoint/2010/main" val="660001118"/>
+      </p:ext>
+    </p:extLst>
+  </p:cSld>
+  <p:clrMapOvr>
+    <a:masterClrMapping/>
+  </p:clrMapOvr>
+</p:sld>
+</file>
+
+<file path=ppt/slides/slide3.xml><?xml version="1.0" encoding="utf-8"?>
+<p:sld xmlns:a="http://schemas.openxmlformats.org/drawingml/2006/main" xmlns:r="http://schemas.openxmlformats.org/officeDocument/2006/relationships" xmlns:p="http://schemas.openxmlformats.org/presentationml/2006/main">
+  <p:cSld>
+    <p:spTree>
+      <p:nvGrpSpPr>
+        <p:cNvPr id="1" name=""/>
+        <p:cNvGrpSpPr/>
+        <p:nvPr/>
+      </p:nvGrpSpPr>
+      <p:grpSpPr>
+        <a:xfrm>
+          <a:off x="0" y="0"/>
+          <a:ext cx="0" cy="0"/>
+          <a:chOff x="0" y="0"/>
+          <a:chExt cx="0" cy="0"/>
+        </a:xfrm>
+      </p:grpSpPr>
+      <p:sp>
+        <p:nvSpPr>
+          <p:cNvPr id="2" name="Title 1"/>
+          <p:cNvSpPr>
+            <a:spLocks noGrp="1"/>
+          </p:cNvSpPr>
+          <p:nvPr>
+            <p:ph type="title"/>
+          </p:nvPr>
+        </p:nvSpPr>
+        <p:spPr/>
+        <p:txBody>
+          <a:bodyPr/>
+          <a:lstStyle/>
+          <a:p>
+            <a:r>
+              <a:rPr lang="en-US" dirty="0" smtClean="0"/>
+              <a:t>Introduction</a:t>
+            </a:r>
+            <a:endParaRPr lang="en-US" dirty="0"/>
+          </a:p>
+        </p:txBody>
+      </p:sp>
+      <p:sp>
+        <p:nvSpPr>
+          <p:cNvPr id="3" name="Content Placeholder 2"/>
+          <p:cNvSpPr>
+            <a:spLocks noGrp="1"/>
+          </p:cNvSpPr>
+          <p:nvPr>
+            <p:ph sz="quarter" idx="1"/>
+          </p:nvPr>
+        </p:nvSpPr>
+        <p:spPr/>
+        <p:txBody>
+          <a:bodyPr/>
+          <a:lstStyle/>
+          <a:p>
+            <a:r>
+              <a:rPr lang="en-US" dirty="0" smtClean="0"/>
+              <a:t>Purpose: Create a comprehensive record-keeping software for use in a general practice medical doctor’s office.</a:t>
+            </a:r>
+          </a:p>
+          <a:p>
+            <a:r>
+              <a:rPr lang="en-US" dirty="0" smtClean="0"/>
+              <a:t>Project Requirements</a:t>
+            </a:r>
+            <a:r>
+              <a:rPr lang="en-US" dirty="0" smtClean="0"/>
+              <a:t>:</a:t>
+            </a:r>
+          </a:p>
+          <a:p>
+            <a:pPr lvl="1"/>
+            <a:r>
+              <a:rPr lang="en-US" dirty="0" smtClean="0"/>
+              <a:t>Supported by backend </a:t>
+            </a:r>
+            <a:r>
+              <a:rPr lang="en-US" dirty="0" smtClean="0"/>
+              <a:t>database.</a:t>
+            </a:r>
+          </a:p>
+          <a:p>
+            <a:pPr lvl="1"/>
+            <a:r>
+              <a:rPr lang="en-US" dirty="0" smtClean="0"/>
+              <a:t>Allow Doctors and Nurses to both use the system.</a:t>
+            </a:r>
+          </a:p>
+          <a:p>
+            <a:pPr lvl="1"/>
+            <a:r>
+              <a:rPr lang="en-US" dirty="0" smtClean="0"/>
+              <a:t>Achieve program security with user authentication.</a:t>
+            </a:r>
+          </a:p>
+          <a:p>
+            <a:pPr lvl="1"/>
+            <a:r>
+              <a:rPr lang="en-US" dirty="0" smtClean="0"/>
+              <a:t>Store information about patients, visits, lab orders, and prescriptions.</a:t>
+            </a:r>
+            <a:endParaRPr lang="en-US" dirty="0" smtClean="0"/>
+          </a:p>
+          <a:p>
+            <a:pPr lvl="1"/>
+            <a:r>
+              <a:rPr lang="en-US" dirty="0" smtClean="0"/>
+              <a:t>Create a highly functional, aesthetically pleasing GUI.</a:t>
+            </a:r>
+            <a:endParaRPr lang="en-US" dirty="0"/>
+          </a:p>
+        </p:txBody>
+      </p:sp>
+      <p:sp>
+        <p:nvSpPr>
+          <p:cNvPr id="4" name="Date Placeholder 3"/>
+          <p:cNvSpPr>
+            <a:spLocks noGrp="1"/>
+          </p:cNvSpPr>
+          <p:nvPr>
+            <p:ph type="dt" sz="half" idx="10"/>
+          </p:nvPr>
+        </p:nvSpPr>
+        <p:spPr/>
+        <p:txBody>
+          <a:bodyPr/>
+          <a:lstStyle/>
+          <a:p>
+            <a:r>
+              <a:rPr lang="en-US" smtClean="0"/>
+              <a:t>4/30/15</a:t>
+            </a:r>
+            <a:endParaRPr lang="en-US"/>
+          </a:p>
+        </p:txBody>
+      </p:sp>
+      <p:sp>
+        <p:nvSpPr>
+          <p:cNvPr id="5" name="Slide Number Placeholder 4"/>
+          <p:cNvSpPr>
+            <a:spLocks noGrp="1"/>
+          </p:cNvSpPr>
+          <p:nvPr>
+            <p:ph type="sldNum" sz="quarter" idx="12"/>
+          </p:nvPr>
+        </p:nvSpPr>
+        <p:spPr/>
+        <p:txBody>
+          <a:bodyPr/>
+          <a:lstStyle/>
+          <a:p>
+            <a:fld id="{F14E1E57-8767-3046-891C-C12DFF405717}" type="slidenum">
+              <a:rPr lang="en-US" smtClean="0"/>
+              <a:t>3</a:t>
+            </a:fld>
+            <a:endParaRPr lang="en-US"/>
+          </a:p>
+        </p:txBody>
+      </p:sp>
+    </p:spTree>
+    <p:extLst>
+      <p:ext uri="{BB962C8B-B14F-4D97-AF65-F5344CB8AC3E}">
+        <p14:creationId xmlns:p14="http://schemas.microsoft.com/office/powerpoint/2010/main" val="2178693327"/>
+      </p:ext>
+    </p:extLst>
+  </p:cSld>
+  <p:clrMapOvr>
+    <a:masterClrMapping/>
+  </p:clrMapOvr>
+  <p:timing>
+    <p:tnLst>
+      <p:par>
+        <p:cTn xmlns:p14="http://schemas.microsoft.com/office/powerpoint/2010/main" id="1" dur="indefinite" restart="never" nodeType="tmRoot"/>
+      </p:par>
+    </p:tnLst>
+  </p:timing>
+</p:sld>
+</file>
+
+<file path=ppt/slides/slide4.xml><?xml version="1.0" encoding="utf-8"?>
+<p:sld xmlns:a="http://schemas.openxmlformats.org/drawingml/2006/main" xmlns:r="http://schemas.openxmlformats.org/officeDocument/2006/relationships" xmlns:p="http://schemas.openxmlformats.org/presentationml/2006/main">
+  <p:cSld>
+    <p:spTree>
+      <p:nvGrpSpPr>
+        <p:cNvPr id="1" name=""/>
+        <p:cNvGrpSpPr/>
+        <p:nvPr/>
+      </p:nvGrpSpPr>
+      <p:grpSpPr>
+        <a:xfrm>
+          <a:off x="0" y="0"/>
+          <a:ext cx="0" cy="0"/>
+          <a:chOff x="0" y="0"/>
+          <a:chExt cx="0" cy="0"/>
+        </a:xfrm>
+      </p:grpSpPr>
+      <p:sp>
+        <p:nvSpPr>
+          <p:cNvPr id="2" name="Title 1"/>
+          <p:cNvSpPr>
+            <a:spLocks noGrp="1"/>
+          </p:cNvSpPr>
+          <p:nvPr>
+            <p:ph type="title"/>
+          </p:nvPr>
+        </p:nvSpPr>
+        <p:spPr/>
+        <p:txBody>
+          <a:bodyPr/>
+          <a:lstStyle/>
+          <a:p>
+            <a:r>
+              <a:rPr lang="en-US" dirty="0" smtClean="0"/>
+              <a:t>GUI Design: A Focus on Panels</a:t>
+            </a:r>
+            <a:endParaRPr lang="en-US" dirty="0"/>
+          </a:p>
+        </p:txBody>
+      </p:sp>
+      <p:sp>
+        <p:nvSpPr>
+          <p:cNvPr id="3" name="Content Placeholder 2"/>
+          <p:cNvSpPr>
+            <a:spLocks noGrp="1"/>
+          </p:cNvSpPr>
+          <p:nvPr>
+            <p:ph sz="quarter" idx="1"/>
+          </p:nvPr>
+        </p:nvSpPr>
+        <p:spPr>
+          <a:xfrm>
+            <a:off x="301752" y="1527048"/>
+            <a:ext cx="8503920" cy="1877695"/>
+          </a:xfrm>
+        </p:spPr>
+        <p:txBody>
+          <a:bodyPr/>
+          <a:lstStyle/>
+          <a:p>
+            <a:r>
+              <a:rPr lang="en-US" dirty="0" smtClean="0"/>
+              <a:t>We split our GUI up into a number of small panels.</a:t>
+            </a:r>
+          </a:p>
+          <a:p>
+            <a:pPr lvl="1"/>
+            <a:r>
+              <a:rPr lang="en-US" dirty="0" smtClean="0"/>
+              <a:t>Each panel has its own function in the program.</a:t>
+            </a:r>
+          </a:p>
+          <a:p>
+            <a:r>
+              <a:rPr lang="en-US" dirty="0" smtClean="0"/>
+              <a:t>The program’s </a:t>
+            </a:r>
+            <a:r>
+              <a:rPr lang="en-US" dirty="0" err="1" smtClean="0"/>
+              <a:t>JFrame</a:t>
+            </a:r>
+            <a:r>
+              <a:rPr lang="en-US" dirty="0" smtClean="0"/>
+              <a:t> uses a </a:t>
+            </a:r>
+            <a:r>
+              <a:rPr lang="en-US" dirty="0" err="1" smtClean="0"/>
+              <a:t>CardLayout</a:t>
+            </a:r>
+            <a:r>
+              <a:rPr lang="en-US" dirty="0" smtClean="0"/>
+              <a:t> to swap between visible panels</a:t>
+            </a:r>
+            <a:r>
+              <a:rPr lang="en-US" dirty="0" smtClean="0"/>
+              <a:t>.</a:t>
+            </a:r>
+            <a:endParaRPr lang="en-US" dirty="0" smtClean="0"/>
+          </a:p>
+        </p:txBody>
+      </p:sp>
+      <p:sp>
+        <p:nvSpPr>
+          <p:cNvPr id="4" name="Rectangle 3"/>
+          <p:cNvSpPr/>
+          <p:nvPr/>
+        </p:nvSpPr>
+        <p:spPr>
+          <a:xfrm>
+            <a:off x="635030" y="3704643"/>
+            <a:ext cx="1534657" cy="405747"/>
+          </a:xfrm>
+          <a:prstGeom prst="rect">
+            <a:avLst/>
+          </a:prstGeom>
+        </p:spPr>
+        <p:style>
+          <a:lnRef idx="1">
+            <a:schemeClr val="accent3"/>
+          </a:lnRef>
+          <a:fillRef idx="3">
+            <a:schemeClr val="accent3"/>
+          </a:fillRef>
+          <a:effectRef idx="2">
+            <a:schemeClr val="accent3"/>
+          </a:effectRef>
+          <a:fontRef idx="minor">
+            <a:schemeClr val="lt1"/>
+          </a:fontRef>
+        </p:style>
+        <p:txBody>
+          <a:bodyPr rtlCol="0" anchor="ctr"/>
+          <a:lstStyle/>
+          <a:p>
+            <a:pPr algn="ctr"/>
+            <a:r>
+              <a:rPr lang="en-US" dirty="0" smtClean="0"/>
+              <a:t>Login Panel</a:t>
+            </a:r>
+            <a:endParaRPr lang="en-US" dirty="0"/>
+          </a:p>
+        </p:txBody>
+      </p:sp>
+      <p:sp>
+        <p:nvSpPr>
+          <p:cNvPr id="5" name="Rectangle 4"/>
+          <p:cNvSpPr/>
+          <p:nvPr/>
+        </p:nvSpPr>
+        <p:spPr>
+          <a:xfrm>
+            <a:off x="354672" y="4827306"/>
+            <a:ext cx="2087850" cy="623812"/>
+          </a:xfrm>
+          <a:prstGeom prst="rect">
+            <a:avLst/>
+          </a:prstGeom>
+        </p:spPr>
+        <p:style>
+          <a:lnRef idx="1">
+            <a:schemeClr val="accent3"/>
+          </a:lnRef>
+          <a:fillRef idx="3">
+            <a:schemeClr val="accent3"/>
+          </a:fillRef>
+          <a:effectRef idx="2">
+            <a:schemeClr val="accent3"/>
+          </a:effectRef>
+          <a:fontRef idx="minor">
+            <a:schemeClr val="lt1"/>
+          </a:fontRef>
+        </p:style>
+        <p:txBody>
+          <a:bodyPr rtlCol="0" anchor="ctr"/>
+          <a:lstStyle/>
+          <a:p>
+            <a:pPr algn="ctr"/>
+            <a:r>
+              <a:rPr lang="en-US" dirty="0" smtClean="0"/>
+              <a:t>User</a:t>
+            </a:r>
+          </a:p>
+          <a:p>
+            <a:pPr algn="ctr"/>
+            <a:r>
+              <a:rPr lang="en-US" dirty="0" smtClean="0"/>
+              <a:t>Information </a:t>
+            </a:r>
+            <a:r>
+              <a:rPr lang="en-US" dirty="0" smtClean="0"/>
+              <a:t>Panel</a:t>
+            </a:r>
+            <a:endParaRPr lang="en-US" dirty="0"/>
+          </a:p>
+        </p:txBody>
+      </p:sp>
+      <p:cxnSp>
+        <p:nvCxnSpPr>
+          <p:cNvPr id="9" name="Elbow Connector 8"/>
+          <p:cNvCxnSpPr>
+            <a:stCxn id="4" idx="2"/>
+            <a:endCxn id="5" idx="0"/>
+          </p:cNvCxnSpPr>
+          <p:nvPr/>
+        </p:nvCxnSpPr>
+        <p:spPr>
+          <a:xfrm rot="5400000">
+            <a:off x="1042020" y="4466967"/>
+            <a:ext cx="716916" cy="3762"/>
+          </a:xfrm>
+          <a:prstGeom prst="bentConnector3">
+            <a:avLst/>
+          </a:prstGeom>
+          <a:ln>
+            <a:headEnd type="arrow"/>
+            <a:tailEnd type="arrow"/>
+          </a:ln>
+        </p:spPr>
+        <p:style>
+          <a:lnRef idx="2">
+            <a:schemeClr val="accent1"/>
+          </a:lnRef>
+          <a:fillRef idx="0">
+            <a:schemeClr val="accent1"/>
+          </a:fillRef>
+          <a:effectRef idx="1">
+            <a:schemeClr val="accent1"/>
+          </a:effectRef>
+          <a:fontRef idx="minor">
+            <a:schemeClr val="tx1"/>
+          </a:fontRef>
+        </p:style>
+      </p:cxnSp>
+      <p:sp>
+        <p:nvSpPr>
+          <p:cNvPr id="11" name="Decision 10"/>
+          <p:cNvSpPr/>
+          <p:nvPr/>
+        </p:nvSpPr>
+        <p:spPr>
+          <a:xfrm>
+            <a:off x="2442521" y="3704643"/>
+            <a:ext cx="1261823" cy="405747"/>
+          </a:xfrm>
+          <a:prstGeom prst="flowChartDecision">
+            <a:avLst/>
+          </a:prstGeom>
+        </p:spPr>
+        <p:style>
+          <a:lnRef idx="1">
+            <a:schemeClr val="accent3"/>
+          </a:lnRef>
+          <a:fillRef idx="3">
+            <a:schemeClr val="accent3"/>
+          </a:fillRef>
+          <a:effectRef idx="2">
+            <a:schemeClr val="accent3"/>
+          </a:effectRef>
+          <a:fontRef idx="minor">
+            <a:schemeClr val="lt1"/>
+          </a:fontRef>
+        </p:style>
+        <p:txBody>
+          <a:bodyPr rtlCol="0" anchor="ctr"/>
+          <a:lstStyle/>
+          <a:p>
+            <a:pPr algn="ctr"/>
+            <a:r>
+              <a:rPr lang="en-US" sz="1200" dirty="0" smtClean="0"/>
+              <a:t>valid</a:t>
+            </a:r>
+            <a:endParaRPr lang="en-US" sz="1200" dirty="0"/>
+          </a:p>
+        </p:txBody>
+      </p:sp>
+      <p:sp>
+        <p:nvSpPr>
+          <p:cNvPr id="12" name="TextBox 11"/>
+          <p:cNvSpPr txBox="1"/>
+          <p:nvPr/>
+        </p:nvSpPr>
+        <p:spPr>
+          <a:xfrm>
+            <a:off x="3069313" y="3335311"/>
+            <a:ext cx="364202" cy="369332"/>
+          </a:xfrm>
+          <a:prstGeom prst="rect">
+            <a:avLst/>
+          </a:prstGeom>
+          <a:noFill/>
+        </p:spPr>
+        <p:txBody>
+          <a:bodyPr wrap="none" rtlCol="0">
+            <a:spAutoFit/>
+          </a:bodyPr>
+          <a:lstStyle/>
+          <a:p>
+            <a:r>
+              <a:rPr lang="en-US" dirty="0" smtClean="0"/>
+              <a:t>N</a:t>
+            </a:r>
+            <a:endParaRPr lang="en-US" dirty="0"/>
+          </a:p>
+        </p:txBody>
+      </p:sp>
+      <p:sp>
+        <p:nvSpPr>
+          <p:cNvPr id="13" name="TextBox 12"/>
+          <p:cNvSpPr txBox="1"/>
+          <p:nvPr/>
+        </p:nvSpPr>
+        <p:spPr>
+          <a:xfrm>
+            <a:off x="3534591" y="3519977"/>
+            <a:ext cx="339506" cy="369332"/>
+          </a:xfrm>
+          <a:prstGeom prst="rect">
+            <a:avLst/>
+          </a:prstGeom>
+          <a:noFill/>
+        </p:spPr>
+        <p:txBody>
+          <a:bodyPr wrap="none" rtlCol="0">
+            <a:spAutoFit/>
+          </a:bodyPr>
+          <a:lstStyle/>
+          <a:p>
+            <a:r>
+              <a:rPr lang="en-US" dirty="0" smtClean="0"/>
+              <a:t>Y</a:t>
+            </a:r>
+            <a:endParaRPr lang="en-US" dirty="0"/>
+          </a:p>
+        </p:txBody>
+      </p:sp>
+      <p:cxnSp>
+        <p:nvCxnSpPr>
+          <p:cNvPr id="15" name="Elbow Connector 14"/>
+          <p:cNvCxnSpPr>
+            <a:stCxn id="11" idx="0"/>
+            <a:endCxn id="4" idx="0"/>
+          </p:cNvCxnSpPr>
+          <p:nvPr/>
+        </p:nvCxnSpPr>
+        <p:spPr>
+          <a:xfrm rot="16200000" flipV="1">
+            <a:off x="2237896" y="2869106"/>
+            <a:ext cx="12700" cy="1671074"/>
+          </a:xfrm>
+          <a:prstGeom prst="bentConnector3">
+            <a:avLst>
+              <a:gd name="adj1" fmla="val 1800000"/>
+            </a:avLst>
+          </a:prstGeom>
+          <a:ln>
+            <a:tailEnd type="arrow"/>
+          </a:ln>
+        </p:spPr>
+        <p:style>
+          <a:lnRef idx="2">
+            <a:schemeClr val="accent1"/>
+          </a:lnRef>
+          <a:fillRef idx="0">
+            <a:schemeClr val="accent1"/>
+          </a:fillRef>
+          <a:effectRef idx="1">
+            <a:schemeClr val="accent1"/>
+          </a:effectRef>
+          <a:fontRef idx="minor">
+            <a:schemeClr val="tx1"/>
+          </a:fontRef>
+        </p:style>
+      </p:cxnSp>
+      <p:sp>
+        <p:nvSpPr>
+          <p:cNvPr id="17" name="Rectangle 16"/>
+          <p:cNvSpPr/>
+          <p:nvPr/>
+        </p:nvSpPr>
+        <p:spPr>
+          <a:xfrm>
+            <a:off x="4105578" y="3598060"/>
+            <a:ext cx="1768454" cy="623812"/>
+          </a:xfrm>
+          <a:prstGeom prst="rect">
+            <a:avLst/>
+          </a:prstGeom>
+        </p:spPr>
+        <p:style>
+          <a:lnRef idx="1">
+            <a:schemeClr val="accent3"/>
+          </a:lnRef>
+          <a:fillRef idx="3">
+            <a:schemeClr val="accent3"/>
+          </a:fillRef>
+          <a:effectRef idx="2">
+            <a:schemeClr val="accent3"/>
+          </a:effectRef>
+          <a:fontRef idx="minor">
+            <a:schemeClr val="lt1"/>
+          </a:fontRef>
+        </p:style>
+        <p:txBody>
+          <a:bodyPr rtlCol="0" anchor="ctr"/>
+          <a:lstStyle/>
+          <a:p>
+            <a:pPr algn="ctr"/>
+            <a:r>
+              <a:rPr lang="en-US" dirty="0" smtClean="0"/>
+              <a:t>Getting Started</a:t>
+            </a:r>
+          </a:p>
+          <a:p>
+            <a:pPr algn="ctr"/>
+            <a:r>
+              <a:rPr lang="en-US" dirty="0" smtClean="0"/>
+              <a:t>Panel</a:t>
+            </a:r>
+            <a:endParaRPr lang="en-US" dirty="0"/>
+          </a:p>
+        </p:txBody>
+      </p:sp>
+      <p:cxnSp>
+        <p:nvCxnSpPr>
+          <p:cNvPr id="19" name="Elbow Connector 18"/>
+          <p:cNvCxnSpPr>
+            <a:stCxn id="4" idx="3"/>
+          </p:cNvCxnSpPr>
+          <p:nvPr/>
+        </p:nvCxnSpPr>
+        <p:spPr>
+          <a:xfrm>
+            <a:off x="2169687" y="3907517"/>
+            <a:ext cx="272834" cy="2449"/>
+          </a:xfrm>
+          <a:prstGeom prst="bentConnector3">
+            <a:avLst/>
+          </a:prstGeom>
+          <a:ln>
+            <a:tailEnd type="arrow"/>
+          </a:ln>
+        </p:spPr>
+        <p:style>
+          <a:lnRef idx="2">
+            <a:schemeClr val="accent1"/>
+          </a:lnRef>
+          <a:fillRef idx="0">
+            <a:schemeClr val="accent1"/>
+          </a:fillRef>
+          <a:effectRef idx="1">
+            <a:schemeClr val="accent1"/>
+          </a:effectRef>
+          <a:fontRef idx="minor">
+            <a:schemeClr val="tx1"/>
+          </a:fontRef>
+        </p:style>
+      </p:cxnSp>
+      <p:cxnSp>
+        <p:nvCxnSpPr>
+          <p:cNvPr id="26" name="Elbow Connector 25"/>
+          <p:cNvCxnSpPr>
+            <a:stCxn id="11" idx="3"/>
+            <a:endCxn id="17" idx="1"/>
+          </p:cNvCxnSpPr>
+          <p:nvPr/>
+        </p:nvCxnSpPr>
+        <p:spPr>
+          <a:xfrm>
+            <a:off x="3704344" y="3907517"/>
+            <a:ext cx="401234" cy="2449"/>
+          </a:xfrm>
+          <a:prstGeom prst="bentConnector3">
+            <a:avLst/>
+          </a:prstGeom>
+          <a:ln>
+            <a:tailEnd type="arrow"/>
+          </a:ln>
+        </p:spPr>
+        <p:style>
+          <a:lnRef idx="2">
+            <a:schemeClr val="accent1"/>
+          </a:lnRef>
+          <a:fillRef idx="0">
+            <a:schemeClr val="accent1"/>
+          </a:fillRef>
+          <a:effectRef idx="1">
+            <a:schemeClr val="accent1"/>
+          </a:effectRef>
+          <a:fontRef idx="minor">
+            <a:schemeClr val="tx1"/>
+          </a:fontRef>
+        </p:style>
+      </p:cxnSp>
+      <p:sp>
+        <p:nvSpPr>
+          <p:cNvPr id="27" name="Rectangle 26"/>
+          <p:cNvSpPr/>
+          <p:nvPr/>
+        </p:nvSpPr>
+        <p:spPr>
+          <a:xfrm>
+            <a:off x="3534591" y="4827306"/>
+            <a:ext cx="2087850" cy="623812"/>
+          </a:xfrm>
+          <a:prstGeom prst="rect">
+            <a:avLst/>
+          </a:prstGeom>
+        </p:spPr>
+        <p:style>
+          <a:lnRef idx="1">
+            <a:schemeClr val="accent3"/>
+          </a:lnRef>
+          <a:fillRef idx="3">
+            <a:schemeClr val="accent3"/>
+          </a:fillRef>
+          <a:effectRef idx="2">
+            <a:schemeClr val="accent3"/>
+          </a:effectRef>
+          <a:fontRef idx="minor">
+            <a:schemeClr val="lt1"/>
+          </a:fontRef>
+        </p:style>
+        <p:txBody>
+          <a:bodyPr rtlCol="0" anchor="ctr"/>
+          <a:lstStyle/>
+          <a:p>
+            <a:pPr algn="ctr"/>
+            <a:r>
+              <a:rPr lang="en-US" dirty="0" smtClean="0"/>
+              <a:t>Patient Information </a:t>
+            </a:r>
+            <a:r>
+              <a:rPr lang="en-US" dirty="0" smtClean="0"/>
+              <a:t>Panel</a:t>
+            </a:r>
+            <a:endParaRPr lang="en-US" dirty="0"/>
+          </a:p>
+        </p:txBody>
+      </p:sp>
+      <p:sp>
+        <p:nvSpPr>
+          <p:cNvPr id="28" name="TextBox 27"/>
+          <p:cNvSpPr txBox="1"/>
+          <p:nvPr/>
+        </p:nvSpPr>
+        <p:spPr>
+          <a:xfrm>
+            <a:off x="301752" y="4260906"/>
+            <a:ext cx="1028985" cy="369332"/>
+          </a:xfrm>
+          <a:prstGeom prst="rect">
+            <a:avLst/>
+          </a:prstGeom>
+          <a:noFill/>
+        </p:spPr>
+        <p:txBody>
+          <a:bodyPr wrap="none" rtlCol="0">
+            <a:spAutoFit/>
+          </a:bodyPr>
+          <a:lstStyle/>
+          <a:p>
+            <a:r>
+              <a:rPr lang="en-US" dirty="0" smtClean="0"/>
+              <a:t>Register</a:t>
+            </a:r>
+            <a:endParaRPr lang="en-US" dirty="0"/>
+          </a:p>
+        </p:txBody>
+      </p:sp>
+      <p:sp>
+        <p:nvSpPr>
+          <p:cNvPr id="29" name="TextBox 28"/>
+          <p:cNvSpPr txBox="1"/>
+          <p:nvPr/>
+        </p:nvSpPr>
+        <p:spPr>
+          <a:xfrm>
+            <a:off x="4809767" y="4331470"/>
+            <a:ext cx="1028985" cy="369332"/>
+          </a:xfrm>
+          <a:prstGeom prst="rect">
+            <a:avLst/>
+          </a:prstGeom>
+          <a:noFill/>
+        </p:spPr>
+        <p:txBody>
+          <a:bodyPr wrap="none" rtlCol="0">
+            <a:spAutoFit/>
+          </a:bodyPr>
+          <a:lstStyle/>
+          <a:p>
+            <a:r>
+              <a:rPr lang="en-US" dirty="0" smtClean="0"/>
+              <a:t>Register</a:t>
+            </a:r>
+            <a:endParaRPr lang="en-US" dirty="0"/>
+          </a:p>
+        </p:txBody>
+      </p:sp>
+      <p:cxnSp>
+        <p:nvCxnSpPr>
+          <p:cNvPr id="33" name="Elbow Connector 32"/>
+          <p:cNvCxnSpPr>
+            <a:endCxn id="27" idx="0"/>
+          </p:cNvCxnSpPr>
+          <p:nvPr/>
+        </p:nvCxnSpPr>
+        <p:spPr>
+          <a:xfrm rot="5400000">
+            <a:off x="4409065" y="4391324"/>
+            <a:ext cx="605434" cy="266531"/>
+          </a:xfrm>
+          <a:prstGeom prst="bentConnector3">
+            <a:avLst/>
+          </a:prstGeom>
+          <a:ln>
+            <a:tailEnd type="arrow"/>
+          </a:ln>
+        </p:spPr>
+        <p:style>
+          <a:lnRef idx="2">
+            <a:schemeClr val="accent1"/>
+          </a:lnRef>
+          <a:fillRef idx="0">
+            <a:schemeClr val="accent1"/>
+          </a:fillRef>
+          <a:effectRef idx="1">
+            <a:schemeClr val="accent1"/>
+          </a:effectRef>
+          <a:fontRef idx="minor">
+            <a:schemeClr val="tx1"/>
+          </a:fontRef>
+        </p:style>
+      </p:cxnSp>
+      <p:cxnSp>
+        <p:nvCxnSpPr>
+          <p:cNvPr id="41" name="Straight Arrow Connector 40"/>
+          <p:cNvCxnSpPr/>
+          <p:nvPr/>
+        </p:nvCxnSpPr>
+        <p:spPr>
+          <a:xfrm flipH="1">
+            <a:off x="2442522" y="4260906"/>
+            <a:ext cx="1826295" cy="696259"/>
+          </a:xfrm>
+          <a:prstGeom prst="straightConnector1">
+            <a:avLst/>
+          </a:prstGeom>
+          <a:ln>
+            <a:tailEnd type="arrow"/>
+          </a:ln>
+        </p:spPr>
+        <p:style>
+          <a:lnRef idx="2">
+            <a:schemeClr val="accent1"/>
+          </a:lnRef>
+          <a:fillRef idx="0">
+            <a:schemeClr val="accent1"/>
+          </a:fillRef>
+          <a:effectRef idx="1">
+            <a:schemeClr val="accent1"/>
+          </a:effectRef>
+          <a:fontRef idx="minor">
+            <a:schemeClr val="tx1"/>
+          </a:fontRef>
+        </p:style>
+      </p:cxnSp>
+      <p:sp>
+        <p:nvSpPr>
+          <p:cNvPr id="42" name="TextBox 41"/>
+          <p:cNvSpPr txBox="1"/>
+          <p:nvPr/>
+        </p:nvSpPr>
+        <p:spPr>
+          <a:xfrm>
+            <a:off x="2704674" y="4323216"/>
+            <a:ext cx="1169423" cy="369332"/>
+          </a:xfrm>
+          <a:prstGeom prst="rect">
+            <a:avLst/>
+          </a:prstGeom>
+          <a:noFill/>
+        </p:spPr>
+        <p:txBody>
+          <a:bodyPr wrap="none" rtlCol="0">
+            <a:spAutoFit/>
+          </a:bodyPr>
+          <a:lstStyle/>
+          <a:p>
+            <a:r>
+              <a:rPr lang="en-US" dirty="0" smtClean="0"/>
+              <a:t>View Info</a:t>
+            </a:r>
+            <a:endParaRPr lang="en-US" dirty="0"/>
+          </a:p>
+        </p:txBody>
+      </p:sp>
+      <p:sp>
+        <p:nvSpPr>
+          <p:cNvPr id="43" name="Rectangle 42"/>
+          <p:cNvSpPr/>
+          <p:nvPr/>
+        </p:nvSpPr>
+        <p:spPr>
+          <a:xfrm>
+            <a:off x="6784942" y="3710993"/>
+            <a:ext cx="1534657" cy="405747"/>
+          </a:xfrm>
+          <a:prstGeom prst="rect">
+            <a:avLst/>
+          </a:prstGeom>
+        </p:spPr>
+        <p:style>
+          <a:lnRef idx="1">
+            <a:schemeClr val="accent3"/>
+          </a:lnRef>
+          <a:fillRef idx="3">
+            <a:schemeClr val="accent3"/>
+          </a:fillRef>
+          <a:effectRef idx="2">
+            <a:schemeClr val="accent3"/>
+          </a:effectRef>
+          <a:fontRef idx="minor">
+            <a:schemeClr val="lt1"/>
+          </a:fontRef>
+        </p:style>
+        <p:txBody>
+          <a:bodyPr rtlCol="0" anchor="ctr"/>
+          <a:lstStyle/>
+          <a:p>
+            <a:pPr algn="ctr"/>
+            <a:r>
+              <a:rPr lang="en-US" dirty="0" smtClean="0"/>
+              <a:t>Search Panel</a:t>
+            </a:r>
+            <a:endParaRPr lang="en-US" dirty="0"/>
+          </a:p>
+        </p:txBody>
+      </p:sp>
+      <p:cxnSp>
+        <p:nvCxnSpPr>
+          <p:cNvPr id="47" name="Elbow Connector 46"/>
+          <p:cNvCxnSpPr>
+            <a:stCxn id="17" idx="3"/>
+            <a:endCxn id="43" idx="1"/>
+          </p:cNvCxnSpPr>
+          <p:nvPr/>
+        </p:nvCxnSpPr>
+        <p:spPr>
+          <a:xfrm>
+            <a:off x="5874032" y="3909966"/>
+            <a:ext cx="910910" cy="3901"/>
+          </a:xfrm>
+          <a:prstGeom prst="bentConnector3">
+            <a:avLst/>
+          </a:prstGeom>
+          <a:ln>
+            <a:tailEnd type="arrow"/>
+          </a:ln>
+        </p:spPr>
+        <p:style>
+          <a:lnRef idx="2">
+            <a:schemeClr val="accent1"/>
+          </a:lnRef>
+          <a:fillRef idx="0">
+            <a:schemeClr val="accent1"/>
+          </a:fillRef>
+          <a:effectRef idx="1">
+            <a:schemeClr val="accent1"/>
+          </a:effectRef>
+          <a:fontRef idx="minor">
+            <a:schemeClr val="tx1"/>
+          </a:fontRef>
+        </p:style>
+      </p:cxnSp>
+      <p:sp>
+        <p:nvSpPr>
+          <p:cNvPr id="48" name="Rectangle 47"/>
+          <p:cNvSpPr/>
+          <p:nvPr/>
+        </p:nvSpPr>
+        <p:spPr>
+          <a:xfrm>
+            <a:off x="6879497" y="4860137"/>
+            <a:ext cx="1351902" cy="449851"/>
+          </a:xfrm>
+          <a:prstGeom prst="rect">
+            <a:avLst/>
+          </a:prstGeom>
+        </p:spPr>
+        <p:style>
+          <a:lnRef idx="1">
+            <a:schemeClr val="accent3"/>
+          </a:lnRef>
+          <a:fillRef idx="3">
+            <a:schemeClr val="accent3"/>
+          </a:fillRef>
+          <a:effectRef idx="2">
+            <a:schemeClr val="accent3"/>
+          </a:effectRef>
+          <a:fontRef idx="minor">
+            <a:schemeClr val="lt1"/>
+          </a:fontRef>
+        </p:style>
+        <p:txBody>
+          <a:bodyPr rtlCol="0" anchor="ctr"/>
+          <a:lstStyle/>
+          <a:p>
+            <a:pPr algn="ctr"/>
+            <a:r>
+              <a:rPr lang="en-US" dirty="0" smtClean="0"/>
+              <a:t>Visit Panel</a:t>
+            </a:r>
+            <a:endParaRPr lang="en-US" dirty="0"/>
+          </a:p>
+        </p:txBody>
+      </p:sp>
+      <p:cxnSp>
+        <p:nvCxnSpPr>
+          <p:cNvPr id="50" name="Elbow Connector 49"/>
+          <p:cNvCxnSpPr>
+            <a:stCxn id="43" idx="2"/>
+          </p:cNvCxnSpPr>
+          <p:nvPr/>
+        </p:nvCxnSpPr>
+        <p:spPr>
+          <a:xfrm rot="5400000">
+            <a:off x="7195757" y="4470792"/>
+            <a:ext cx="710566" cy="2462"/>
+          </a:xfrm>
+          <a:prstGeom prst="bentConnector3">
+            <a:avLst/>
+          </a:prstGeom>
+          <a:ln>
+            <a:tailEnd type="arrow"/>
+          </a:ln>
+        </p:spPr>
+        <p:style>
+          <a:lnRef idx="2">
+            <a:schemeClr val="accent1"/>
+          </a:lnRef>
+          <a:fillRef idx="0">
+            <a:schemeClr val="accent1"/>
+          </a:fillRef>
+          <a:effectRef idx="1">
+            <a:schemeClr val="accent1"/>
+          </a:effectRef>
+          <a:fontRef idx="minor">
+            <a:schemeClr val="tx1"/>
+          </a:fontRef>
+        </p:style>
+      </p:cxnSp>
+      <p:sp>
+        <p:nvSpPr>
+          <p:cNvPr id="51" name="TextBox 50"/>
+          <p:cNvSpPr txBox="1"/>
+          <p:nvPr/>
+        </p:nvSpPr>
+        <p:spPr>
+          <a:xfrm>
+            <a:off x="7567447" y="4155060"/>
+            <a:ext cx="1416261" cy="646331"/>
+          </a:xfrm>
+          <a:prstGeom prst="rect">
+            <a:avLst/>
+          </a:prstGeom>
+          <a:noFill/>
+        </p:spPr>
+        <p:txBody>
+          <a:bodyPr wrap="none" rtlCol="0">
+            <a:spAutoFit/>
+          </a:bodyPr>
+          <a:lstStyle/>
+          <a:p>
+            <a:r>
+              <a:rPr lang="en-US" dirty="0" smtClean="0"/>
+              <a:t>Find visit,</a:t>
+            </a:r>
+          </a:p>
+          <a:p>
+            <a:r>
+              <a:rPr lang="en-US" dirty="0" smtClean="0"/>
+              <a:t>Update visit</a:t>
+            </a:r>
+            <a:endParaRPr lang="en-US" dirty="0"/>
+          </a:p>
+        </p:txBody>
+      </p:sp>
+      <p:sp>
+        <p:nvSpPr>
+          <p:cNvPr id="52" name="TextBox 51"/>
+          <p:cNvSpPr txBox="1"/>
+          <p:nvPr/>
+        </p:nvSpPr>
+        <p:spPr>
+          <a:xfrm>
+            <a:off x="6062986" y="4155081"/>
+            <a:ext cx="1500569" cy="646331"/>
+          </a:xfrm>
+          <a:prstGeom prst="rect">
+            <a:avLst/>
+          </a:prstGeom>
+          <a:noFill/>
+        </p:spPr>
+        <p:txBody>
+          <a:bodyPr wrap="none" rtlCol="0">
+            <a:spAutoFit/>
+          </a:bodyPr>
+          <a:lstStyle/>
+          <a:p>
+            <a:pPr algn="r"/>
+            <a:r>
+              <a:rPr lang="en-US" dirty="0" smtClean="0"/>
+              <a:t>Find patient,</a:t>
+            </a:r>
+          </a:p>
+          <a:p>
+            <a:pPr algn="r"/>
+            <a:r>
+              <a:rPr lang="en-US" dirty="0" smtClean="0"/>
+              <a:t>New visit</a:t>
+            </a:r>
+            <a:endParaRPr lang="en-US" dirty="0"/>
+          </a:p>
+        </p:txBody>
+      </p:sp>
+      <p:cxnSp>
+        <p:nvCxnSpPr>
+          <p:cNvPr id="54" name="Elbow Connector 53"/>
+          <p:cNvCxnSpPr/>
+          <p:nvPr/>
+        </p:nvCxnSpPr>
+        <p:spPr>
+          <a:xfrm rot="10800000" flipV="1">
+            <a:off x="5622441" y="3913866"/>
+            <a:ext cx="2697158" cy="1537251"/>
+          </a:xfrm>
+          <a:prstGeom prst="bentConnector3">
+            <a:avLst>
+              <a:gd name="adj1" fmla="val -22595"/>
+            </a:avLst>
+          </a:prstGeom>
+          <a:ln>
+            <a:tailEnd type="arrow"/>
+          </a:ln>
+        </p:spPr>
+        <p:style>
+          <a:lnRef idx="2">
+            <a:schemeClr val="accent1"/>
+          </a:lnRef>
+          <a:fillRef idx="0">
+            <a:schemeClr val="accent1"/>
+          </a:fillRef>
+          <a:effectRef idx="1">
+            <a:schemeClr val="accent1"/>
+          </a:effectRef>
+          <a:fontRef idx="minor">
+            <a:schemeClr val="tx1"/>
+          </a:fontRef>
+        </p:style>
+      </p:cxnSp>
+      <p:sp>
+        <p:nvSpPr>
+          <p:cNvPr id="60" name="TextBox 59"/>
+          <p:cNvSpPr txBox="1"/>
+          <p:nvPr/>
+        </p:nvSpPr>
+        <p:spPr>
+          <a:xfrm>
+            <a:off x="7257665" y="5451118"/>
+            <a:ext cx="1710725" cy="646331"/>
+          </a:xfrm>
+          <a:prstGeom prst="rect">
+            <a:avLst/>
+          </a:prstGeom>
+          <a:noFill/>
+        </p:spPr>
+        <p:txBody>
+          <a:bodyPr wrap="none" rtlCol="0">
+            <a:spAutoFit/>
+          </a:bodyPr>
+          <a:lstStyle/>
+          <a:p>
+            <a:pPr algn="r"/>
+            <a:r>
+              <a:rPr lang="en-US" dirty="0" smtClean="0"/>
+              <a:t>Find patient,</a:t>
+            </a:r>
+          </a:p>
+          <a:p>
+            <a:pPr algn="r"/>
+            <a:r>
+              <a:rPr lang="en-US" dirty="0" smtClean="0"/>
+              <a:t>Update patient</a:t>
+            </a:r>
+            <a:endParaRPr lang="en-US" dirty="0"/>
+          </a:p>
+        </p:txBody>
+      </p:sp>
+      <p:sp>
+        <p:nvSpPr>
+          <p:cNvPr id="61" name="Date Placeholder 60"/>
+          <p:cNvSpPr>
+            <a:spLocks noGrp="1"/>
+          </p:cNvSpPr>
+          <p:nvPr>
+            <p:ph type="dt" sz="half" idx="10"/>
+          </p:nvPr>
+        </p:nvSpPr>
+        <p:spPr/>
+        <p:txBody>
+          <a:bodyPr/>
+          <a:lstStyle/>
+          <a:p>
+            <a:r>
+              <a:rPr lang="en-US" smtClean="0"/>
+              <a:t>4/30/15</a:t>
+            </a:r>
+            <a:endParaRPr lang="en-US"/>
+          </a:p>
+        </p:txBody>
+      </p:sp>
+      <p:sp>
+        <p:nvSpPr>
+          <p:cNvPr id="62" name="Slide Number Placeholder 61"/>
+          <p:cNvSpPr>
+            <a:spLocks noGrp="1"/>
+          </p:cNvSpPr>
+          <p:nvPr>
+            <p:ph type="sldNum" sz="quarter" idx="12"/>
+          </p:nvPr>
+        </p:nvSpPr>
+        <p:spPr/>
+        <p:txBody>
+          <a:bodyPr/>
+          <a:lstStyle/>
+          <a:p>
+            <a:fld id="{F14E1E57-8767-3046-891C-C12DFF405717}" type="slidenum">
+              <a:rPr lang="en-US" smtClean="0"/>
+              <a:t>4</a:t>
+            </a:fld>
+            <a:endParaRPr lang="en-US"/>
+          </a:p>
+        </p:txBody>
+      </p:sp>
+    </p:spTree>
+    <p:extLst>
+      <p:ext uri="{BB962C8B-B14F-4D97-AF65-F5344CB8AC3E}">
+        <p14:creationId xmlns:p14="http://schemas.microsoft.com/office/powerpoint/2010/main" val="308121112"/>
+      </p:ext>
+    </p:extLst>
+  </p:cSld>
+  <p:clrMapOvr>
+    <a:masterClrMapping/>
+  </p:clrMapOvr>
+  <p:timing>
+    <p:tnLst>
+      <p:par>
+        <p:cTn xmlns:p14="http://schemas.microsoft.com/office/powerpoint/2010/main" id="1" dur="indefinite" restart="never" nodeType="tmRoot"/>
+      </p:par>
+    </p:tnLst>
+  </p:timing>
+</p:sld>
+</file>
+
+<file path=ppt/slides/slide5.xml><?xml version="1.0" encoding="utf-8"?>
+<p:sld xmlns:a="http://schemas.openxmlformats.org/drawingml/2006/main" xmlns:r="http://schemas.openxmlformats.org/officeDocument/2006/relationships" xmlns:p="http://schemas.openxmlformats.org/presentationml/2006/main">
+  <p:cSld>
+    <p:spTree>
+      <p:nvGrpSpPr>
+        <p:cNvPr id="1" name=""/>
+        <p:cNvGrpSpPr/>
+        <p:nvPr/>
+      </p:nvGrpSpPr>
+      <p:grpSpPr>
+        <a:xfrm>
+          <a:off x="0" y="0"/>
+          <a:ext cx="0" cy="0"/>
+          <a:chOff x="0" y="0"/>
+          <a:chExt cx="0" cy="0"/>
+        </a:xfrm>
+      </p:grpSpPr>
+      <p:sp>
+        <p:nvSpPr>
+          <p:cNvPr id="2" name="Title 1"/>
+          <p:cNvSpPr>
+            <a:spLocks noGrp="1"/>
+          </p:cNvSpPr>
+          <p:nvPr>
+            <p:ph type="title"/>
+          </p:nvPr>
+        </p:nvSpPr>
+        <p:spPr/>
+        <p:txBody>
+          <a:bodyPr/>
+          <a:lstStyle/>
+          <a:p>
+            <a:r>
+              <a:rPr lang="en-US" dirty="0" smtClean="0"/>
+              <a:t>Login Panel</a:t>
+            </a:r>
+            <a:endParaRPr lang="en-US" dirty="0"/>
+          </a:p>
+        </p:txBody>
+      </p:sp>
+      <p:sp>
+        <p:nvSpPr>
+          <p:cNvPr id="3" name="Content Placeholder 2"/>
+          <p:cNvSpPr>
+            <a:spLocks noGrp="1"/>
+          </p:cNvSpPr>
+          <p:nvPr>
+            <p:ph sz="quarter" idx="1"/>
+          </p:nvPr>
+        </p:nvSpPr>
+        <p:spPr/>
+        <p:txBody>
+          <a:bodyPr>
+            <a:normAutofit/>
+          </a:bodyPr>
+          <a:lstStyle/>
+          <a:p>
+            <a:r>
+              <a:rPr lang="en-US" dirty="0"/>
+              <a:t>The Login Panel is the first page that the user encounters in the MD </a:t>
+            </a:r>
+            <a:r>
+              <a:rPr lang="en-US" dirty="0" smtClean="0"/>
+              <a:t>Systems.</a:t>
+            </a:r>
+          </a:p>
+          <a:p>
+            <a:r>
+              <a:rPr lang="en-US" dirty="0" smtClean="0"/>
+              <a:t>Functionality</a:t>
+            </a:r>
+            <a:endParaRPr lang="en-US" dirty="0" smtClean="0"/>
+          </a:p>
+          <a:p>
+            <a:pPr lvl="1"/>
+            <a:r>
+              <a:rPr lang="en-US" dirty="0" smtClean="0"/>
+              <a:t>It asks </a:t>
+            </a:r>
+            <a:r>
+              <a:rPr lang="en-US" dirty="0"/>
+              <a:t>for the </a:t>
+            </a:r>
+            <a:r>
+              <a:rPr lang="en-US" dirty="0" smtClean="0"/>
+              <a:t>user’s </a:t>
+            </a:r>
+            <a:r>
+              <a:rPr lang="en-US" dirty="0"/>
+              <a:t>username and password.</a:t>
+            </a:r>
+          </a:p>
+          <a:p>
+            <a:pPr lvl="1"/>
+            <a:r>
+              <a:rPr lang="en-US" dirty="0" smtClean="0"/>
+              <a:t>Register button allows the creation of a new user account.</a:t>
+            </a:r>
+          </a:p>
+          <a:p>
+            <a:r>
+              <a:rPr lang="en-US" dirty="0" smtClean="0"/>
+              <a:t>Security</a:t>
+            </a:r>
+            <a:endParaRPr lang="en-US" dirty="0" smtClean="0"/>
+          </a:p>
+          <a:p>
+            <a:pPr lvl="1"/>
+            <a:r>
+              <a:rPr lang="en-US" dirty="0"/>
+              <a:t>Menu access is limited, so you can’t bypass the </a:t>
+            </a:r>
+            <a:r>
+              <a:rPr lang="en-US" dirty="0" smtClean="0"/>
+              <a:t>login screen.</a:t>
+            </a:r>
+          </a:p>
+          <a:p>
+            <a:pPr lvl="1"/>
+            <a:r>
+              <a:rPr lang="en-US" dirty="0" smtClean="0"/>
+              <a:t>Passwords are encrypted (hash &amp; salt) for maximum security before being stored in the database.</a:t>
+            </a:r>
+            <a:endParaRPr lang="en-US" dirty="0"/>
+          </a:p>
+          <a:p>
+            <a:pPr lvl="1"/>
+            <a:r>
+              <a:rPr lang="en-US" dirty="0" smtClean="0"/>
+              <a:t>Login panel validates login with stored credentials in database.</a:t>
+            </a:r>
+            <a:endParaRPr lang="en-US" dirty="0"/>
+          </a:p>
+        </p:txBody>
+      </p:sp>
+      <p:sp>
+        <p:nvSpPr>
+          <p:cNvPr id="4" name="Date Placeholder 3"/>
+          <p:cNvSpPr>
+            <a:spLocks noGrp="1"/>
+          </p:cNvSpPr>
+          <p:nvPr>
+            <p:ph type="dt" sz="half" idx="10"/>
+          </p:nvPr>
+        </p:nvSpPr>
+        <p:spPr/>
+        <p:txBody>
+          <a:bodyPr/>
+          <a:lstStyle/>
+          <a:p>
+            <a:r>
+              <a:rPr lang="en-US" smtClean="0"/>
+              <a:t>4/30/15</a:t>
+            </a:r>
+            <a:endParaRPr lang="en-US"/>
+          </a:p>
+        </p:txBody>
+      </p:sp>
+      <p:sp>
+        <p:nvSpPr>
+          <p:cNvPr id="5" name="Slide Number Placeholder 4"/>
+          <p:cNvSpPr>
+            <a:spLocks noGrp="1"/>
+          </p:cNvSpPr>
+          <p:nvPr>
+            <p:ph type="sldNum" sz="quarter" idx="12"/>
+          </p:nvPr>
+        </p:nvSpPr>
+        <p:spPr/>
+        <p:txBody>
+          <a:bodyPr/>
+          <a:lstStyle/>
+          <a:p>
+            <a:fld id="{F14E1E57-8767-3046-891C-C12DFF405717}" type="slidenum">
+              <a:rPr lang="en-US" smtClean="0"/>
+              <a:t>5</a:t>
+            </a:fld>
+            <a:endParaRPr lang="en-US"/>
+          </a:p>
+        </p:txBody>
+      </p:sp>
+    </p:spTree>
+    <p:extLst>
+      <p:ext uri="{BB962C8B-B14F-4D97-AF65-F5344CB8AC3E}">
+        <p14:creationId xmlns:p14="http://schemas.microsoft.com/office/powerpoint/2010/main" val="216591226"/>
+      </p:ext>
+    </p:extLst>
+  </p:cSld>
+  <p:clrMapOvr>
+    <a:masterClrMapping/>
+  </p:clrMapOvr>
+  <p:timing>
+    <p:tnLst>
+      <p:par>
+        <p:cTn xmlns:p14="http://schemas.microsoft.com/office/powerpoint/2010/main" id="1" dur="indefinite" restart="never" nodeType="tmRoot"/>
+      </p:par>
+    </p:tnLst>
+  </p:timing>
 </p:sld>
 </file>
 
@@ -9609,119 +15925,147 @@
         </p:nvSpPr>
         <p:spPr/>
         <p:txBody>
+          <a:bodyPr/>
+          <a:lstStyle/>
+          <a:p>
+            <a:r>
+              <a:rPr lang="en-US" dirty="0" smtClean="0"/>
+              <a:t>Getting Started Panel</a:t>
+            </a:r>
+            <a:endParaRPr lang="en-US" dirty="0"/>
+          </a:p>
+        </p:txBody>
+      </p:sp>
+      <p:sp>
+        <p:nvSpPr>
+          <p:cNvPr id="3" name="Content Placeholder 2"/>
+          <p:cNvSpPr>
+            <a:spLocks noGrp="1"/>
+          </p:cNvSpPr>
+          <p:nvPr>
+            <p:ph sz="quarter" idx="1"/>
+          </p:nvPr>
+        </p:nvSpPr>
+        <p:spPr/>
+        <p:txBody>
           <a:bodyPr>
-            <a:normAutofit/>
+            <a:normAutofit fontScale="92500"/>
           </a:bodyPr>
           <a:lstStyle/>
           <a:p>
             <a:r>
-              <a:rPr lang="en-US" sz="3600" dirty="0" smtClean="0">
-                <a:latin typeface="Georgia"/>
-                <a:cs typeface="Georgia"/>
-              </a:rPr>
-              <a:t>Appendix – AWS: RDS</a:t>
-            </a:r>
-            <a:endParaRPr lang="en-US" dirty="0">
-              <a:latin typeface="Georgia"/>
-              <a:cs typeface="Georgia"/>
-            </a:endParaRPr>
-          </a:p>
-        </p:txBody>
-      </p:sp>
-      <p:sp>
-        <p:nvSpPr>
-          <p:cNvPr id="3" name="Content Placeholder 2"/>
+              <a:rPr lang="en-US" dirty="0" smtClean="0"/>
+              <a:t>“Home” panel for the program – Home buttons</a:t>
+            </a:r>
+          </a:p>
+          <a:p>
+            <a:r>
+              <a:rPr lang="en-US" dirty="0" smtClean="0"/>
+              <a:t>Shortcut Navigation Menu:</a:t>
+            </a:r>
+          </a:p>
+          <a:p>
+            <a:pPr lvl="1"/>
+            <a:r>
+              <a:rPr lang="en-US" dirty="0" smtClean="0"/>
+              <a:t>User Information, Patient Registration, Search Records, and Create New Visit.</a:t>
+            </a:r>
+          </a:p>
+          <a:p>
+            <a:r>
+              <a:rPr lang="en-US" dirty="0" smtClean="0"/>
+              <a:t>Recent Visits list</a:t>
+            </a:r>
+          </a:p>
+          <a:p>
+            <a:pPr lvl="1"/>
+            <a:r>
+              <a:rPr lang="en-US" dirty="0" smtClean="0"/>
+              <a:t>Shows last week’s worth of general practice visit records.</a:t>
+            </a:r>
+          </a:p>
+          <a:p>
+            <a:pPr lvl="1"/>
+            <a:r>
+              <a:rPr lang="en-US" dirty="0" smtClean="0"/>
+              <a:t>Displays patient name + date of visit in list.</a:t>
+            </a:r>
+          </a:p>
+          <a:p>
+            <a:pPr lvl="1"/>
+            <a:r>
+              <a:rPr lang="en-US" dirty="0" smtClean="0"/>
+              <a:t>Details of selected visits can be instantly brought up in th</a:t>
+            </a:r>
+            <a:r>
+              <a:rPr lang="en-US" dirty="0" smtClean="0"/>
+              <a:t>e Visit panel by clicking the “View” button.</a:t>
+            </a:r>
+            <a:endParaRPr lang="en-US" dirty="0"/>
+          </a:p>
+          <a:p>
+            <a:r>
+              <a:rPr lang="en-US" dirty="0"/>
+              <a:t>Once the user is logged in, the Main Menu dropdown list has additional menu options displayed for the user</a:t>
+            </a:r>
+            <a:r>
+              <a:rPr lang="en-US" dirty="0" smtClean="0"/>
+              <a:t>.</a:t>
+            </a:r>
+            <a:endParaRPr lang="en-US" dirty="0"/>
+          </a:p>
+        </p:txBody>
+      </p:sp>
+      <p:sp>
+        <p:nvSpPr>
+          <p:cNvPr id="4" name="Date Placeholder 3"/>
           <p:cNvSpPr>
             <a:spLocks noGrp="1"/>
           </p:cNvSpPr>
           <p:nvPr>
-            <p:ph sz="quarter" idx="1"/>
+            <p:ph type="dt" sz="half" idx="10"/>
           </p:nvPr>
         </p:nvSpPr>
         <p:spPr/>
         <p:txBody>
-          <a:bodyPr>
-            <a:normAutofit lnSpcReduction="10000"/>
-          </a:bodyPr>
-          <a:lstStyle/>
-          <a:p>
-            <a:r>
-              <a:rPr lang="en-US" sz="2800" dirty="0">
-                <a:latin typeface="Georgia"/>
-                <a:cs typeface="Georgia"/>
-              </a:rPr>
-              <a:t>Our database is hosted by Amazon Web Services on a Relational Database Service instance</a:t>
-            </a:r>
-            <a:r>
-              <a:rPr lang="en-US" sz="2800" dirty="0" smtClean="0">
-                <a:latin typeface="Georgia"/>
-                <a:cs typeface="Georgia"/>
-              </a:rPr>
-              <a:t>.</a:t>
-            </a:r>
-          </a:p>
-          <a:p>
-            <a:r>
-              <a:rPr lang="en-US" sz="2800" dirty="0">
-                <a:latin typeface="Georgia"/>
-                <a:cs typeface="Georgia"/>
-              </a:rPr>
-              <a:t>Our database requirements fell within the AWS Free Tier of usage, so the RDS instance is free.</a:t>
-            </a:r>
-            <a:endParaRPr lang="en-US" dirty="0">
-              <a:latin typeface="Georgia"/>
-              <a:cs typeface="Georgia"/>
-            </a:endParaRPr>
-          </a:p>
-          <a:p>
-            <a:r>
-              <a:rPr lang="en-US" sz="2800" dirty="0">
-                <a:latin typeface="Georgia"/>
-                <a:cs typeface="Georgia"/>
-              </a:rPr>
-              <a:t>The </a:t>
-            </a:r>
-            <a:r>
-              <a:rPr lang="en-US" sz="2800" dirty="0" smtClean="0">
-                <a:latin typeface="Georgia"/>
-                <a:cs typeface="Georgia"/>
-              </a:rPr>
-              <a:t>RDS instance is not a full server machine – RDS simply provides </a:t>
-            </a:r>
-            <a:r>
-              <a:rPr lang="en-US" sz="2800" dirty="0">
-                <a:latin typeface="Georgia"/>
-                <a:cs typeface="Georgia"/>
-              </a:rPr>
-              <a:t>a running MYSQL instance which can be remotely connected to</a:t>
-            </a:r>
-            <a:r>
-              <a:rPr lang="en-US" sz="2800" dirty="0" smtClean="0">
-                <a:latin typeface="Georgia"/>
-                <a:cs typeface="Georgia"/>
-              </a:rPr>
-              <a:t>.</a:t>
-            </a:r>
-          </a:p>
-          <a:p>
-            <a:r>
-              <a:rPr lang="en-US" sz="2800" dirty="0">
-                <a:latin typeface="Georgia"/>
-                <a:cs typeface="Georgia"/>
-              </a:rPr>
-              <a:t>Our program is configured to connect to the RDS instance automatically when we establish a Database Connection.</a:t>
-            </a:r>
-            <a:endParaRPr lang="en-US" dirty="0">
-              <a:latin typeface="Georgia"/>
-              <a:cs typeface="Georgia"/>
-            </a:endParaRPr>
+          <a:bodyPr/>
+          <a:lstStyle/>
+          <a:p>
+            <a:r>
+              <a:rPr lang="en-US" smtClean="0"/>
+              <a:t>4/30/15</a:t>
+            </a:r>
+            <a:endParaRPr lang="en-US"/>
+          </a:p>
+        </p:txBody>
+      </p:sp>
+      <p:sp>
+        <p:nvSpPr>
+          <p:cNvPr id="5" name="Slide Number Placeholder 4"/>
+          <p:cNvSpPr>
+            <a:spLocks noGrp="1"/>
+          </p:cNvSpPr>
+          <p:nvPr>
+            <p:ph type="sldNum" sz="quarter" idx="12"/>
+          </p:nvPr>
+        </p:nvSpPr>
+        <p:spPr/>
+        <p:txBody>
+          <a:bodyPr/>
+          <a:lstStyle/>
+          <a:p>
+            <a:fld id="{F14E1E57-8767-3046-891C-C12DFF405717}" type="slidenum">
+              <a:rPr lang="en-US" smtClean="0"/>
+              <a:t>6</a:t>
+            </a:fld>
+            <a:endParaRPr lang="en-US"/>
           </a:p>
         </p:txBody>
       </p:sp>
     </p:spTree>
     <p:extLst>
       <p:ext uri="{BB962C8B-B14F-4D97-AF65-F5344CB8AC3E}">
-        <p14:creationId xmlns:p14="http://schemas.microsoft.com/office/powerpoint/2010/main" val="1060341237"/>
+        <p14:creationId xmlns:p14="http://schemas.microsoft.com/office/powerpoint/2010/main" val="1367412042"/>
       </p:ext>
     </p:extLst>
   </p:cSld>
@@ -9760,40 +16104,139 @@
         </p:nvSpPr>
         <p:spPr/>
         <p:txBody>
+          <a:bodyPr/>
+          <a:lstStyle/>
+          <a:p>
+            <a:r>
+              <a:rPr lang="en-US" dirty="0" smtClean="0"/>
+              <a:t>User Information Panel</a:t>
+            </a:r>
+            <a:endParaRPr lang="en-US" dirty="0"/>
+          </a:p>
+        </p:txBody>
+      </p:sp>
+      <p:sp>
+        <p:nvSpPr>
+          <p:cNvPr id="3" name="Content Placeholder 2"/>
+          <p:cNvSpPr>
+            <a:spLocks noGrp="1"/>
+          </p:cNvSpPr>
+          <p:nvPr>
+            <p:ph sz="quarter" idx="1"/>
+          </p:nvPr>
+        </p:nvSpPr>
+        <p:spPr/>
+        <p:txBody>
           <a:bodyPr>
             <a:normAutofit/>
           </a:bodyPr>
           <a:lstStyle/>
           <a:p>
             <a:r>
-              <a:rPr lang="en-US" sz="3600" dirty="0">
-                <a:latin typeface="Georgia"/>
-                <a:cs typeface="Georgia"/>
-              </a:rPr>
-              <a:t>Appendix – AWS: </a:t>
-            </a:r>
-            <a:r>
-              <a:rPr lang="en-US" sz="3600" dirty="0" smtClean="0">
-                <a:latin typeface="Georgia"/>
-                <a:cs typeface="Georgia"/>
-              </a:rPr>
-              <a:t>S3</a:t>
-            </a:r>
-            <a:endParaRPr lang="en-US" dirty="0">
-              <a:latin typeface="Georgia"/>
-              <a:cs typeface="Georgia"/>
-            </a:endParaRPr>
-          </a:p>
-        </p:txBody>
-      </p:sp>
-      <p:sp>
-        <p:nvSpPr>
-          <p:cNvPr id="3" name="Content Placeholder 2"/>
+              <a:rPr lang="en-US" dirty="0" smtClean="0"/>
+              <a:t>This panel has two modes.</a:t>
+            </a:r>
+          </a:p>
+          <a:p>
+            <a:r>
+              <a:rPr lang="en-US" dirty="0" smtClean="0"/>
+              <a:t>Registration</a:t>
+            </a:r>
+          </a:p>
+          <a:p>
+            <a:pPr lvl="1"/>
+            <a:r>
+              <a:rPr lang="en-US" dirty="0" smtClean="0"/>
+              <a:t>New users can enter information to create a new user account.</a:t>
+            </a:r>
+          </a:p>
+          <a:p>
+            <a:pPr lvl="1"/>
+            <a:r>
+              <a:rPr lang="en-US" dirty="0"/>
+              <a:t>Minimum requirements</a:t>
+            </a:r>
+            <a:r>
+              <a:rPr lang="en-US" dirty="0" smtClean="0"/>
+              <a:t>: first </a:t>
+            </a:r>
+            <a:r>
+              <a:rPr lang="en-US" dirty="0"/>
+              <a:t>name, last name, position, </a:t>
+            </a:r>
+            <a:r>
+              <a:rPr lang="en-US" dirty="0" smtClean="0"/>
+              <a:t>username, </a:t>
+            </a:r>
+            <a:r>
+              <a:rPr lang="en-US" dirty="0"/>
+              <a:t>and </a:t>
+            </a:r>
+            <a:r>
+              <a:rPr lang="en-US" dirty="0" smtClean="0"/>
+              <a:t>password.</a:t>
+            </a:r>
+          </a:p>
+          <a:p>
+            <a:r>
+              <a:rPr lang="en-US" dirty="0" smtClean="0"/>
+              <a:t>Logged in User Information</a:t>
+            </a:r>
+          </a:p>
+          <a:p>
+            <a:pPr lvl="1"/>
+            <a:r>
+              <a:rPr lang="en-US" dirty="0" smtClean="0"/>
+              <a:t>The currently </a:t>
+            </a:r>
+            <a:r>
+              <a:rPr lang="en-US" dirty="0"/>
+              <a:t>logged in user </a:t>
+            </a:r>
+            <a:r>
+              <a:rPr lang="en-US" dirty="0" smtClean="0"/>
+              <a:t>uses this panel to access </a:t>
+            </a:r>
+            <a:r>
+              <a:rPr lang="en-US" dirty="0"/>
+              <a:t>their account </a:t>
+            </a:r>
+            <a:r>
+              <a:rPr lang="en-US" dirty="0" smtClean="0"/>
+              <a:t>information from a link in the getting started panel.</a:t>
+            </a:r>
+            <a:endParaRPr lang="en-US" dirty="0"/>
+          </a:p>
+          <a:p>
+            <a:pPr lvl="1"/>
+            <a:r>
+              <a:rPr lang="en-US" dirty="0" smtClean="0"/>
+              <a:t>The </a:t>
+            </a:r>
+            <a:r>
+              <a:rPr lang="en-US" dirty="0" smtClean="0"/>
+              <a:t>logged in user’s information can be updated and then saved to the database with the enter button.</a:t>
+            </a:r>
+            <a:endParaRPr lang="en-US" dirty="0"/>
+          </a:p>
+          <a:p>
+            <a:pPr lvl="1"/>
+            <a:r>
+              <a:rPr lang="en-US" dirty="0" smtClean="0"/>
+              <a:t>This panel only has access to the current logged in user’s info.</a:t>
+            </a:r>
+            <a:endParaRPr lang="en-US" dirty="0"/>
+          </a:p>
+        </p:txBody>
+      </p:sp>
+      <p:sp>
+        <p:nvSpPr>
+          <p:cNvPr id="4" name="Date Placeholder 3"/>
           <p:cNvSpPr>
             <a:spLocks noGrp="1"/>
           </p:cNvSpPr>
           <p:nvPr>
-            <p:ph sz="quarter" idx="1"/>
+            <p:ph type="dt" sz="half" idx="10"/>
           </p:nvPr>
         </p:nvSpPr>
         <p:spPr/>
@@ -9802,43 +16245,40 @@
           <a:lstStyle/>
           <a:p>
             <a:r>
-              <a:rPr lang="en-US" dirty="0"/>
-              <a:t>We store images (for lab results) on an AWS S3 bucket</a:t>
-            </a:r>
-            <a:r>
-              <a:rPr lang="en-US" dirty="0" smtClean="0"/>
-              <a:t>.</a:t>
-            </a:r>
-          </a:p>
-          <a:p>
-            <a:r>
-              <a:rPr lang="en-US" dirty="0" smtClean="0"/>
-              <a:t>S3 </a:t>
-            </a:r>
-            <a:r>
-              <a:rPr lang="en-US" dirty="0"/>
-              <a:t>buckets are not traditional servers- they are pure cloud storage space, allowing us to upload and download files</a:t>
-            </a:r>
-            <a:r>
-              <a:rPr lang="en-US" dirty="0" smtClean="0"/>
-              <a:t>.</a:t>
-            </a:r>
-          </a:p>
-          <a:p>
-            <a:r>
-              <a:rPr lang="en-US" dirty="0"/>
-              <a:t>Amazon has documentation available with clear, simple examples of how to connect a program to their various AWS services.</a:t>
-            </a:r>
-          </a:p>
-          <a:p>
-            <a:endParaRPr lang="en-US" dirty="0"/>
+              <a:rPr lang="en-US" smtClean="0"/>
+              <a:t>4/30/15</a:t>
+            </a:r>
+            <a:endParaRPr lang="en-US"/>
+          </a:p>
+        </p:txBody>
+      </p:sp>
+      <p:sp>
+        <p:nvSpPr>
+          <p:cNvPr id="5" name="Slide Number Placeholder 4"/>
+          <p:cNvSpPr>
+            <a:spLocks noGrp="1"/>
+          </p:cNvSpPr>
+          <p:nvPr>
+            <p:ph type="sldNum" sz="quarter" idx="12"/>
+          </p:nvPr>
+        </p:nvSpPr>
+        <p:spPr/>
+        <p:txBody>
+          <a:bodyPr/>
+          <a:lstStyle/>
+          <a:p>
+            <a:fld id="{F14E1E57-8767-3046-891C-C12DFF405717}" type="slidenum">
+              <a:rPr lang="en-US" smtClean="0"/>
+              <a:t>7</a:t>
+            </a:fld>
+            <a:endParaRPr lang="en-US"/>
           </a:p>
         </p:txBody>
       </p:sp>
     </p:spTree>
     <p:extLst>
       <p:ext uri="{BB962C8B-B14F-4D97-AF65-F5344CB8AC3E}">
-        <p14:creationId xmlns:p14="http://schemas.microsoft.com/office/powerpoint/2010/main" val="3901284441"/>
+        <p14:creationId xmlns:p14="http://schemas.microsoft.com/office/powerpoint/2010/main" val="1855794015"/>
       </p:ext>
     </p:extLst>
   </p:cSld>
@@ -9877,139 +16317,347 @@
         </p:nvSpPr>
         <p:spPr/>
         <p:txBody>
+          <a:bodyPr/>
+          <a:lstStyle/>
+          <a:p>
+            <a:r>
+              <a:rPr lang="en-US" dirty="0" smtClean="0"/>
+              <a:t>Patient </a:t>
+            </a:r>
+            <a:r>
+              <a:rPr lang="en-US" dirty="0" smtClean="0"/>
+              <a:t>Information Panel</a:t>
+            </a:r>
+            <a:endParaRPr lang="en-US" dirty="0"/>
+          </a:p>
+        </p:txBody>
+      </p:sp>
+      <p:sp>
+        <p:nvSpPr>
+          <p:cNvPr id="3" name="Content Placeholder 2"/>
+          <p:cNvSpPr>
+            <a:spLocks noGrp="1"/>
+          </p:cNvSpPr>
+          <p:nvPr>
+            <p:ph sz="quarter" idx="1"/>
+          </p:nvPr>
+        </p:nvSpPr>
+        <p:spPr/>
+        <p:txBody>
           <a:bodyPr>
             <a:normAutofit/>
           </a:bodyPr>
           <a:lstStyle/>
           <a:p>
             <a:r>
-              <a:rPr lang="en-US" sz="3600" dirty="0"/>
-              <a:t>Appendix – </a:t>
-            </a:r>
-            <a:r>
-              <a:rPr lang="en-US" sz="3600" dirty="0" err="1"/>
-              <a:t>DbConn</a:t>
-            </a:r>
-            <a:r>
-              <a:rPr lang="en-US" sz="3600" dirty="0"/>
-              <a:t> </a:t>
-            </a:r>
-            <a:r>
-              <a:rPr lang="en-US" sz="3600" dirty="0" smtClean="0"/>
-              <a:t>Interface</a:t>
-            </a:r>
-            <a:endParaRPr lang="en-US" sz="3600" dirty="0"/>
-          </a:p>
-        </p:txBody>
-      </p:sp>
-      <p:sp>
-        <p:nvSpPr>
-          <p:cNvPr id="3" name="Content Placeholder 2"/>
+              <a:rPr lang="en-US" dirty="0"/>
+              <a:t>This panel has two modes.</a:t>
+            </a:r>
+          </a:p>
+          <a:p>
+            <a:r>
+              <a:rPr lang="en-US" dirty="0"/>
+              <a:t>Registration</a:t>
+            </a:r>
+          </a:p>
+          <a:p>
+            <a:pPr lvl="1"/>
+            <a:r>
+              <a:rPr lang="en-US" dirty="0" smtClean="0"/>
+              <a:t>Doctors </a:t>
+            </a:r>
+            <a:r>
+              <a:rPr lang="en-US" dirty="0"/>
+              <a:t>and nurses can register a new </a:t>
+            </a:r>
+            <a:r>
+              <a:rPr lang="en-US" dirty="0" smtClean="0"/>
+              <a:t>patient here.</a:t>
+            </a:r>
+          </a:p>
+          <a:p>
+            <a:pPr lvl="1"/>
+            <a:r>
+              <a:rPr lang="en-US" dirty="0" smtClean="0"/>
+              <a:t>Accessible from Getting Started navigation menu, menu bar.</a:t>
+            </a:r>
+          </a:p>
+          <a:p>
+            <a:pPr lvl="1"/>
+            <a:r>
+              <a:rPr lang="en-US" dirty="0" smtClean="0"/>
+              <a:t>Requires all fields except for Address 2 to be filled out.</a:t>
+            </a:r>
+            <a:endParaRPr lang="en-US" dirty="0"/>
+          </a:p>
+          <a:p>
+            <a:r>
+              <a:rPr lang="en-US" dirty="0" smtClean="0"/>
+              <a:t>Patient Information</a:t>
+            </a:r>
+          </a:p>
+          <a:p>
+            <a:pPr lvl="1"/>
+            <a:r>
+              <a:rPr lang="en-US" dirty="0" smtClean="0"/>
+              <a:t>Doctors and nurses can view a patient’s information after searching for the patient or one of the patient’s visits.</a:t>
+            </a:r>
+          </a:p>
+          <a:p>
+            <a:pPr lvl="1"/>
+            <a:r>
+              <a:rPr lang="en-US" dirty="0" smtClean="0"/>
+              <a:t>Patient information can be updated and saved to the database with the submit button.</a:t>
+            </a:r>
+            <a:endParaRPr lang="en-US" dirty="0"/>
+          </a:p>
+        </p:txBody>
+      </p:sp>
+      <p:sp>
+        <p:nvSpPr>
+          <p:cNvPr id="4" name="Date Placeholder 3"/>
           <p:cNvSpPr>
             <a:spLocks noGrp="1"/>
           </p:cNvSpPr>
           <p:nvPr>
-            <p:ph sz="quarter" idx="1"/>
-          </p:nvPr>
-        </p:nvSpPr>
-        <p:spPr>
-          <a:xfrm>
-            <a:off x="301752" y="1527048"/>
-            <a:ext cx="8503920" cy="4865428"/>
-          </a:xfrm>
-        </p:spPr>
-        <p:txBody>
-          <a:bodyPr>
-            <a:normAutofit lnSpcReduction="10000"/>
-          </a:bodyPr>
-          <a:lstStyle/>
-          <a:p>
-            <a:r>
-              <a:rPr lang="en-US" dirty="0" smtClean="0"/>
-              <a:t>Before </a:t>
-            </a:r>
-            <a:r>
-              <a:rPr lang="en-US" dirty="0"/>
-              <a:t>beginning work on the </a:t>
-            </a:r>
-            <a:r>
-              <a:rPr lang="en-US" dirty="0" smtClean="0"/>
-              <a:t>project, we </a:t>
-            </a:r>
-            <a:r>
-              <a:rPr lang="en-US" dirty="0"/>
-              <a:t>created an interface for our database connection class to </a:t>
-            </a:r>
-            <a:r>
-              <a:rPr lang="en-US" dirty="0" smtClean="0"/>
-              <a:t>implement.</a:t>
-            </a:r>
-          </a:p>
-          <a:p>
-            <a:r>
-              <a:rPr lang="en-US" dirty="0" smtClean="0"/>
-              <a:t>It </a:t>
-            </a:r>
-            <a:r>
-              <a:rPr lang="en-US" dirty="0"/>
-              <a:t>defines all the public methods of the database connection</a:t>
-            </a:r>
-            <a:r>
-              <a:rPr lang="en-US" dirty="0" smtClean="0"/>
-              <a:t>.</a:t>
-            </a:r>
-          </a:p>
-          <a:p>
-            <a:r>
-              <a:rPr lang="en-US" dirty="0" smtClean="0"/>
-              <a:t>It let us define how the GUI would interact with the database before we started the project.</a:t>
-            </a:r>
-          </a:p>
-          <a:p>
-            <a:r>
-              <a:rPr lang="en-US" dirty="0" smtClean="0"/>
-              <a:t>It </a:t>
-            </a:r>
-            <a:r>
-              <a:rPr lang="en-US" dirty="0"/>
-              <a:t>is implemented by </a:t>
-            </a:r>
-            <a:r>
-              <a:rPr lang="en-US" dirty="0" err="1"/>
-              <a:t>DatabaseConnection</a:t>
-            </a:r>
-            <a:r>
-              <a:rPr lang="en-US" dirty="0"/>
-              <a:t> (full implementation) and by </a:t>
-            </a:r>
-            <a:r>
-              <a:rPr lang="en-US" dirty="0" err="1"/>
-              <a:t>DbConnDummy</a:t>
-            </a:r>
-            <a:r>
-              <a:rPr lang="en-US" dirty="0"/>
-              <a:t> (testing dummy).</a:t>
-            </a:r>
-          </a:p>
-          <a:p>
-            <a:r>
-              <a:rPr lang="en-US" dirty="0" smtClean="0"/>
-              <a:t>This also </a:t>
-            </a:r>
-            <a:r>
-              <a:rPr lang="en-US" dirty="0"/>
-              <a:t>allowed us to test the GUI side of the program before the database side was completed.</a:t>
-            </a:r>
-          </a:p>
-          <a:p>
-            <a:endParaRPr lang="en-US" dirty="0"/>
+            <p:ph type="dt" sz="half" idx="10"/>
+          </p:nvPr>
+        </p:nvSpPr>
+        <p:spPr/>
+        <p:txBody>
+          <a:bodyPr/>
+          <a:lstStyle/>
+          <a:p>
+            <a:r>
+              <a:rPr lang="en-US" smtClean="0"/>
+              <a:t>4/30/15</a:t>
+            </a:r>
+            <a:endParaRPr lang="en-US"/>
+          </a:p>
+        </p:txBody>
+      </p:sp>
+      <p:sp>
+        <p:nvSpPr>
+          <p:cNvPr id="5" name="Slide Number Placeholder 4"/>
+          <p:cNvSpPr>
+            <a:spLocks noGrp="1"/>
+          </p:cNvSpPr>
+          <p:nvPr>
+            <p:ph type="sldNum" sz="quarter" idx="12"/>
+          </p:nvPr>
+        </p:nvSpPr>
+        <p:spPr/>
+        <p:txBody>
+          <a:bodyPr/>
+          <a:lstStyle/>
+          <a:p>
+            <a:fld id="{F14E1E57-8767-3046-891C-C12DFF405717}" type="slidenum">
+              <a:rPr lang="en-US" smtClean="0"/>
+              <a:t>8</a:t>
+            </a:fld>
+            <a:endParaRPr lang="en-US"/>
           </a:p>
         </p:txBody>
       </p:sp>
     </p:spTree>
     <p:extLst>
       <p:ext uri="{BB962C8B-B14F-4D97-AF65-F5344CB8AC3E}">
-        <p14:creationId xmlns:p14="http://schemas.microsoft.com/office/powerpoint/2010/main" val="2281378104"/>
+        <p14:creationId xmlns:p14="http://schemas.microsoft.com/office/powerpoint/2010/main" val="2456464533"/>
+      </p:ext>
+    </p:extLst>
+  </p:cSld>
+  <p:clrMapOvr>
+    <a:masterClrMapping/>
+  </p:clrMapOvr>
+</p:sld>
+</file>
+
+<file path=ppt/slides/slide9.xml><?xml version="1.0" encoding="utf-8"?>
+<p:sld xmlns:a="http://schemas.openxmlformats.org/drawingml/2006/main" xmlns:r="http://schemas.openxmlformats.org/officeDocument/2006/relationships" xmlns:p="http://schemas.openxmlformats.org/presentationml/2006/main">
+  <p:cSld>
+    <p:spTree>
+      <p:nvGrpSpPr>
+        <p:cNvPr id="1" name=""/>
+        <p:cNvGrpSpPr/>
+        <p:nvPr/>
+      </p:nvGrpSpPr>
+      <p:grpSpPr>
+        <a:xfrm>
+          <a:off x="0" y="0"/>
+          <a:ext cx="0" cy="0"/>
+          <a:chOff x="0" y="0"/>
+          <a:chExt cx="0" cy="0"/>
+        </a:xfrm>
+      </p:grpSpPr>
+      <p:sp>
+        <p:nvSpPr>
+          <p:cNvPr id="2" name="Title 1"/>
+          <p:cNvSpPr>
+            <a:spLocks noGrp="1"/>
+          </p:cNvSpPr>
+          <p:nvPr>
+            <p:ph type="title"/>
+          </p:nvPr>
+        </p:nvSpPr>
+        <p:spPr/>
+        <p:txBody>
+          <a:bodyPr/>
+          <a:lstStyle/>
+          <a:p>
+            <a:r>
+              <a:rPr lang="en-US" dirty="0" smtClean="0"/>
+              <a:t>Search Panel</a:t>
+            </a:r>
+            <a:endParaRPr lang="en-US" dirty="0"/>
+          </a:p>
+        </p:txBody>
+      </p:sp>
+      <p:sp>
+        <p:nvSpPr>
+          <p:cNvPr id="3" name="Content Placeholder 2"/>
+          <p:cNvSpPr>
+            <a:spLocks noGrp="1"/>
+          </p:cNvSpPr>
+          <p:nvPr>
+            <p:ph sz="quarter" idx="1"/>
+          </p:nvPr>
+        </p:nvSpPr>
+        <p:spPr/>
+        <p:txBody>
+          <a:bodyPr>
+            <a:normAutofit fontScale="92500" lnSpcReduction="10000"/>
+          </a:bodyPr>
+          <a:lstStyle/>
+          <a:p>
+            <a:r>
+              <a:rPr lang="en-US" dirty="0"/>
+              <a:t>The Search Panel is where doctors and nurses can search </a:t>
+            </a:r>
+            <a:r>
+              <a:rPr lang="en-US" dirty="0" smtClean="0"/>
+              <a:t>for records by certain attributes.</a:t>
+            </a:r>
+          </a:p>
+          <a:p>
+            <a:pPr lvl="1"/>
+            <a:r>
+              <a:rPr lang="en-US" dirty="0" smtClean="0"/>
+              <a:t>Two types of search: Patient search and Visit search.</a:t>
+            </a:r>
+          </a:p>
+          <a:p>
+            <a:r>
+              <a:rPr lang="en-US" dirty="0" smtClean="0"/>
+              <a:t>Searchable attributes:</a:t>
+            </a:r>
+          </a:p>
+          <a:p>
+            <a:pPr lvl="1"/>
+            <a:r>
+              <a:rPr lang="en-US" dirty="0" smtClean="0"/>
+              <a:t>Patient – first name, last name, birthdate, address, insurance#</a:t>
+            </a:r>
+          </a:p>
+          <a:p>
+            <a:pPr lvl="1"/>
+            <a:r>
+              <a:rPr lang="en-US" dirty="0" smtClean="0"/>
+              <a:t>Visit – doctor username, date, searchable attributes of patient</a:t>
+            </a:r>
+          </a:p>
+          <a:p>
+            <a:r>
+              <a:rPr lang="en-US" dirty="0" smtClean="0"/>
+              <a:t>Searches return a list of records as results.</a:t>
+            </a:r>
+            <a:endParaRPr lang="en-US" dirty="0"/>
+          </a:p>
+          <a:p>
+            <a:r>
+              <a:rPr lang="en-US" dirty="0" smtClean="0"/>
+              <a:t>After selecting a Patient from the search results:</a:t>
+            </a:r>
+          </a:p>
+          <a:p>
+            <a:pPr lvl="1"/>
+            <a:r>
+              <a:rPr lang="en-US" dirty="0" smtClean="0"/>
+              <a:t>Doctors and nurses can view and edit that patient’s information.</a:t>
+            </a:r>
+          </a:p>
+          <a:p>
+            <a:pPr lvl="1"/>
+            <a:r>
+              <a:rPr lang="en-US" dirty="0" smtClean="0"/>
+              <a:t>Doctors can create a new visit record for that patient.</a:t>
+            </a:r>
+          </a:p>
+          <a:p>
+            <a:r>
+              <a:rPr lang="en-US" dirty="0" smtClean="0"/>
+              <a:t>After selecting a Visit from the search results:</a:t>
+            </a:r>
+          </a:p>
+          <a:p>
+            <a:pPr lvl="1"/>
+            <a:r>
+              <a:rPr lang="en-US" dirty="0" smtClean="0"/>
+              <a:t>Doctors and nurses can view and edit existing visit records.</a:t>
+            </a:r>
+            <a:endParaRPr lang="en-US" dirty="0"/>
+          </a:p>
+        </p:txBody>
+      </p:sp>
+      <p:sp>
+        <p:nvSpPr>
+          <p:cNvPr id="4" name="Date Placeholder 3"/>
+          <p:cNvSpPr>
+            <a:spLocks noGrp="1"/>
+          </p:cNvSpPr>
+          <p:nvPr>
+            <p:ph type="dt" sz="half" idx="10"/>
+          </p:nvPr>
+        </p:nvSpPr>
+        <p:spPr/>
+        <p:txBody>
+          <a:bodyPr/>
+          <a:lstStyle/>
+          <a:p>
+            <a:r>
+              <a:rPr lang="en-US" smtClean="0"/>
+              <a:t>4/30/15</a:t>
+            </a:r>
+            <a:endParaRPr lang="en-US"/>
+          </a:p>
+        </p:txBody>
+      </p:sp>
+      <p:sp>
+        <p:nvSpPr>
+          <p:cNvPr id="5" name="Slide Number Placeholder 4"/>
+          <p:cNvSpPr>
+            <a:spLocks noGrp="1"/>
+          </p:cNvSpPr>
+          <p:nvPr>
+            <p:ph type="sldNum" sz="quarter" idx="12"/>
+          </p:nvPr>
+        </p:nvSpPr>
+        <p:spPr/>
+        <p:txBody>
+          <a:bodyPr/>
+          <a:lstStyle/>
+          <a:p>
+            <a:fld id="{F14E1E57-8767-3046-891C-C12DFF405717}" type="slidenum">
+              <a:rPr lang="en-US" smtClean="0"/>
+              <a:t>9</a:t>
+            </a:fld>
+            <a:endParaRPr lang="en-US"/>
+          </a:p>
+        </p:txBody>
+      </p:sp>
+    </p:spTree>
+    <p:extLst>
+      <p:ext uri="{BB962C8B-B14F-4D97-AF65-F5344CB8AC3E}">
+        <p14:creationId xmlns:p14="http://schemas.microsoft.com/office/powerpoint/2010/main" val="1128889282"/>
       </p:ext>
     </p:extLst>
   </p:cSld>
@@ -10307,4 +16955,644 @@
   </a:objectDefaults>
   <a:extraClrSchemeLst/>
 </a:theme>
+</file>
+
+<file path=ppt/theme/theme2.xml><?xml version="1.0" encoding="utf-8"?>
+<a:theme xmlns:a="http://schemas.openxmlformats.org/drawingml/2006/main" name="Office Theme">
+  <a:themeElements>
+    <a:clrScheme name="Office">
+      <a:dk1>
+        <a:sysClr val="windowText" lastClr="000000"/>
+      </a:dk1>
+      <a:lt1>
+        <a:sysClr val="window" lastClr="FFFFFF"/>
+      </a:lt1>
+      <a:dk2>
+        <a:srgbClr val="1F497D"/>
+      </a:dk2>
+      <a:lt2>
+        <a:srgbClr val="EEECE1"/>
+      </a:lt2>
+      <a:accent1>
+        <a:srgbClr val="4F81BD"/>
+      </a:accent1>
+      <a:accent2>
+        <a:srgbClr val="C0504D"/>
+      </a:accent2>
+      <a:accent3>
+        <a:srgbClr val="9BBB59"/>
+      </a:accent3>
+      <a:accent4>
+        <a:srgbClr val="8064A2"/>
+      </a:accent4>
+      <a:accent5>
+        <a:srgbClr val="4BACC6"/>
+      </a:accent5>
+      <a:accent6>
+        <a:srgbClr val="F79646"/>
+      </a:accent6>
+      <a:hlink>
+        <a:srgbClr val="0000FF"/>
+      </a:hlink>
+      <a:folHlink>
+        <a:srgbClr val="800080"/>
+      </a:folHlink>
+    </a:clrScheme>
+    <a:fontScheme name="Office">
+      <a:majorFont>
+        <a:latin typeface="Calibri"/>
+        <a:ea typeface=""/>
+        <a:cs typeface=""/>
+        <a:font script="Jpan" typeface="ＭＳ Ｐゴシック"/>
+        <a:font script="Hang" typeface="맑은 고딕"/>
+        <a:font script="Hans" typeface="宋体"/>
+        <a:font script="Hant" typeface="新細明體"/>
+        <a:font script="Arab" typeface="Times New Roman"/>
+        <a:font script="Hebr" typeface="Times New Roman"/>
+        <a:font script="Thai" typeface="Angsana New"/>
+        <a:font script="Ethi" typeface="Nyala"/>
+        <a:font script="Beng" typeface="Vrinda"/>
+        <a:font script="Gujr" typeface="Shruti"/>
+        <a:font script="Khmr" typeface="MoolBoran"/>
+        <a:font script="Knda" typeface="Tunga"/>
+        <a:font script="Guru" typeface="Raavi"/>
+        <a:font script="Cans" typeface="Euphemia"/>
+        <a:font script="Cher" typeface="Plantagenet Cherokee"/>
+        <a:font script="Yiii" typeface="Microsoft Yi Baiti"/>
+        <a:font script="Tibt" typeface="Microsoft Himalaya"/>
+        <a:font script="Thaa" typeface="MV Boli"/>
+        <a:font script="Deva" typeface="Mangal"/>
+        <a:font script="Telu" typeface="Gautami"/>
+        <a:font script="Taml" typeface="Latha"/>
+        <a:font script="Syrc" typeface="Estrangelo Edessa"/>
+        <a:font script="Orya" typeface="Kalinga"/>
+        <a:font script="Mlym" typeface="Kartika"/>
+        <a:font script="Laoo" typeface="DokChampa"/>
+        <a:font script="Sinh" typeface="Iskoola Pota"/>
+        <a:font script="Mong" typeface="Mongolian Baiti"/>
+        <a:font script="Viet" typeface="Times New Roman"/>
+        <a:font script="Uigh" typeface="Microsoft Uighur"/>
+        <a:font script="Geor" typeface="Sylfaen"/>
+      </a:majorFont>
+      <a:minorFont>
+        <a:latin typeface="Calibri"/>
+        <a:ea typeface=""/>
+        <a:cs typeface=""/>
+        <a:font script="Jpan" typeface="ＭＳ Ｐゴシック"/>
+        <a:font script="Hang" typeface="맑은 고딕"/>
+        <a:font script="Hans" typeface="宋体"/>
+        <a:font script="Hant" typeface="新細明體"/>
+        <a:font script="Arab" typeface="Arial"/>
+        <a:font script="Hebr" typeface="Arial"/>
+        <a:font script="Thai" typeface="Cordia New"/>
+        <a:font script="Ethi" typeface="Nyala"/>
+        <a:font script="Beng" typeface="Vrinda"/>
+        <a:font script="Gujr" typeface="Shruti"/>
+        <a:font script="Khmr" typeface="DaunPenh"/>
+        <a:font script="Knda" typeface="Tunga"/>
+        <a:font script="Guru" typeface="Raavi"/>
+        <a:font script="Cans" typeface="Euphemia"/>
+        <a:font script="Cher" typeface="Plantagenet Cherokee"/>
+        <a:font script="Yiii" typeface="Microsoft Yi Baiti"/>
+        <a:font script="Tibt" typeface="Microsoft Himalaya"/>
+        <a:font script="Thaa" typeface="MV Boli"/>
+        <a:font script="Deva" typeface="Mangal"/>
+        <a:font script="Telu" typeface="Gautami"/>
+        <a:font script="Taml" typeface="Latha"/>
+        <a:font script="Syrc" typeface="Estrangelo Edessa"/>
+        <a:font script="Orya" typeface="Kalinga"/>
+        <a:font script="Mlym" typeface="Kartika"/>
+        <a:font script="Laoo" typeface="DokChampa"/>
+        <a:font script="Sinh" typeface="Iskoola Pota"/>
+        <a:font script="Mong" typeface="Mongolian Baiti"/>
+        <a:font script="Viet" typeface="Arial"/>
+        <a:font script="Uigh" typeface="Microsoft Uighur"/>
+        <a:font script="Geor" typeface="Sylfaen"/>
+      </a:minorFont>
+    </a:fontScheme>
+    <a:fmtScheme name="Office">
+      <a:fillStyleLst>
+        <a:solidFill>
+          <a:schemeClr val="phClr"/>
+        </a:solidFill>
+        <a:gradFill rotWithShape="1">
+          <a:gsLst>
+            <a:gs pos="0">
+              <a:schemeClr val="phClr">
+                <a:tint val="50000"/>
+                <a:satMod val="300000"/>
+              </a:schemeClr>
+            </a:gs>
+            <a:gs pos="35000">
+              <a:schemeClr val="phClr">
+                <a:tint val="37000"/>
+                <a:satMod val="300000"/>
+              </a:schemeClr>
+            </a:gs>
+            <a:gs pos="100000">
+              <a:schemeClr val="phClr">
+                <a:tint val="15000"/>
+                <a:satMod val="350000"/>
+              </a:schemeClr>
+            </a:gs>
+          </a:gsLst>
+          <a:lin ang="16200000" scaled="1"/>
+        </a:gradFill>
+        <a:gradFill rotWithShape="1">
+          <a:gsLst>
+            <a:gs pos="0">
+              <a:schemeClr val="phClr">
+                <a:tint val="100000"/>
+                <a:shade val="100000"/>
+                <a:satMod val="130000"/>
+              </a:schemeClr>
+            </a:gs>
+            <a:gs pos="100000">
+              <a:schemeClr val="phClr">
+                <a:tint val="50000"/>
+                <a:shade val="100000"/>
+                <a:satMod val="350000"/>
+              </a:schemeClr>
+            </a:gs>
+          </a:gsLst>
+          <a:lin ang="16200000" scaled="0"/>
+        </a:gradFill>
+      </a:fillStyleLst>
+      <a:lnStyleLst>
+        <a:ln w="9525" cap="flat" cmpd="sng" algn="ctr">
+          <a:solidFill>
+            <a:schemeClr val="phClr">
+              <a:shade val="95000"/>
+              <a:satMod val="105000"/>
+            </a:schemeClr>
+          </a:solidFill>
+          <a:prstDash val="solid"/>
+        </a:ln>
+        <a:ln w="25400" cap="flat" cmpd="sng" algn="ctr">
+          <a:solidFill>
+            <a:schemeClr val="phClr"/>
+          </a:solidFill>
+          <a:prstDash val="solid"/>
+        </a:ln>
+        <a:ln w="38100" cap="flat" cmpd="sng" algn="ctr">
+          <a:solidFill>
+            <a:schemeClr val="phClr"/>
+          </a:solidFill>
+          <a:prstDash val="solid"/>
+        </a:ln>
+      </a:lnStyleLst>
+      <a:effectStyleLst>
+        <a:effectStyle>
+          <a:effectLst>
+            <a:outerShdw blurRad="40000" dist="20000" dir="5400000" rotWithShape="0">
+              <a:srgbClr val="000000">
+                <a:alpha val="38000"/>
+              </a:srgbClr>
+            </a:outerShdw>
+          </a:effectLst>
+        </a:effectStyle>
+        <a:effectStyle>
+          <a:effectLst>
+            <a:outerShdw blurRad="40000" dist="23000" dir="5400000" rotWithShape="0">
+              <a:srgbClr val="000000">
+                <a:alpha val="35000"/>
+              </a:srgbClr>
+            </a:outerShdw>
+          </a:effectLst>
+        </a:effectStyle>
+        <a:effectStyle>
+          <a:effectLst>
+            <a:outerShdw blurRad="40000" dist="23000" dir="5400000" rotWithShape="0">
+              <a:srgbClr val="000000">
+                <a:alpha val="35000"/>
+              </a:srgbClr>
+            </a:outerShdw>
+          </a:effectLst>
+          <a:scene3d>
+            <a:camera prst="orthographicFront">
+              <a:rot lat="0" lon="0" rev="0"/>
+            </a:camera>
+            <a:lightRig rig="threePt" dir="t">
+              <a:rot lat="0" lon="0" rev="1200000"/>
+            </a:lightRig>
+          </a:scene3d>
+          <a:sp3d>
+            <a:bevelT w="63500" h="25400"/>
+          </a:sp3d>
+        </a:effectStyle>
+      </a:effectStyleLst>
+      <a:bgFillStyleLst>
+        <a:solidFill>
+          <a:schemeClr val="phClr"/>
+        </a:solidFill>
+        <a:gradFill rotWithShape="1">
+          <a:gsLst>
+            <a:gs pos="0">
+              <a:schemeClr val="phClr">
+                <a:tint val="40000"/>
+                <a:satMod val="350000"/>
+              </a:schemeClr>
+            </a:gs>
+            <a:gs pos="40000">
+              <a:schemeClr val="phClr">
+                <a:tint val="45000"/>
+                <a:shade val="99000"/>
+                <a:satMod val="350000"/>
+              </a:schemeClr>
+            </a:gs>
+            <a:gs pos="100000">
+              <a:schemeClr val="phClr">
+                <a:shade val="20000"/>
+                <a:satMod val="255000"/>
+              </a:schemeClr>
+            </a:gs>
+          </a:gsLst>
+          <a:path path="circle">
+            <a:fillToRect l="50000" t="-80000" r="50000" b="180000"/>
+          </a:path>
+        </a:gradFill>
+        <a:gradFill rotWithShape="1">
+          <a:gsLst>
+            <a:gs pos="0">
+              <a:schemeClr val="phClr">
+                <a:tint val="80000"/>
+                <a:satMod val="300000"/>
+              </a:schemeClr>
+            </a:gs>
+            <a:gs pos="100000">
+              <a:schemeClr val="phClr">
+                <a:shade val="30000"/>
+                <a:satMod val="200000"/>
+              </a:schemeClr>
+            </a:gs>
+          </a:gsLst>
+          <a:path path="circle">
+            <a:fillToRect l="50000" t="50000" r="50000" b="50000"/>
+          </a:path>
+        </a:gradFill>
+      </a:bgFillStyleLst>
+    </a:fmtScheme>
+  </a:themeElements>
+  <a:objectDefaults>
+    <a:spDef>
+      <a:spPr/>
+      <a:bodyPr/>
+      <a:lstStyle/>
+      <a:style>
+        <a:lnRef idx="1">
+          <a:schemeClr val="accent1"/>
+        </a:lnRef>
+        <a:fillRef idx="3">
+          <a:schemeClr val="accent1"/>
+        </a:fillRef>
+        <a:effectRef idx="2">
+          <a:schemeClr val="accent1"/>
+        </a:effectRef>
+        <a:fontRef idx="minor">
+          <a:schemeClr val="lt1"/>
+        </a:fontRef>
+      </a:style>
+    </a:spDef>
+    <a:lnDef>
+      <a:spPr/>
+      <a:bodyPr/>
+      <a:lstStyle/>
+      <a:style>
+        <a:lnRef idx="2">
+          <a:schemeClr val="accent1"/>
+        </a:lnRef>
+        <a:fillRef idx="0">
+          <a:schemeClr val="accent1"/>
+        </a:fillRef>
+        <a:effectRef idx="1">
+          <a:schemeClr val="accent1"/>
+        </a:effectRef>
+        <a:fontRef idx="minor">
+          <a:schemeClr val="tx1"/>
+        </a:fontRef>
+      </a:style>
+    </a:lnDef>
+  </a:objectDefaults>
+  <a:extraClrSchemeLst/>
+</a:theme>
+</file>
+
+<file path=ppt/theme/theme3.xml><?xml version="1.0" encoding="utf-8"?>
+<a:theme xmlns:a="http://schemas.openxmlformats.org/drawingml/2006/main" name="Office Theme">
+  <a:themeElements>
+    <a:clrScheme name="Office">
+      <a:dk1>
+        <a:sysClr val="windowText" lastClr="000000"/>
+      </a:dk1>
+      <a:lt1>
+        <a:sysClr val="window" lastClr="FFFFFF"/>
+      </a:lt1>
+      <a:dk2>
+        <a:srgbClr val="1F497D"/>
+      </a:dk2>
+      <a:lt2>
+        <a:srgbClr val="EEECE1"/>
+      </a:lt2>
+      <a:accent1>
+        <a:srgbClr val="4F81BD"/>
+      </a:accent1>
+      <a:accent2>
+        <a:srgbClr val="C0504D"/>
+      </a:accent2>
+      <a:accent3>
+        <a:srgbClr val="9BBB59"/>
+      </a:accent3>
+      <a:accent4>
+        <a:srgbClr val="8064A2"/>
+      </a:accent4>
+      <a:accent5>
+        <a:srgbClr val="4BACC6"/>
+      </a:accent5>
+      <a:accent6>
+        <a:srgbClr val="F79646"/>
+      </a:accent6>
+      <a:hlink>
+        <a:srgbClr val="0000FF"/>
+      </a:hlink>
+      <a:folHlink>
+        <a:srgbClr val="800080"/>
+      </a:folHlink>
+    </a:clrScheme>
+    <a:fontScheme name="Office">
+      <a:majorFont>
+        <a:latin typeface="Calibri"/>
+        <a:ea typeface=""/>
+        <a:cs typeface=""/>
+        <a:font script="Jpan" typeface="ＭＳ Ｐゴシック"/>
+        <a:font script="Hang" typeface="맑은 고딕"/>
+        <a:font script="Hans" typeface="宋体"/>
+        <a:font script="Hant" typeface="新細明體"/>
+        <a:font script="Arab" typeface="Times New Roman"/>
+        <a:font script="Hebr" typeface="Times New Roman"/>
+        <a:font script="Thai" typeface="Angsana New"/>
+        <a:font script="Ethi" typeface="Nyala"/>
+        <a:font script="Beng" typeface="Vrinda"/>
+        <a:font script="Gujr" typeface="Shruti"/>
+        <a:font script="Khmr" typeface="MoolBoran"/>
+        <a:font script="Knda" typeface="Tunga"/>
+        <a:font script="Guru" typeface="Raavi"/>
+        <a:font script="Cans" typeface="Euphemia"/>
+        <a:font script="Cher" typeface="Plantagenet Cherokee"/>
+        <a:font script="Yiii" typeface="Microsoft Yi Baiti"/>
+        <a:font script="Tibt" typeface="Microsoft Himalaya"/>
+        <a:font script="Thaa" typeface="MV Boli"/>
+        <a:font script="Deva" typeface="Mangal"/>
+        <a:font script="Telu" typeface="Gautami"/>
+        <a:font script="Taml" typeface="Latha"/>
+        <a:font script="Syrc" typeface="Estrangelo Edessa"/>
+        <a:font script="Orya" typeface="Kalinga"/>
+        <a:font script="Mlym" typeface="Kartika"/>
+        <a:font script="Laoo" typeface="DokChampa"/>
+        <a:font script="Sinh" typeface="Iskoola Pota"/>
+        <a:font script="Mong" typeface="Mongolian Baiti"/>
+        <a:font script="Viet" typeface="Times New Roman"/>
+        <a:font script="Uigh" typeface="Microsoft Uighur"/>
+        <a:font script="Geor" typeface="Sylfaen"/>
+      </a:majorFont>
+      <a:minorFont>
+        <a:latin typeface="Calibri"/>
+        <a:ea typeface=""/>
+        <a:cs typeface=""/>
+        <a:font script="Jpan" typeface="ＭＳ Ｐゴシック"/>
+        <a:font script="Hang" typeface="맑은 고딕"/>
+        <a:font script="Hans" typeface="宋体"/>
+        <a:font script="Hant" typeface="新細明體"/>
+        <a:font script="Arab" typeface="Arial"/>
+        <a:font script="Hebr" typeface="Arial"/>
+        <a:font script="Thai" typeface="Cordia New"/>
+        <a:font script="Ethi" typeface="Nyala"/>
+        <a:font script="Beng" typeface="Vrinda"/>
+        <a:font script="Gujr" typeface="Shruti"/>
+        <a:font script="Khmr" typeface="DaunPenh"/>
+        <a:font script="Knda" typeface="Tunga"/>
+        <a:font script="Guru" typeface="Raavi"/>
+        <a:font script="Cans" typeface="Euphemia"/>
+        <a:font script="Cher" typeface="Plantagenet Cherokee"/>
+        <a:font script="Yiii" typeface="Microsoft Yi Baiti"/>
+        <a:font script="Tibt" typeface="Microsoft Himalaya"/>
+        <a:font script="Thaa" typeface="MV Boli"/>
+        <a:font script="Deva" typeface="Mangal"/>
+        <a:font script="Telu" typeface="Gautami"/>
+        <a:font script="Taml" typeface="Latha"/>
+        <a:font script="Syrc" typeface="Estrangelo Edessa"/>
+        <a:font script="Orya" typeface="Kalinga"/>
+        <a:font script="Mlym" typeface="Kartika"/>
+        <a:font script="Laoo" typeface="DokChampa"/>
+        <a:font script="Sinh" typeface="Iskoola Pota"/>
+        <a:font script="Mong" typeface="Mongolian Baiti"/>
+        <a:font script="Viet" typeface="Arial"/>
+        <a:font script="Uigh" typeface="Microsoft Uighur"/>
+        <a:font script="Geor" typeface="Sylfaen"/>
+      </a:minorFont>
+    </a:fontScheme>
+    <a:fmtScheme name="Office">
+      <a:fillStyleLst>
+        <a:solidFill>
+          <a:schemeClr val="phClr"/>
+        </a:solidFill>
+        <a:gradFill rotWithShape="1">
+          <a:gsLst>
+            <a:gs pos="0">
+              <a:schemeClr val="phClr">
+                <a:tint val="50000"/>
+                <a:satMod val="300000"/>
+              </a:schemeClr>
+            </a:gs>
+            <a:gs pos="35000">
+              <a:schemeClr val="phClr">
+                <a:tint val="37000"/>
+                <a:satMod val="300000"/>
+              </a:schemeClr>
+            </a:gs>
+            <a:gs pos="100000">
+              <a:schemeClr val="phClr">
+                <a:tint val="15000"/>
+                <a:satMod val="350000"/>
+              </a:schemeClr>
+            </a:gs>
+          </a:gsLst>
+          <a:lin ang="16200000" scaled="1"/>
+        </a:gradFill>
+        <a:gradFill rotWithShape="1">
+          <a:gsLst>
+            <a:gs pos="0">
+              <a:schemeClr val="phClr">
+                <a:tint val="100000"/>
+                <a:shade val="100000"/>
+                <a:satMod val="130000"/>
+              </a:schemeClr>
+            </a:gs>
+            <a:gs pos="100000">
+              <a:schemeClr val="phClr">
+                <a:tint val="50000"/>
+                <a:shade val="100000"/>
+                <a:satMod val="350000"/>
+              </a:schemeClr>
+            </a:gs>
+          </a:gsLst>
+          <a:lin ang="16200000" scaled="0"/>
+        </a:gradFill>
+      </a:fillStyleLst>
+      <a:lnStyleLst>
+        <a:ln w="9525" cap="flat" cmpd="sng" algn="ctr">
+          <a:solidFill>
+            <a:schemeClr val="phClr">
+              <a:shade val="95000"/>
+              <a:satMod val="105000"/>
+            </a:schemeClr>
+          </a:solidFill>
+          <a:prstDash val="solid"/>
+        </a:ln>
+        <a:ln w="25400" cap="flat" cmpd="sng" algn="ctr">
+          <a:solidFill>
+            <a:schemeClr val="phClr"/>
+          </a:solidFill>
+          <a:prstDash val="solid"/>
+        </a:ln>
+        <a:ln w="38100" cap="flat" cmpd="sng" algn="ctr">
+          <a:solidFill>
+            <a:schemeClr val="phClr"/>
+          </a:solidFill>
+          <a:prstDash val="solid"/>
+        </a:ln>
+      </a:lnStyleLst>
+      <a:effectStyleLst>
+        <a:effectStyle>
+          <a:effectLst>
+            <a:outerShdw blurRad="40000" dist="20000" dir="5400000" rotWithShape="0">
+              <a:srgbClr val="000000">
+                <a:alpha val="38000"/>
+              </a:srgbClr>
+            </a:outerShdw>
+          </a:effectLst>
+        </a:effectStyle>
+        <a:effectStyle>
+          <a:effectLst>
+            <a:outerShdw blurRad="40000" dist="23000" dir="5400000" rotWithShape="0">
+              <a:srgbClr val="000000">
+                <a:alpha val="35000"/>
+              </a:srgbClr>
+            </a:outerShdw>
+          </a:effectLst>
+        </a:effectStyle>
+        <a:effectStyle>
+          <a:effectLst>
+            <a:outerShdw blurRad="40000" dist="23000" dir="5400000" rotWithShape="0">
+              <a:srgbClr val="000000">
+                <a:alpha val="35000"/>
+              </a:srgbClr>
+            </a:outerShdw>
+          </a:effectLst>
+          <a:scene3d>
+            <a:camera prst="orthographicFront">
+              <a:rot lat="0" lon="0" rev="0"/>
+            </a:camera>
+            <a:lightRig rig="threePt" dir="t">
+              <a:rot lat="0" lon="0" rev="1200000"/>
+            </a:lightRig>
+          </a:scene3d>
+          <a:sp3d>
+            <a:bevelT w="63500" h="25400"/>
+          </a:sp3d>
+        </a:effectStyle>
+      </a:effectStyleLst>
+      <a:bgFillStyleLst>
+        <a:solidFill>
+          <a:schemeClr val="phClr"/>
+        </a:solidFill>
+        <a:gradFill rotWithShape="1">
+          <a:gsLst>
+            <a:gs pos="0">
+              <a:schemeClr val="phClr">
+                <a:tint val="40000"/>
+                <a:satMod val="350000"/>
+              </a:schemeClr>
+            </a:gs>
+            <a:gs pos="40000">
+              <a:schemeClr val="phClr">
+                <a:tint val="45000"/>
+                <a:shade val="99000"/>
+                <a:satMod val="350000"/>
+              </a:schemeClr>
+            </a:gs>
+            <a:gs pos="100000">
+              <a:schemeClr val="phClr">
+                <a:shade val="20000"/>
+                <a:satMod val="255000"/>
+              </a:schemeClr>
+            </a:gs>
+          </a:gsLst>
+          <a:path path="circle">
+            <a:fillToRect l="50000" t="-80000" r="50000" b="180000"/>
+          </a:path>
+        </a:gradFill>
+        <a:gradFill rotWithShape="1">
+          <a:gsLst>
+            <a:gs pos="0">
+              <a:schemeClr val="phClr">
+                <a:tint val="80000"/>
+                <a:satMod val="300000"/>
+              </a:schemeClr>
+            </a:gs>
+            <a:gs pos="100000">
+              <a:schemeClr val="phClr">
+                <a:shade val="30000"/>
+                <a:satMod val="200000"/>
+              </a:schemeClr>
+            </a:gs>
+          </a:gsLst>
+          <a:path path="circle">
+            <a:fillToRect l="50000" t="50000" r="50000" b="50000"/>
+          </a:path>
+        </a:gradFill>
+      </a:bgFillStyleLst>
+    </a:fmtScheme>
+  </a:themeElements>
+  <a:objectDefaults>
+    <a:spDef>
+      <a:spPr/>
+      <a:bodyPr/>
+      <a:lstStyle/>
+      <a:style>
+        <a:lnRef idx="1">
+          <a:schemeClr val="accent1"/>
+        </a:lnRef>
+        <a:fillRef idx="3">
+          <a:schemeClr val="accent1"/>
+        </a:fillRef>
+        <a:effectRef idx="2">
+          <a:schemeClr val="accent1"/>
+        </a:effectRef>
+        <a:fontRef idx="minor">
+          <a:schemeClr val="lt1"/>
+        </a:fontRef>
+      </a:style>
+    </a:spDef>
+    <a:lnDef>
+      <a:spPr/>
+      <a:bodyPr/>
+      <a:lstStyle/>
+      <a:style>
+        <a:lnRef idx="2">
+          <a:schemeClr val="accent1"/>
+        </a:lnRef>
+        <a:fillRef idx="0">
+          <a:schemeClr val="accent1"/>
+        </a:fillRef>
+        <a:effectRef idx="1">
+          <a:schemeClr val="accent1"/>
+        </a:effectRef>
+        <a:fontRef idx="minor">
+          <a:schemeClr val="tx1"/>
+        </a:fontRef>
+      </a:style>
+    </a:lnDef>
+  </a:objectDefaults>
+  <a:extraClrSchemeLst/>
+</a:theme>
 </file>
--- a/Guardians of the GUI MD System Presentation.pptx
+++ b/Guardians of the GUI MD System Presentation.pptx
@@ -7130,15 +7130,7 @@
             <a:pPr lvl="1"/>
             <a:r>
               <a:rPr lang="en-US" dirty="0" smtClean="0"/>
-              <a:t>All of our database code </a:t>
-            </a:r>
-            <a:r>
-              <a:rPr lang="en-US" dirty="0" err="1" smtClean="0"/>
-              <a:t>isabstracted</a:t>
-            </a:r>
-            <a:r>
-              <a:rPr lang="en-US" dirty="0" smtClean="0"/>
-              <a:t> into the </a:t>
+              <a:t>All of our database code is abstracted into the </a:t>
             </a:r>
             <a:r>
               <a:rPr lang="en-US" dirty="0" err="1" smtClean="0"/>
@@ -7497,7 +7489,7 @@
             <p:ph sz="quarter" idx="1"/>
             <p:extLst>
               <p:ext uri="{D42A27DB-BD31-4B8C-83A1-F6EECF244321}">
-                <p14:modId xmlns:p14="http://schemas.microsoft.com/office/powerpoint/2010/main" val="859912952"/>
+                <p14:modId xmlns:p14="http://schemas.microsoft.com/office/powerpoint/2010/main" val="1603040230"/>
               </p:ext>
             </p:extLst>
           </p:nvPr>
@@ -7764,8 +7756,9 @@
                     <a:p>
                       <a:r>
                         <a:rPr lang="en-US" dirty="0" smtClean="0"/>
-                        <a:t>address 2</a:t>
+                        <a:t>address_2</a:t>
                       </a:r>
+                      <a:endParaRPr lang="en-US" dirty="0" smtClean="0"/>
                     </a:p>
                   </a:txBody>
                   <a:tcPr/>
